--- a/Template.pptx
+++ b/Template.pptx
@@ -245,7 +245,7 @@
           <a:p>
             <a:fld id="{32F7251A-AE54-443C-B8FE-5F636E835EBF}" type="datetimeFigureOut">
               <a:rPr lang="en-US" smtClean="0"/>
-              <a:t>7/23/2017</a:t>
+              <a:t>8/27/2017</a:t>
             </a:fld>
             <a:endParaRPr lang="en-US"/>
           </a:p>
@@ -413,7 +413,7 @@
           <a:p>
             <a:fld id="{32F7251A-AE54-443C-B8FE-5F636E835EBF}" type="datetimeFigureOut">
               <a:rPr lang="en-US" smtClean="0"/>
-              <a:t>7/23/2017</a:t>
+              <a:t>8/27/2017</a:t>
             </a:fld>
             <a:endParaRPr lang="en-US"/>
           </a:p>
@@ -591,7 +591,7 @@
           <a:p>
             <a:fld id="{32F7251A-AE54-443C-B8FE-5F636E835EBF}" type="datetimeFigureOut">
               <a:rPr lang="en-US" smtClean="0"/>
-              <a:t>7/23/2017</a:t>
+              <a:t>8/27/2017</a:t>
             </a:fld>
             <a:endParaRPr lang="en-US"/>
           </a:p>
@@ -759,7 +759,7 @@
           <a:p>
             <a:fld id="{32F7251A-AE54-443C-B8FE-5F636E835EBF}" type="datetimeFigureOut">
               <a:rPr lang="en-US" smtClean="0"/>
-              <a:t>7/23/2017</a:t>
+              <a:t>8/27/2017</a:t>
             </a:fld>
             <a:endParaRPr lang="en-US"/>
           </a:p>
@@ -1004,7 +1004,7 @@
           <a:p>
             <a:fld id="{32F7251A-AE54-443C-B8FE-5F636E835EBF}" type="datetimeFigureOut">
               <a:rPr lang="en-US" smtClean="0"/>
-              <a:t>7/23/2017</a:t>
+              <a:t>8/27/2017</a:t>
             </a:fld>
             <a:endParaRPr lang="en-US"/>
           </a:p>
@@ -1233,7 +1233,7 @@
           <a:p>
             <a:fld id="{32F7251A-AE54-443C-B8FE-5F636E835EBF}" type="datetimeFigureOut">
               <a:rPr lang="en-US" smtClean="0"/>
-              <a:t>7/23/2017</a:t>
+              <a:t>8/27/2017</a:t>
             </a:fld>
             <a:endParaRPr lang="en-US"/>
           </a:p>
@@ -1597,7 +1597,7 @@
           <a:p>
             <a:fld id="{32F7251A-AE54-443C-B8FE-5F636E835EBF}" type="datetimeFigureOut">
               <a:rPr lang="en-US" smtClean="0"/>
-              <a:t>7/23/2017</a:t>
+              <a:t>8/27/2017</a:t>
             </a:fld>
             <a:endParaRPr lang="en-US"/>
           </a:p>
@@ -1714,7 +1714,7 @@
           <a:p>
             <a:fld id="{32F7251A-AE54-443C-B8FE-5F636E835EBF}" type="datetimeFigureOut">
               <a:rPr lang="en-US" smtClean="0"/>
-              <a:t>7/23/2017</a:t>
+              <a:t>8/27/2017</a:t>
             </a:fld>
             <a:endParaRPr lang="en-US"/>
           </a:p>
@@ -1809,7 +1809,7 @@
           <a:p>
             <a:fld id="{32F7251A-AE54-443C-B8FE-5F636E835EBF}" type="datetimeFigureOut">
               <a:rPr lang="en-US" smtClean="0"/>
-              <a:t>7/23/2017</a:t>
+              <a:t>8/27/2017</a:t>
             </a:fld>
             <a:endParaRPr lang="en-US"/>
           </a:p>
@@ -2084,7 +2084,7 @@
           <a:p>
             <a:fld id="{32F7251A-AE54-443C-B8FE-5F636E835EBF}" type="datetimeFigureOut">
               <a:rPr lang="en-US" smtClean="0"/>
-              <a:t>7/23/2017</a:t>
+              <a:t>8/27/2017</a:t>
             </a:fld>
             <a:endParaRPr lang="en-US"/>
           </a:p>
@@ -2336,7 +2336,7 @@
           <a:p>
             <a:fld id="{32F7251A-AE54-443C-B8FE-5F636E835EBF}" type="datetimeFigureOut">
               <a:rPr lang="en-US" smtClean="0"/>
-              <a:t>7/23/2017</a:t>
+              <a:t>8/27/2017</a:t>
             </a:fld>
             <a:endParaRPr lang="en-US"/>
           </a:p>
@@ -2550,7 +2550,7 @@
           <a:p>
             <a:fld id="{32F7251A-AE54-443C-B8FE-5F636E835EBF}" type="datetimeFigureOut">
               <a:rPr lang="en-US" smtClean="0"/>
-              <a:t>7/23/2017</a:t>
+              <a:t>8/27/2017</a:t>
             </a:fld>
             <a:endParaRPr lang="en-US"/>
           </a:p>
@@ -3020,8 +3020,8 @@
         </p:nvSpPr>
         <p:spPr>
           <a:xfrm>
-            <a:off x="0" y="665977"/>
-            <a:ext cx="12192000" cy="3970318"/>
+            <a:off x="0" y="1023785"/>
+            <a:ext cx="12192000" cy="2862322"/>
           </a:xfrm>
           <a:prstGeom prst="rect">
             <a:avLst/>
@@ -3041,18 +3041,7 @@
                   <a:schemeClr val="bg1"/>
                 </a:solidFill>
               </a:rPr>
-              <a:t>We will not be broadcasting today due to an</a:t>
-            </a:r>
-          </a:p>
-          <a:p>
-            <a:pPr algn="ctr"/>
-            <a:r>
-              <a:rPr lang="en-US" sz="3600" dirty="0">
-                <a:solidFill>
-                  <a:schemeClr val="bg1"/>
-                </a:solidFill>
-              </a:rPr>
-              <a:t>internet outage.</a:t>
+              <a:t>We are experiencing technical difficulties.</a:t>
             </a:r>
           </a:p>
           <a:p>
@@ -3071,18 +3060,7 @@
                   <a:schemeClr val="bg1"/>
                 </a:solidFill>
               </a:rPr>
-              <a:t>The recording of today’s service will be posted</a:t>
-            </a:r>
-          </a:p>
-          <a:p>
-            <a:pPr algn="ctr"/>
-            <a:r>
-              <a:rPr lang="en-US" sz="3600" dirty="0">
-                <a:solidFill>
-                  <a:schemeClr val="bg1"/>
-                </a:solidFill>
-              </a:rPr>
-              <a:t>by Wednesday, 7/26 at 5:00 PM CDT.</a:t>
+              <a:t>We will return as soon as possible.</a:t>
             </a:r>
           </a:p>
           <a:p>

--- a/Template.pptx
+++ b/Template.pptx
@@ -245,7 +245,7 @@
           <a:p>
             <a:fld id="{32F7251A-AE54-443C-B8FE-5F636E835EBF}" type="datetimeFigureOut">
               <a:rPr lang="en-US" smtClean="0"/>
-              <a:t>8/27/2017</a:t>
+              <a:t>12/3/2017</a:t>
             </a:fld>
             <a:endParaRPr lang="en-US"/>
           </a:p>
@@ -413,7 +413,7 @@
           <a:p>
             <a:fld id="{32F7251A-AE54-443C-B8FE-5F636E835EBF}" type="datetimeFigureOut">
               <a:rPr lang="en-US" smtClean="0"/>
-              <a:t>8/27/2017</a:t>
+              <a:t>12/3/2017</a:t>
             </a:fld>
             <a:endParaRPr lang="en-US"/>
           </a:p>
@@ -591,7 +591,7 @@
           <a:p>
             <a:fld id="{32F7251A-AE54-443C-B8FE-5F636E835EBF}" type="datetimeFigureOut">
               <a:rPr lang="en-US" smtClean="0"/>
-              <a:t>8/27/2017</a:t>
+              <a:t>12/3/2017</a:t>
             </a:fld>
             <a:endParaRPr lang="en-US"/>
           </a:p>
@@ -759,7 +759,7 @@
           <a:p>
             <a:fld id="{32F7251A-AE54-443C-B8FE-5F636E835EBF}" type="datetimeFigureOut">
               <a:rPr lang="en-US" smtClean="0"/>
-              <a:t>8/27/2017</a:t>
+              <a:t>12/3/2017</a:t>
             </a:fld>
             <a:endParaRPr lang="en-US"/>
           </a:p>
@@ -1004,7 +1004,7 @@
           <a:p>
             <a:fld id="{32F7251A-AE54-443C-B8FE-5F636E835EBF}" type="datetimeFigureOut">
               <a:rPr lang="en-US" smtClean="0"/>
-              <a:t>8/27/2017</a:t>
+              <a:t>12/3/2017</a:t>
             </a:fld>
             <a:endParaRPr lang="en-US"/>
           </a:p>
@@ -1233,7 +1233,7 @@
           <a:p>
             <a:fld id="{32F7251A-AE54-443C-B8FE-5F636E835EBF}" type="datetimeFigureOut">
               <a:rPr lang="en-US" smtClean="0"/>
-              <a:t>8/27/2017</a:t>
+              <a:t>12/3/2017</a:t>
             </a:fld>
             <a:endParaRPr lang="en-US"/>
           </a:p>
@@ -1597,7 +1597,7 @@
           <a:p>
             <a:fld id="{32F7251A-AE54-443C-B8FE-5F636E835EBF}" type="datetimeFigureOut">
               <a:rPr lang="en-US" smtClean="0"/>
-              <a:t>8/27/2017</a:t>
+              <a:t>12/3/2017</a:t>
             </a:fld>
             <a:endParaRPr lang="en-US"/>
           </a:p>
@@ -1714,7 +1714,7 @@
           <a:p>
             <a:fld id="{32F7251A-AE54-443C-B8FE-5F636E835EBF}" type="datetimeFigureOut">
               <a:rPr lang="en-US" smtClean="0"/>
-              <a:t>8/27/2017</a:t>
+              <a:t>12/3/2017</a:t>
             </a:fld>
             <a:endParaRPr lang="en-US"/>
           </a:p>
@@ -1809,7 +1809,7 @@
           <a:p>
             <a:fld id="{32F7251A-AE54-443C-B8FE-5F636E835EBF}" type="datetimeFigureOut">
               <a:rPr lang="en-US" smtClean="0"/>
-              <a:t>8/27/2017</a:t>
+              <a:t>12/3/2017</a:t>
             </a:fld>
             <a:endParaRPr lang="en-US"/>
           </a:p>
@@ -2084,7 +2084,7 @@
           <a:p>
             <a:fld id="{32F7251A-AE54-443C-B8FE-5F636E835EBF}" type="datetimeFigureOut">
               <a:rPr lang="en-US" smtClean="0"/>
-              <a:t>8/27/2017</a:t>
+              <a:t>12/3/2017</a:t>
             </a:fld>
             <a:endParaRPr lang="en-US"/>
           </a:p>
@@ -2336,7 +2336,7 @@
           <a:p>
             <a:fld id="{32F7251A-AE54-443C-B8FE-5F636E835EBF}" type="datetimeFigureOut">
               <a:rPr lang="en-US" smtClean="0"/>
-              <a:t>8/27/2017</a:t>
+              <a:t>12/3/2017</a:t>
             </a:fld>
             <a:endParaRPr lang="en-US"/>
           </a:p>
@@ -2550,7 +2550,7 @@
           <a:p>
             <a:fld id="{32F7251A-AE54-443C-B8FE-5F636E835EBF}" type="datetimeFigureOut">
               <a:rPr lang="en-US" smtClean="0"/>
-              <a:t>8/27/2017</a:t>
+              <a:t>12/3/2017</a:t>
             </a:fld>
             <a:endParaRPr lang="en-US"/>
           </a:p>
@@ -3020,8 +3020,8 @@
         </p:nvSpPr>
         <p:spPr>
           <a:xfrm>
-            <a:off x="0" y="1023785"/>
-            <a:ext cx="12192000" cy="2862322"/>
+            <a:off x="0" y="1182811"/>
+            <a:ext cx="12192000" cy="769441"/>
           </a:xfrm>
           <a:prstGeom prst="rect">
             <a:avLst/>
@@ -3036,6 +3036,109 @@
           <a:p>
             <a:pPr algn="ctr"/>
             <a:r>
+              <a:rPr lang="en-US" sz="4400" b="1" u="sng" dirty="0">
+                <a:solidFill>
+                  <a:schemeClr val="bg1"/>
+                </a:solidFill>
+              </a:rPr>
+              <a:t>Zarahemla Branch</a:t>
+            </a:r>
+          </a:p>
+        </p:txBody>
+      </p:sp>
+      <p:sp>
+        <p:nvSpPr>
+          <p:cNvPr id="5" name="Rectangle 4">
+            <a:extLst>
+              <a:ext uri="{FF2B5EF4-FFF2-40B4-BE49-F238E27FC236}">
+                <a16:creationId xmlns:a16="http://schemas.microsoft.com/office/drawing/2014/main" id="{FBCC6AED-DAF8-4AAB-84B6-F0682F7D944A}"/>
+              </a:ext>
+            </a:extLst>
+          </p:cNvPr>
+          <p:cNvSpPr/>
+          <p:nvPr/>
+        </p:nvSpPr>
+        <p:spPr>
+          <a:xfrm flipV="1">
+            <a:off x="0" y="0"/>
+            <a:ext cx="12192000" cy="601697"/>
+          </a:xfrm>
+          <a:prstGeom prst="rect">
+            <a:avLst/>
+          </a:prstGeom>
+          <a:gradFill flip="none" rotWithShape="1">
+            <a:gsLst>
+              <a:gs pos="0">
+                <a:srgbClr val="998675">
+                  <a:alpha val="0"/>
+                </a:srgbClr>
+              </a:gs>
+              <a:gs pos="100000">
+                <a:srgbClr val="998675"/>
+              </a:gs>
+            </a:gsLst>
+            <a:lin ang="5400000" scaled="1"/>
+            <a:tileRect/>
+          </a:gradFill>
+          <a:ln>
+            <a:noFill/>
+          </a:ln>
+        </p:spPr>
+        <p:style>
+          <a:lnRef idx="2">
+            <a:schemeClr val="accent1">
+              <a:shade val="50000"/>
+            </a:schemeClr>
+          </a:lnRef>
+          <a:fillRef idx="1">
+            <a:schemeClr val="accent1"/>
+          </a:fillRef>
+          <a:effectRef idx="0">
+            <a:schemeClr val="accent1"/>
+          </a:effectRef>
+          <a:fontRef idx="minor">
+            <a:schemeClr val="lt1"/>
+          </a:fontRef>
+        </p:style>
+        <p:txBody>
+          <a:bodyPr rtlCol="0" anchor="ctr"/>
+          <a:lstStyle/>
+          <a:p>
+            <a:pPr algn="ctr"/>
+            <a:endParaRPr lang="en-US"/>
+          </a:p>
+        </p:txBody>
+      </p:sp>
+      <p:sp>
+        <p:nvSpPr>
+          <p:cNvPr id="7" name="TextBox 6">
+            <a:extLst>
+              <a:ext uri="{FF2B5EF4-FFF2-40B4-BE49-F238E27FC236}">
+                <a16:creationId xmlns:a16="http://schemas.microsoft.com/office/drawing/2014/main" id="{2D714E6B-B44C-4E94-8F09-16950680C490}"/>
+              </a:ext>
+            </a:extLst>
+          </p:cNvPr>
+          <p:cNvSpPr txBox="1"/>
+          <p:nvPr/>
+        </p:nvSpPr>
+        <p:spPr>
+          <a:xfrm>
+            <a:off x="-6624" y="2799575"/>
+            <a:ext cx="12192000" cy="1754326"/>
+          </a:xfrm>
+          <a:prstGeom prst="rect">
+            <a:avLst/>
+          </a:prstGeom>
+          <a:noFill/>
+        </p:spPr>
+        <p:txBody>
+          <a:bodyPr wrap="square" rtlCol="0">
+            <a:spAutoFit/>
+          </a:bodyPr>
+          <a:lstStyle/>
+          <a:p>
+            <a:pPr algn="ctr"/>
+            <a:r>
               <a:rPr lang="en-US" sz="3600" dirty="0">
                 <a:solidFill>
                   <a:schemeClr val="bg1"/>
@@ -3060,26 +3163,7 @@
                   <a:schemeClr val="bg1"/>
                 </a:solidFill>
               </a:rPr>
-              <a:t>We will return as soon as possible.</a:t>
-            </a:r>
-          </a:p>
-          <a:p>
-            <a:pPr algn="ctr"/>
-            <a:endParaRPr lang="en-US" sz="3600" dirty="0">
-              <a:solidFill>
-                <a:schemeClr val="bg1"/>
-              </a:solidFill>
-            </a:endParaRPr>
-          </a:p>
-          <a:p>
-            <a:pPr algn="ctr"/>
-            <a:r>
-              <a:rPr lang="en-US" sz="3600" dirty="0">
-                <a:solidFill>
-                  <a:schemeClr val="bg1"/>
-                </a:solidFill>
-              </a:rPr>
-              <a:t>We apologize for the inconvenience.</a:t>
+              <a:t>We will return shortly.</a:t>
             </a:r>
           </a:p>
         </p:txBody>

--- a/Template.pptx
+++ b/Template.pptx
@@ -6,6 +6,7 @@
   </p:sldMasterIdLst>
   <p:sldIdLst>
     <p:sldId id="256" r:id="rId2"/>
+    <p:sldId id="257" r:id="rId3"/>
   </p:sldIdLst>
   <p:sldSz cx="12192000" cy="6858000"/>
   <p:notesSz cx="6858000" cy="9144000"/>
@@ -112,10 +113,6 @@
 </p:presentation>
 </file>
 
-<file path=ppt/revisionInfo.xml><?xml version="1.0" encoding="utf-8"?>
-<p1510:revInfo xmlns:a="http://schemas.openxmlformats.org/drawingml/2006/main" xmlns:r="http://schemas.openxmlformats.org/officeDocument/2006/relationships" xmlns:p1510="http://schemas.microsoft.com/office/powerpoint/2015/10/main"/>
-</file>
-
 <file path=ppt/slideLayouts/slideLayout1.xml><?xml version="1.0" encoding="utf-8"?>
 <p:sldLayout xmlns:a="http://schemas.openxmlformats.org/drawingml/2006/main" xmlns:r="http://schemas.openxmlformats.org/officeDocument/2006/relationships" xmlns:p="http://schemas.openxmlformats.org/presentationml/2006/main" type="title" preserve="1">
   <p:cSld name="Title Slide">
@@ -245,7 +242,7 @@
           <a:p>
             <a:fld id="{32F7251A-AE54-443C-B8FE-5F636E835EBF}" type="datetimeFigureOut">
               <a:rPr lang="en-US" smtClean="0"/>
-              <a:t>12/3/2017</a:t>
+              <a:t>4/1/2018</a:t>
             </a:fld>
             <a:endParaRPr lang="en-US"/>
           </a:p>
@@ -413,7 +410,7 @@
           <a:p>
             <a:fld id="{32F7251A-AE54-443C-B8FE-5F636E835EBF}" type="datetimeFigureOut">
               <a:rPr lang="en-US" smtClean="0"/>
-              <a:t>12/3/2017</a:t>
+              <a:t>4/1/2018</a:t>
             </a:fld>
             <a:endParaRPr lang="en-US"/>
           </a:p>
@@ -591,7 +588,7 @@
           <a:p>
             <a:fld id="{32F7251A-AE54-443C-B8FE-5F636E835EBF}" type="datetimeFigureOut">
               <a:rPr lang="en-US" smtClean="0"/>
-              <a:t>12/3/2017</a:t>
+              <a:t>4/1/2018</a:t>
             </a:fld>
             <a:endParaRPr lang="en-US"/>
           </a:p>
@@ -759,7 +756,7 @@
           <a:p>
             <a:fld id="{32F7251A-AE54-443C-B8FE-5F636E835EBF}" type="datetimeFigureOut">
               <a:rPr lang="en-US" smtClean="0"/>
-              <a:t>12/3/2017</a:t>
+              <a:t>4/1/2018</a:t>
             </a:fld>
             <a:endParaRPr lang="en-US"/>
           </a:p>
@@ -1004,7 +1001,7 @@
           <a:p>
             <a:fld id="{32F7251A-AE54-443C-B8FE-5F636E835EBF}" type="datetimeFigureOut">
               <a:rPr lang="en-US" smtClean="0"/>
-              <a:t>12/3/2017</a:t>
+              <a:t>4/1/2018</a:t>
             </a:fld>
             <a:endParaRPr lang="en-US"/>
           </a:p>
@@ -1233,7 +1230,7 @@
           <a:p>
             <a:fld id="{32F7251A-AE54-443C-B8FE-5F636E835EBF}" type="datetimeFigureOut">
               <a:rPr lang="en-US" smtClean="0"/>
-              <a:t>12/3/2017</a:t>
+              <a:t>4/1/2018</a:t>
             </a:fld>
             <a:endParaRPr lang="en-US"/>
           </a:p>
@@ -1597,7 +1594,7 @@
           <a:p>
             <a:fld id="{32F7251A-AE54-443C-B8FE-5F636E835EBF}" type="datetimeFigureOut">
               <a:rPr lang="en-US" smtClean="0"/>
-              <a:t>12/3/2017</a:t>
+              <a:t>4/1/2018</a:t>
             </a:fld>
             <a:endParaRPr lang="en-US"/>
           </a:p>
@@ -1714,7 +1711,7 @@
           <a:p>
             <a:fld id="{32F7251A-AE54-443C-B8FE-5F636E835EBF}" type="datetimeFigureOut">
               <a:rPr lang="en-US" smtClean="0"/>
-              <a:t>12/3/2017</a:t>
+              <a:t>4/1/2018</a:t>
             </a:fld>
             <a:endParaRPr lang="en-US"/>
           </a:p>
@@ -1809,7 +1806,7 @@
           <a:p>
             <a:fld id="{32F7251A-AE54-443C-B8FE-5F636E835EBF}" type="datetimeFigureOut">
               <a:rPr lang="en-US" smtClean="0"/>
-              <a:t>12/3/2017</a:t>
+              <a:t>4/1/2018</a:t>
             </a:fld>
             <a:endParaRPr lang="en-US"/>
           </a:p>
@@ -2084,7 +2081,7 @@
           <a:p>
             <a:fld id="{32F7251A-AE54-443C-B8FE-5F636E835EBF}" type="datetimeFigureOut">
               <a:rPr lang="en-US" smtClean="0"/>
-              <a:t>12/3/2017</a:t>
+              <a:t>4/1/2018</a:t>
             </a:fld>
             <a:endParaRPr lang="en-US"/>
           </a:p>
@@ -2336,7 +2333,7 @@
           <a:p>
             <a:fld id="{32F7251A-AE54-443C-B8FE-5F636E835EBF}" type="datetimeFigureOut">
               <a:rPr lang="en-US" smtClean="0"/>
-              <a:t>12/3/2017</a:t>
+              <a:t>4/1/2018</a:t>
             </a:fld>
             <a:endParaRPr lang="en-US"/>
           </a:p>
@@ -2550,7 +2547,7 @@
           <a:p>
             <a:fld id="{32F7251A-AE54-443C-B8FE-5F636E835EBF}" type="datetimeFigureOut">
               <a:rPr lang="en-US" smtClean="0"/>
-              <a:t>12/3/2017</a:t>
+              <a:t>4/1/2018</a:t>
             </a:fld>
             <a:endParaRPr lang="en-US"/>
           </a:p>
@@ -3181,6 +3178,318 @@
 </p:sld>
 </file>
 
+<file path=ppt/slides/slide2.xml><?xml version="1.0" encoding="utf-8"?>
+<p:sld xmlns:a="http://schemas.openxmlformats.org/drawingml/2006/main" xmlns:r="http://schemas.openxmlformats.org/officeDocument/2006/relationships" xmlns:p="http://schemas.openxmlformats.org/presentationml/2006/main">
+  <p:cSld>
+    <p:bg>
+      <p:bgPr>
+        <a:blipFill dpi="0" rotWithShape="1">
+          <a:blip r:embed="rId2">
+            <a:lum/>
+          </a:blip>
+          <a:srcRect/>
+          <a:stretch>
+            <a:fillRect t="-10000" b="-10000"/>
+          </a:stretch>
+        </a:blipFill>
+        <a:effectLst/>
+      </p:bgPr>
+    </p:bg>
+    <p:spTree>
+      <p:nvGrpSpPr>
+        <p:cNvPr id="1" name=""/>
+        <p:cNvGrpSpPr/>
+        <p:nvPr/>
+      </p:nvGrpSpPr>
+      <p:grpSpPr>
+        <a:xfrm>
+          <a:off x="0" y="0"/>
+          <a:ext cx="0" cy="0"/>
+          <a:chOff x="0" y="0"/>
+          <a:chExt cx="0" cy="0"/>
+        </a:xfrm>
+      </p:grpSpPr>
+      <p:sp>
+        <p:nvSpPr>
+          <p:cNvPr id="2" name="TextBox 1">
+            <a:extLst>
+              <a:ext uri="{FF2B5EF4-FFF2-40B4-BE49-F238E27FC236}">
+                <a16:creationId xmlns:a16="http://schemas.microsoft.com/office/drawing/2014/main" id="{38B1C0EE-8C72-4DFC-9AB3-D386827869D3}"/>
+              </a:ext>
+            </a:extLst>
+          </p:cNvPr>
+          <p:cNvSpPr txBox="1"/>
+          <p:nvPr/>
+        </p:nvSpPr>
+        <p:spPr>
+          <a:xfrm>
+            <a:off x="3760764" y="829993"/>
+            <a:ext cx="4670473" cy="646331"/>
+          </a:xfrm>
+          <a:prstGeom prst="rect">
+            <a:avLst/>
+          </a:prstGeom>
+          <a:noFill/>
+        </p:spPr>
+        <p:txBody>
+          <a:bodyPr wrap="square" rtlCol="0">
+            <a:spAutoFit/>
+          </a:bodyPr>
+          <a:lstStyle/>
+          <a:p>
+            <a:pPr algn="ctr"/>
+            <a:r>
+              <a:rPr lang="en-US" sz="3600" b="1" dirty="0">
+                <a:solidFill>
+                  <a:schemeClr val="bg1"/>
+                </a:solidFill>
+                <a:latin typeface="Tahoma" panose="020B0604030504040204" pitchFamily="34" charset="0"/>
+                <a:ea typeface="Tahoma" panose="020B0604030504040204" pitchFamily="34" charset="0"/>
+                <a:cs typeface="Tahoma" panose="020B0604030504040204" pitchFamily="34" charset="0"/>
+              </a:rPr>
+              <a:t>Zarahemla Branch</a:t>
+            </a:r>
+          </a:p>
+        </p:txBody>
+      </p:sp>
+      <p:sp>
+        <p:nvSpPr>
+          <p:cNvPr id="3" name="TextBox 2">
+            <a:extLst>
+              <a:ext uri="{FF2B5EF4-FFF2-40B4-BE49-F238E27FC236}">
+                <a16:creationId xmlns:a16="http://schemas.microsoft.com/office/drawing/2014/main" id="{867D0446-92CF-498D-8F1B-5BB468F47C58}"/>
+              </a:ext>
+            </a:extLst>
+          </p:cNvPr>
+          <p:cNvSpPr txBox="1"/>
+          <p:nvPr/>
+        </p:nvSpPr>
+        <p:spPr>
+          <a:xfrm>
+            <a:off x="2511084" y="2065608"/>
+            <a:ext cx="7169833" cy="1384995"/>
+          </a:xfrm>
+          <a:prstGeom prst="rect">
+            <a:avLst/>
+          </a:prstGeom>
+          <a:noFill/>
+        </p:spPr>
+        <p:txBody>
+          <a:bodyPr wrap="square" rtlCol="0">
+            <a:spAutoFit/>
+          </a:bodyPr>
+          <a:lstStyle/>
+          <a:p>
+            <a:pPr algn="ctr">
+              <a:lnSpc>
+                <a:spcPct val="150000"/>
+              </a:lnSpc>
+            </a:pPr>
+            <a:r>
+              <a:rPr lang="en-US" sz="2800" b="1" dirty="0">
+                <a:solidFill>
+                  <a:schemeClr val="bg1"/>
+                </a:solidFill>
+                <a:latin typeface="Tahoma" panose="020B0604030504040204" pitchFamily="34" charset="0"/>
+                <a:ea typeface="Tahoma" panose="020B0604030504040204" pitchFamily="34" charset="0"/>
+                <a:cs typeface="Tahoma" panose="020B0604030504040204" pitchFamily="34" charset="0"/>
+              </a:rPr>
+              <a:t>We’ll be back at 9:00 AM CDT</a:t>
+            </a:r>
+          </a:p>
+          <a:p>
+            <a:pPr algn="ctr">
+              <a:lnSpc>
+                <a:spcPct val="150000"/>
+              </a:lnSpc>
+            </a:pPr>
+            <a:r>
+              <a:rPr lang="en-US" sz="2800" b="1" dirty="0">
+                <a:solidFill>
+                  <a:schemeClr val="bg1"/>
+                </a:solidFill>
+                <a:latin typeface="Tahoma" panose="020B0604030504040204" pitchFamily="34" charset="0"/>
+                <a:ea typeface="Tahoma" panose="020B0604030504040204" pitchFamily="34" charset="0"/>
+                <a:cs typeface="Tahoma" panose="020B0604030504040204" pitchFamily="34" charset="0"/>
+              </a:rPr>
+              <a:t>for Sunday School.</a:t>
+            </a:r>
+          </a:p>
+        </p:txBody>
+      </p:sp>
+      <p:sp>
+        <p:nvSpPr>
+          <p:cNvPr id="4" name="TextBox 3">
+            <a:extLst>
+              <a:ext uri="{FF2B5EF4-FFF2-40B4-BE49-F238E27FC236}">
+                <a16:creationId xmlns:a16="http://schemas.microsoft.com/office/drawing/2014/main" id="{6E239D47-9001-4E99-8441-00A8EDA1708D}"/>
+              </a:ext>
+            </a:extLst>
+          </p:cNvPr>
+          <p:cNvSpPr txBox="1"/>
+          <p:nvPr/>
+        </p:nvSpPr>
+        <p:spPr>
+          <a:xfrm>
+            <a:off x="2511084" y="4004606"/>
+            <a:ext cx="7169833" cy="650819"/>
+          </a:xfrm>
+          <a:prstGeom prst="rect">
+            <a:avLst/>
+          </a:prstGeom>
+          <a:noFill/>
+        </p:spPr>
+        <p:txBody>
+          <a:bodyPr wrap="square" rtlCol="0">
+            <a:spAutoFit/>
+          </a:bodyPr>
+          <a:lstStyle/>
+          <a:p>
+            <a:pPr algn="ctr">
+              <a:lnSpc>
+                <a:spcPct val="150000"/>
+              </a:lnSpc>
+            </a:pPr>
+            <a:r>
+              <a:rPr lang="en-US" sz="2800" b="1" dirty="0">
+                <a:solidFill>
+                  <a:schemeClr val="bg1"/>
+                </a:solidFill>
+                <a:latin typeface="Tahoma" panose="020B0604030504040204" pitchFamily="34" charset="0"/>
+                <a:ea typeface="Tahoma" panose="020B0604030504040204" pitchFamily="34" charset="0"/>
+                <a:cs typeface="Tahoma" panose="020B0604030504040204" pitchFamily="34" charset="0"/>
+              </a:rPr>
+              <a:t>Thank you for joining us!</a:t>
+            </a:r>
+          </a:p>
+        </p:txBody>
+      </p:sp>
+      <p:sp>
+        <p:nvSpPr>
+          <p:cNvPr id="5" name="Rectangle 4">
+            <a:extLst>
+              <a:ext uri="{FF2B5EF4-FFF2-40B4-BE49-F238E27FC236}">
+                <a16:creationId xmlns:a16="http://schemas.microsoft.com/office/drawing/2014/main" id="{0FCB52D2-E406-4116-9FC5-FD821C000529}"/>
+              </a:ext>
+            </a:extLst>
+          </p:cNvPr>
+          <p:cNvSpPr/>
+          <p:nvPr/>
+        </p:nvSpPr>
+        <p:spPr>
+          <a:xfrm>
+            <a:off x="0" y="6028007"/>
+            <a:ext cx="12192000" cy="829993"/>
+          </a:xfrm>
+          <a:prstGeom prst="rect">
+            <a:avLst/>
+          </a:prstGeom>
+          <a:gradFill>
+            <a:gsLst>
+              <a:gs pos="0">
+                <a:srgbClr val="998675">
+                  <a:alpha val="50000"/>
+                </a:srgbClr>
+              </a:gs>
+              <a:gs pos="50000">
+                <a:srgbClr val="A69688"/>
+              </a:gs>
+              <a:gs pos="100000">
+                <a:srgbClr val="998675">
+                  <a:alpha val="50000"/>
+                </a:srgbClr>
+              </a:gs>
+            </a:gsLst>
+            <a:lin ang="0" scaled="0"/>
+          </a:gradFill>
+        </p:spPr>
+        <p:style>
+          <a:lnRef idx="2">
+            <a:schemeClr val="accent1">
+              <a:shade val="50000"/>
+            </a:schemeClr>
+          </a:lnRef>
+          <a:fillRef idx="1">
+            <a:schemeClr val="accent1"/>
+          </a:fillRef>
+          <a:effectRef idx="0">
+            <a:schemeClr val="accent1"/>
+          </a:effectRef>
+          <a:fontRef idx="minor">
+            <a:schemeClr val="lt1"/>
+          </a:fontRef>
+        </p:style>
+        <p:txBody>
+          <a:bodyPr rtlCol="0" anchor="ctr"/>
+          <a:lstStyle/>
+          <a:p>
+            <a:pPr algn="ctr"/>
+            <a:endParaRPr lang="en-US"/>
+          </a:p>
+        </p:txBody>
+      </p:sp>
+      <p:sp>
+        <p:nvSpPr>
+          <p:cNvPr id="6" name="TextBox 5">
+            <a:extLst>
+              <a:ext uri="{FF2B5EF4-FFF2-40B4-BE49-F238E27FC236}">
+                <a16:creationId xmlns:a16="http://schemas.microsoft.com/office/drawing/2014/main" id="{8C9CDF13-5E1B-4F54-80B0-11777316C6AD}"/>
+              </a:ext>
+            </a:extLst>
+          </p:cNvPr>
+          <p:cNvSpPr txBox="1"/>
+          <p:nvPr/>
+        </p:nvSpPr>
+        <p:spPr>
+          <a:xfrm>
+            <a:off x="2511084" y="6028007"/>
+            <a:ext cx="7169833" cy="650819"/>
+          </a:xfrm>
+          <a:prstGeom prst="rect">
+            <a:avLst/>
+          </a:prstGeom>
+          <a:noFill/>
+        </p:spPr>
+        <p:txBody>
+          <a:bodyPr wrap="square" rtlCol="0">
+            <a:spAutoFit/>
+          </a:bodyPr>
+          <a:lstStyle/>
+          <a:p>
+            <a:pPr algn="ctr">
+              <a:lnSpc>
+                <a:spcPct val="150000"/>
+              </a:lnSpc>
+            </a:pPr>
+            <a:r>
+              <a:rPr lang="en-US" sz="2800" b="1" dirty="0">
+                <a:solidFill>
+                  <a:schemeClr val="bg1">
+                    <a:lumMod val="10000"/>
+                  </a:schemeClr>
+                </a:solidFill>
+                <a:latin typeface="Tahoma" panose="020B0604030504040204" pitchFamily="34" charset="0"/>
+                <a:ea typeface="Tahoma" panose="020B0604030504040204" pitchFamily="34" charset="0"/>
+                <a:cs typeface="Tahoma" panose="020B0604030504040204" pitchFamily="34" charset="0"/>
+              </a:rPr>
+              <a:t>April 1, 2018</a:t>
+            </a:r>
+          </a:p>
+        </p:txBody>
+      </p:sp>
+    </p:spTree>
+    <p:extLst>
+      <p:ext uri="{BB962C8B-B14F-4D97-AF65-F5344CB8AC3E}">
+        <p14:creationId xmlns:p14="http://schemas.microsoft.com/office/powerpoint/2010/main" val="3909282545"/>
+      </p:ext>
+    </p:extLst>
+  </p:cSld>
+  <p:clrMapOvr>
+    <a:masterClrMapping/>
+  </p:clrMapOvr>
+</p:sld>
+</file>
+
 <file path=ppt/theme/theme1.xml><?xml version="1.0" encoding="utf-8"?>
 <a:theme xmlns:a="http://schemas.openxmlformats.org/drawingml/2006/main" name="Office Theme">
   <a:themeElements>

--- a/Template.pptx
+++ b/Template.pptx
@@ -6,7 +6,8 @@
   </p:sldMasterIdLst>
   <p:sldIdLst>
     <p:sldId id="256" r:id="rId2"/>
-    <p:sldId id="257" r:id="rId3"/>
+    <p:sldId id="258" r:id="rId3"/>
+    <p:sldId id="257" r:id="rId4"/>
   </p:sldIdLst>
   <p:sldSz cx="12192000" cy="6858000"/>
   <p:notesSz cx="6858000" cy="9144000"/>
@@ -242,7 +243,7 @@
           <a:p>
             <a:fld id="{32F7251A-AE54-443C-B8FE-5F636E835EBF}" type="datetimeFigureOut">
               <a:rPr lang="en-US" smtClean="0"/>
-              <a:t>4/1/2018</a:t>
+              <a:t>8/12/2018</a:t>
             </a:fld>
             <a:endParaRPr lang="en-US"/>
           </a:p>
@@ -410,7 +411,7 @@
           <a:p>
             <a:fld id="{32F7251A-AE54-443C-B8FE-5F636E835EBF}" type="datetimeFigureOut">
               <a:rPr lang="en-US" smtClean="0"/>
-              <a:t>4/1/2018</a:t>
+              <a:t>8/12/2018</a:t>
             </a:fld>
             <a:endParaRPr lang="en-US"/>
           </a:p>
@@ -588,7 +589,7 @@
           <a:p>
             <a:fld id="{32F7251A-AE54-443C-B8FE-5F636E835EBF}" type="datetimeFigureOut">
               <a:rPr lang="en-US" smtClean="0"/>
-              <a:t>4/1/2018</a:t>
+              <a:t>8/12/2018</a:t>
             </a:fld>
             <a:endParaRPr lang="en-US"/>
           </a:p>
@@ -756,7 +757,7 @@
           <a:p>
             <a:fld id="{32F7251A-AE54-443C-B8FE-5F636E835EBF}" type="datetimeFigureOut">
               <a:rPr lang="en-US" smtClean="0"/>
-              <a:t>4/1/2018</a:t>
+              <a:t>8/12/2018</a:t>
             </a:fld>
             <a:endParaRPr lang="en-US"/>
           </a:p>
@@ -1001,7 +1002,7 @@
           <a:p>
             <a:fld id="{32F7251A-AE54-443C-B8FE-5F636E835EBF}" type="datetimeFigureOut">
               <a:rPr lang="en-US" smtClean="0"/>
-              <a:t>4/1/2018</a:t>
+              <a:t>8/12/2018</a:t>
             </a:fld>
             <a:endParaRPr lang="en-US"/>
           </a:p>
@@ -1230,7 +1231,7 @@
           <a:p>
             <a:fld id="{32F7251A-AE54-443C-B8FE-5F636E835EBF}" type="datetimeFigureOut">
               <a:rPr lang="en-US" smtClean="0"/>
-              <a:t>4/1/2018</a:t>
+              <a:t>8/12/2018</a:t>
             </a:fld>
             <a:endParaRPr lang="en-US"/>
           </a:p>
@@ -1594,7 +1595,7 @@
           <a:p>
             <a:fld id="{32F7251A-AE54-443C-B8FE-5F636E835EBF}" type="datetimeFigureOut">
               <a:rPr lang="en-US" smtClean="0"/>
-              <a:t>4/1/2018</a:t>
+              <a:t>8/12/2018</a:t>
             </a:fld>
             <a:endParaRPr lang="en-US"/>
           </a:p>
@@ -1711,7 +1712,7 @@
           <a:p>
             <a:fld id="{32F7251A-AE54-443C-B8FE-5F636E835EBF}" type="datetimeFigureOut">
               <a:rPr lang="en-US" smtClean="0"/>
-              <a:t>4/1/2018</a:t>
+              <a:t>8/12/2018</a:t>
             </a:fld>
             <a:endParaRPr lang="en-US"/>
           </a:p>
@@ -1806,7 +1807,7 @@
           <a:p>
             <a:fld id="{32F7251A-AE54-443C-B8FE-5F636E835EBF}" type="datetimeFigureOut">
               <a:rPr lang="en-US" smtClean="0"/>
-              <a:t>4/1/2018</a:t>
+              <a:t>8/12/2018</a:t>
             </a:fld>
             <a:endParaRPr lang="en-US"/>
           </a:p>
@@ -2081,7 +2082,7 @@
           <a:p>
             <a:fld id="{32F7251A-AE54-443C-B8FE-5F636E835EBF}" type="datetimeFigureOut">
               <a:rPr lang="en-US" smtClean="0"/>
-              <a:t>4/1/2018</a:t>
+              <a:t>8/12/2018</a:t>
             </a:fld>
             <a:endParaRPr lang="en-US"/>
           </a:p>
@@ -2333,7 +2334,7 @@
           <a:p>
             <a:fld id="{32F7251A-AE54-443C-B8FE-5F636E835EBF}" type="datetimeFigureOut">
               <a:rPr lang="en-US" smtClean="0"/>
-              <a:t>4/1/2018</a:t>
+              <a:t>8/12/2018</a:t>
             </a:fld>
             <a:endParaRPr lang="en-US"/>
           </a:p>
@@ -2547,7 +2548,7 @@
           <a:p>
             <a:fld id="{32F7251A-AE54-443C-B8FE-5F636E835EBF}" type="datetimeFigureOut">
               <a:rPr lang="en-US" smtClean="0"/>
-              <a:t>4/1/2018</a:t>
+              <a:t>8/12/2018</a:t>
             </a:fld>
             <a:endParaRPr lang="en-US"/>
           </a:p>
@@ -3181,6 +3182,72 @@
 <file path=ppt/slides/slide2.xml><?xml version="1.0" encoding="utf-8"?>
 <p:sld xmlns:a="http://schemas.openxmlformats.org/drawingml/2006/main" xmlns:r="http://schemas.openxmlformats.org/officeDocument/2006/relationships" xmlns:p="http://schemas.openxmlformats.org/presentationml/2006/main">
   <p:cSld>
+    <p:spTree>
+      <p:nvGrpSpPr>
+        <p:cNvPr id="1" name=""/>
+        <p:cNvGrpSpPr/>
+        <p:nvPr/>
+      </p:nvGrpSpPr>
+      <p:grpSpPr>
+        <a:xfrm>
+          <a:off x="0" y="0"/>
+          <a:ext cx="0" cy="0"/>
+          <a:chOff x="0" y="0"/>
+          <a:chExt cx="0" cy="0"/>
+        </a:xfrm>
+      </p:grpSpPr>
+      <p:pic>
+        <p:nvPicPr>
+          <p:cNvPr id="3" name="Picture 2">
+            <a:extLst>
+              <a:ext uri="{FF2B5EF4-FFF2-40B4-BE49-F238E27FC236}">
+                <a16:creationId xmlns:a16="http://schemas.microsoft.com/office/drawing/2014/main" id="{5E7BCC33-2F4D-466D-98E1-5D90FEE998E8}"/>
+              </a:ext>
+            </a:extLst>
+          </p:cNvPr>
+          <p:cNvPicPr>
+            <a:picLocks noChangeAspect="1"/>
+          </p:cNvPicPr>
+          <p:nvPr/>
+        </p:nvPicPr>
+        <p:blipFill>
+          <a:blip r:embed="rId2">
+            <a:extLst>
+              <a:ext uri="{28A0092B-C50C-407E-A947-70E740481C1C}">
+                <a14:useLocalDpi xmlns:a14="http://schemas.microsoft.com/office/drawing/2010/main" val="0"/>
+              </a:ext>
+            </a:extLst>
+          </a:blip>
+          <a:stretch>
+            <a:fillRect/>
+          </a:stretch>
+        </p:blipFill>
+        <p:spPr>
+          <a:xfrm>
+            <a:off x="0" y="0"/>
+            <a:ext cx="12192000" cy="6858000"/>
+          </a:xfrm>
+          <a:prstGeom prst="rect">
+            <a:avLst/>
+          </a:prstGeom>
+        </p:spPr>
+      </p:pic>
+    </p:spTree>
+    <p:extLst>
+      <p:ext uri="{BB962C8B-B14F-4D97-AF65-F5344CB8AC3E}">
+        <p14:creationId xmlns:p14="http://schemas.microsoft.com/office/powerpoint/2010/main" val="48459269"/>
+      </p:ext>
+    </p:extLst>
+  </p:cSld>
+  <p:clrMapOvr>
+    <a:masterClrMapping/>
+  </p:clrMapOvr>
+</p:sld>
+</file>
+
+<file path=ppt/slides/slide3.xml><?xml version="1.0" encoding="utf-8"?>
+<p:sld xmlns:a="http://schemas.openxmlformats.org/drawingml/2006/main" xmlns:r="http://schemas.openxmlformats.org/officeDocument/2006/relationships" xmlns:p="http://schemas.openxmlformats.org/presentationml/2006/main">
+  <p:cSld>
     <p:bg>
       <p:bgPr>
         <a:blipFill dpi="0" rotWithShape="1">

--- a/Template.pptx
+++ b/Template.pptx
@@ -2,21 +2,23 @@
 <file path=ppt/presentation.xml><?xml version="1.0" encoding="utf-8"?>
 <p:presentation xmlns:a="http://schemas.openxmlformats.org/drawingml/2006/main" xmlns:r="http://schemas.openxmlformats.org/officeDocument/2006/relationships" xmlns:p="http://schemas.openxmlformats.org/presentationml/2006/main" saveSubsetFonts="1">
   <p:sldMasterIdLst>
-    <p:sldMasterId id="2147483648" r:id="rId1"/>
+    <p:sldMasterId id="2147483660" r:id="rId1"/>
   </p:sldMasterIdLst>
   <p:sldIdLst>
     <p:sldId id="256" r:id="rId2"/>
     <p:sldId id="258" r:id="rId3"/>
     <p:sldId id="257" r:id="rId4"/>
+    <p:sldId id="259" r:id="rId5"/>
+    <p:sldId id="260" r:id="rId6"/>
   </p:sldIdLst>
-  <p:sldSz cx="12192000" cy="6858000"/>
+  <p:sldSz cx="9144000" cy="5715000" type="screen16x10"/>
   <p:notesSz cx="6858000" cy="9144000"/>
   <p:defaultTextStyle>
     <a:defPPr>
       <a:defRPr lang="en-US"/>
     </a:defPPr>
-    <a:lvl1pPr marL="0" algn="l" defTabSz="914400" rtl="0" eaLnBrk="1" latinLnBrk="0" hangingPunct="1">
-      <a:defRPr sz="1800" kern="1200">
+    <a:lvl1pPr marL="0" algn="l" defTabSz="713232" rtl="0" eaLnBrk="1" latinLnBrk="0" hangingPunct="1">
+      <a:defRPr sz="1404" kern="1200">
         <a:solidFill>
           <a:schemeClr val="tx1"/>
         </a:solidFill>
@@ -25,8 +27,8 @@
         <a:cs typeface="+mn-cs"/>
       </a:defRPr>
     </a:lvl1pPr>
-    <a:lvl2pPr marL="457200" algn="l" defTabSz="914400" rtl="0" eaLnBrk="1" latinLnBrk="0" hangingPunct="1">
-      <a:defRPr sz="1800" kern="1200">
+    <a:lvl2pPr marL="356616" algn="l" defTabSz="713232" rtl="0" eaLnBrk="1" latinLnBrk="0" hangingPunct="1">
+      <a:defRPr sz="1404" kern="1200">
         <a:solidFill>
           <a:schemeClr val="tx1"/>
         </a:solidFill>
@@ -35,8 +37,8 @@
         <a:cs typeface="+mn-cs"/>
       </a:defRPr>
     </a:lvl2pPr>
-    <a:lvl3pPr marL="914400" algn="l" defTabSz="914400" rtl="0" eaLnBrk="1" latinLnBrk="0" hangingPunct="1">
-      <a:defRPr sz="1800" kern="1200">
+    <a:lvl3pPr marL="713232" algn="l" defTabSz="713232" rtl="0" eaLnBrk="1" latinLnBrk="0" hangingPunct="1">
+      <a:defRPr sz="1404" kern="1200">
         <a:solidFill>
           <a:schemeClr val="tx1"/>
         </a:solidFill>
@@ -45,8 +47,8 @@
         <a:cs typeface="+mn-cs"/>
       </a:defRPr>
     </a:lvl3pPr>
-    <a:lvl4pPr marL="1371600" algn="l" defTabSz="914400" rtl="0" eaLnBrk="1" latinLnBrk="0" hangingPunct="1">
-      <a:defRPr sz="1800" kern="1200">
+    <a:lvl4pPr marL="1069848" algn="l" defTabSz="713232" rtl="0" eaLnBrk="1" latinLnBrk="0" hangingPunct="1">
+      <a:defRPr sz="1404" kern="1200">
         <a:solidFill>
           <a:schemeClr val="tx1"/>
         </a:solidFill>
@@ -55,8 +57,8 @@
         <a:cs typeface="+mn-cs"/>
       </a:defRPr>
     </a:lvl4pPr>
-    <a:lvl5pPr marL="1828800" algn="l" defTabSz="914400" rtl="0" eaLnBrk="1" latinLnBrk="0" hangingPunct="1">
-      <a:defRPr sz="1800" kern="1200">
+    <a:lvl5pPr marL="1426464" algn="l" defTabSz="713232" rtl="0" eaLnBrk="1" latinLnBrk="0" hangingPunct="1">
+      <a:defRPr sz="1404" kern="1200">
         <a:solidFill>
           <a:schemeClr val="tx1"/>
         </a:solidFill>
@@ -65,8 +67,8 @@
         <a:cs typeface="+mn-cs"/>
       </a:defRPr>
     </a:lvl5pPr>
-    <a:lvl6pPr marL="2286000" algn="l" defTabSz="914400" rtl="0" eaLnBrk="1" latinLnBrk="0" hangingPunct="1">
-      <a:defRPr sz="1800" kern="1200">
+    <a:lvl6pPr marL="1783080" algn="l" defTabSz="713232" rtl="0" eaLnBrk="1" latinLnBrk="0" hangingPunct="1">
+      <a:defRPr sz="1404" kern="1200">
         <a:solidFill>
           <a:schemeClr val="tx1"/>
         </a:solidFill>
@@ -75,8 +77,8 @@
         <a:cs typeface="+mn-cs"/>
       </a:defRPr>
     </a:lvl6pPr>
-    <a:lvl7pPr marL="2743200" algn="l" defTabSz="914400" rtl="0" eaLnBrk="1" latinLnBrk="0" hangingPunct="1">
-      <a:defRPr sz="1800" kern="1200">
+    <a:lvl7pPr marL="2139696" algn="l" defTabSz="713232" rtl="0" eaLnBrk="1" latinLnBrk="0" hangingPunct="1">
+      <a:defRPr sz="1404" kern="1200">
         <a:solidFill>
           <a:schemeClr val="tx1"/>
         </a:solidFill>
@@ -85,8 +87,8 @@
         <a:cs typeface="+mn-cs"/>
       </a:defRPr>
     </a:lvl7pPr>
-    <a:lvl8pPr marL="3200400" algn="l" defTabSz="914400" rtl="0" eaLnBrk="1" latinLnBrk="0" hangingPunct="1">
-      <a:defRPr sz="1800" kern="1200">
+    <a:lvl8pPr marL="2496312" algn="l" defTabSz="713232" rtl="0" eaLnBrk="1" latinLnBrk="0" hangingPunct="1">
+      <a:defRPr sz="1404" kern="1200">
         <a:solidFill>
           <a:schemeClr val="tx1"/>
         </a:solidFill>
@@ -95,8 +97,8 @@
         <a:cs typeface="+mn-cs"/>
       </a:defRPr>
     </a:lvl8pPr>
-    <a:lvl9pPr marL="3657600" algn="l" defTabSz="914400" rtl="0" eaLnBrk="1" latinLnBrk="0" hangingPunct="1">
-      <a:defRPr sz="1800" kern="1200">
+    <a:lvl9pPr marL="2852928" algn="l" defTabSz="713232" rtl="0" eaLnBrk="1" latinLnBrk="0" hangingPunct="1">
+      <a:defRPr sz="1404" kern="1200">
         <a:solidFill>
           <a:schemeClr val="tx1"/>
         </a:solidFill>
@@ -143,15 +145,15 @@
         </p:nvSpPr>
         <p:spPr>
           <a:xfrm>
-            <a:off x="1524000" y="1122363"/>
-            <a:ext cx="9144000" cy="2387600"/>
+            <a:off x="1143000" y="935302"/>
+            <a:ext cx="6858000" cy="1989667"/>
           </a:xfrm>
         </p:spPr>
         <p:txBody>
           <a:bodyPr anchor="b"/>
           <a:lstStyle>
             <a:lvl1pPr algn="ctr">
-              <a:defRPr sz="6000"/>
+              <a:defRPr sz="4500"/>
             </a:lvl1pPr>
           </a:lstStyle>
           <a:p>
@@ -159,6 +161,7 @@
               <a:rPr lang="en-US"/>
               <a:t>Click to edit Master title style</a:t>
             </a:r>
+            <a:endParaRPr lang="en-US" dirty="0"/>
           </a:p>
         </p:txBody>
       </p:sp>
@@ -174,8 +177,8 @@
         </p:nvSpPr>
         <p:spPr>
           <a:xfrm>
-            <a:off x="1524000" y="3602038"/>
-            <a:ext cx="9144000" cy="1655762"/>
+            <a:off x="1143000" y="3001698"/>
+            <a:ext cx="6858000" cy="1379802"/>
           </a:xfrm>
         </p:spPr>
         <p:txBody>
@@ -183,39 +186,39 @@
           <a:lstStyle>
             <a:lvl1pPr marL="0" indent="0" algn="ctr">
               <a:buNone/>
-              <a:defRPr sz="2400"/>
+              <a:defRPr sz="1800"/>
             </a:lvl1pPr>
-            <a:lvl2pPr marL="457200" indent="0" algn="ctr">
-              <a:buNone/>
-              <a:defRPr sz="2000"/>
+            <a:lvl2pPr marL="342900" indent="0" algn="ctr">
+              <a:buNone/>
+              <a:defRPr sz="1500"/>
             </a:lvl2pPr>
-            <a:lvl3pPr marL="914400" indent="0" algn="ctr">
-              <a:buNone/>
-              <a:defRPr sz="1800"/>
+            <a:lvl3pPr marL="685800" indent="0" algn="ctr">
+              <a:buNone/>
+              <a:defRPr sz="1350"/>
             </a:lvl3pPr>
-            <a:lvl4pPr marL="1371600" indent="0" algn="ctr">
-              <a:buNone/>
-              <a:defRPr sz="1600"/>
+            <a:lvl4pPr marL="1028700" indent="0" algn="ctr">
+              <a:buNone/>
+              <a:defRPr sz="1200"/>
             </a:lvl4pPr>
-            <a:lvl5pPr marL="1828800" indent="0" algn="ctr">
-              <a:buNone/>
-              <a:defRPr sz="1600"/>
+            <a:lvl5pPr marL="1371600" indent="0" algn="ctr">
+              <a:buNone/>
+              <a:defRPr sz="1200"/>
             </a:lvl5pPr>
-            <a:lvl6pPr marL="2286000" indent="0" algn="ctr">
-              <a:buNone/>
-              <a:defRPr sz="1600"/>
+            <a:lvl6pPr marL="1714500" indent="0" algn="ctr">
+              <a:buNone/>
+              <a:defRPr sz="1200"/>
             </a:lvl6pPr>
-            <a:lvl7pPr marL="2743200" indent="0" algn="ctr">
-              <a:buNone/>
-              <a:defRPr sz="1600"/>
+            <a:lvl7pPr marL="2057400" indent="0" algn="ctr">
+              <a:buNone/>
+              <a:defRPr sz="1200"/>
             </a:lvl7pPr>
-            <a:lvl8pPr marL="3200400" indent="0" algn="ctr">
-              <a:buNone/>
-              <a:defRPr sz="1600"/>
+            <a:lvl8pPr marL="2400300" indent="0" algn="ctr">
+              <a:buNone/>
+              <a:defRPr sz="1200"/>
             </a:lvl8pPr>
-            <a:lvl9pPr marL="3657600" indent="0" algn="ctr">
-              <a:buNone/>
-              <a:defRPr sz="1600"/>
+            <a:lvl9pPr marL="2743200" indent="0" algn="ctr">
+              <a:buNone/>
+              <a:defRPr sz="1200"/>
             </a:lvl9pPr>
           </a:lstStyle>
           <a:p>
@@ -223,6 +226,7 @@
               <a:rPr lang="en-US"/>
               <a:t>Click to edit Master subtitle style</a:t>
             </a:r>
+            <a:endParaRPr lang="en-US" dirty="0"/>
           </a:p>
         </p:txBody>
       </p:sp>
@@ -243,7 +247,7 @@
           <a:p>
             <a:fld id="{32F7251A-AE54-443C-B8FE-5F636E835EBF}" type="datetimeFigureOut">
               <a:rPr lang="en-US" smtClean="0"/>
-              <a:t>8/12/2018</a:t>
+              <a:t>9/16/18</a:t>
             </a:fld>
             <a:endParaRPr lang="en-US"/>
           </a:p>
@@ -294,7 +298,7 @@
     </p:spTree>
     <p:extLst>
       <p:ext uri="{BB962C8B-B14F-4D97-AF65-F5344CB8AC3E}">
-        <p14:creationId xmlns:p14="http://schemas.microsoft.com/office/powerpoint/2010/main" val="2169005638"/>
+        <p14:creationId xmlns:p14="http://schemas.microsoft.com/office/powerpoint/2010/main" val="2431825086"/>
       </p:ext>
     </p:extLst>
   </p:cSld>
@@ -340,6 +344,7 @@
               <a:rPr lang="en-US"/>
               <a:t>Click to edit Master title style</a:t>
             </a:r>
+            <a:endParaRPr lang="en-US" dirty="0"/>
           </a:p>
         </p:txBody>
       </p:sp>
@@ -391,6 +396,7 @@
               <a:rPr lang="en-US"/>
               <a:t>Fifth level</a:t>
             </a:r>
+            <a:endParaRPr lang="en-US" dirty="0"/>
           </a:p>
         </p:txBody>
       </p:sp>
@@ -411,7 +417,7 @@
           <a:p>
             <a:fld id="{32F7251A-AE54-443C-B8FE-5F636E835EBF}" type="datetimeFigureOut">
               <a:rPr lang="en-US" smtClean="0"/>
-              <a:t>8/12/2018</a:t>
+              <a:t>9/16/18</a:t>
             </a:fld>
             <a:endParaRPr lang="en-US"/>
           </a:p>
@@ -462,7 +468,7 @@
     </p:spTree>
     <p:extLst>
       <p:ext uri="{BB962C8B-B14F-4D97-AF65-F5344CB8AC3E}">
-        <p14:creationId xmlns:p14="http://schemas.microsoft.com/office/powerpoint/2010/main" val="4123249453"/>
+        <p14:creationId xmlns:p14="http://schemas.microsoft.com/office/powerpoint/2010/main" val="859123167"/>
       </p:ext>
     </p:extLst>
   </p:cSld>
@@ -501,8 +507,8 @@
         </p:nvSpPr>
         <p:spPr>
           <a:xfrm>
-            <a:off x="8724900" y="365125"/>
-            <a:ext cx="2628900" cy="5811838"/>
+            <a:off x="6543675" y="304271"/>
+            <a:ext cx="1971675" cy="4843198"/>
           </a:xfrm>
         </p:spPr>
         <p:txBody>
@@ -513,6 +519,7 @@
               <a:rPr lang="en-US"/>
               <a:t>Click to edit Master title style</a:t>
             </a:r>
+            <a:endParaRPr lang="en-US" dirty="0"/>
           </a:p>
         </p:txBody>
       </p:sp>
@@ -528,8 +535,8 @@
         </p:nvSpPr>
         <p:spPr>
           <a:xfrm>
-            <a:off x="838200" y="365125"/>
-            <a:ext cx="7734300" cy="5811838"/>
+            <a:off x="628650" y="304271"/>
+            <a:ext cx="5800725" cy="4843198"/>
           </a:xfrm>
         </p:spPr>
         <p:txBody>
@@ -569,6 +576,7 @@
               <a:rPr lang="en-US"/>
               <a:t>Fifth level</a:t>
             </a:r>
+            <a:endParaRPr lang="en-US" dirty="0"/>
           </a:p>
         </p:txBody>
       </p:sp>
@@ -589,7 +597,7 @@
           <a:p>
             <a:fld id="{32F7251A-AE54-443C-B8FE-5F636E835EBF}" type="datetimeFigureOut">
               <a:rPr lang="en-US" smtClean="0"/>
-              <a:t>8/12/2018</a:t>
+              <a:t>9/16/18</a:t>
             </a:fld>
             <a:endParaRPr lang="en-US"/>
           </a:p>
@@ -640,7 +648,7 @@
     </p:spTree>
     <p:extLst>
       <p:ext uri="{BB962C8B-B14F-4D97-AF65-F5344CB8AC3E}">
-        <p14:creationId xmlns:p14="http://schemas.microsoft.com/office/powerpoint/2010/main" val="1602680470"/>
+        <p14:creationId xmlns:p14="http://schemas.microsoft.com/office/powerpoint/2010/main" val="3432490108"/>
       </p:ext>
     </p:extLst>
   </p:cSld>
@@ -686,6 +694,7 @@
               <a:rPr lang="en-US"/>
               <a:t>Click to edit Master title style</a:t>
             </a:r>
+            <a:endParaRPr lang="en-US" dirty="0"/>
           </a:p>
         </p:txBody>
       </p:sp>
@@ -737,6 +746,7 @@
               <a:rPr lang="en-US"/>
               <a:t>Fifth level</a:t>
             </a:r>
+            <a:endParaRPr lang="en-US" dirty="0"/>
           </a:p>
         </p:txBody>
       </p:sp>
@@ -757,7 +767,7 @@
           <a:p>
             <a:fld id="{32F7251A-AE54-443C-B8FE-5F636E835EBF}" type="datetimeFigureOut">
               <a:rPr lang="en-US" smtClean="0"/>
-              <a:t>8/12/2018</a:t>
+              <a:t>9/16/18</a:t>
             </a:fld>
             <a:endParaRPr lang="en-US"/>
           </a:p>
@@ -808,7 +818,7 @@
     </p:spTree>
     <p:extLst>
       <p:ext uri="{BB962C8B-B14F-4D97-AF65-F5344CB8AC3E}">
-        <p14:creationId xmlns:p14="http://schemas.microsoft.com/office/powerpoint/2010/main" val="978408952"/>
+        <p14:creationId xmlns:p14="http://schemas.microsoft.com/office/powerpoint/2010/main" val="82051123"/>
       </p:ext>
     </p:extLst>
   </p:cSld>
@@ -847,15 +857,15 @@
         </p:nvSpPr>
         <p:spPr>
           <a:xfrm>
-            <a:off x="831850" y="1709738"/>
-            <a:ext cx="10515600" cy="2852737"/>
+            <a:off x="623888" y="1424782"/>
+            <a:ext cx="7886700" cy="2377281"/>
           </a:xfrm>
         </p:spPr>
         <p:txBody>
           <a:bodyPr anchor="b"/>
           <a:lstStyle>
             <a:lvl1pPr>
-              <a:defRPr sz="6000"/>
+              <a:defRPr sz="4500"/>
             </a:lvl1pPr>
           </a:lstStyle>
           <a:p>
@@ -863,6 +873,7 @@
               <a:rPr lang="en-US"/>
               <a:t>Click to edit Master title style</a:t>
             </a:r>
+            <a:endParaRPr lang="en-US" dirty="0"/>
           </a:p>
         </p:txBody>
       </p:sp>
@@ -878,8 +889,8 @@
         </p:nvSpPr>
         <p:spPr>
           <a:xfrm>
-            <a:off x="831850" y="4589463"/>
-            <a:ext cx="10515600" cy="1500187"/>
+            <a:off x="623888" y="3824553"/>
+            <a:ext cx="7886700" cy="1250156"/>
           </a:xfrm>
         </p:spPr>
         <p:txBody>
@@ -887,7 +898,7 @@
           <a:lstStyle>
             <a:lvl1pPr marL="0" indent="0">
               <a:buNone/>
-              <a:defRPr sz="2400">
+              <a:defRPr sz="1800">
                 <a:solidFill>
                   <a:schemeClr val="tx1">
                     <a:tint val="75000"/>
@@ -895,9 +906,9 @@
                 </a:solidFill>
               </a:defRPr>
             </a:lvl1pPr>
-            <a:lvl2pPr marL="457200" indent="0">
-              <a:buNone/>
-              <a:defRPr sz="2000">
+            <a:lvl2pPr marL="342900" indent="0">
+              <a:buNone/>
+              <a:defRPr sz="1500">
                 <a:solidFill>
                   <a:schemeClr val="tx1">
                     <a:tint val="75000"/>
@@ -905,9 +916,9 @@
                 </a:solidFill>
               </a:defRPr>
             </a:lvl2pPr>
-            <a:lvl3pPr marL="914400" indent="0">
-              <a:buNone/>
-              <a:defRPr sz="1800">
+            <a:lvl3pPr marL="685800" indent="0">
+              <a:buNone/>
+              <a:defRPr sz="1350">
                 <a:solidFill>
                   <a:schemeClr val="tx1">
                     <a:tint val="75000"/>
@@ -915,9 +926,9 @@
                 </a:solidFill>
               </a:defRPr>
             </a:lvl3pPr>
-            <a:lvl4pPr marL="1371600" indent="0">
-              <a:buNone/>
-              <a:defRPr sz="1600">
+            <a:lvl4pPr marL="1028700" indent="0">
+              <a:buNone/>
+              <a:defRPr sz="1200">
                 <a:solidFill>
                   <a:schemeClr val="tx1">
                     <a:tint val="75000"/>
@@ -925,9 +936,9 @@
                 </a:solidFill>
               </a:defRPr>
             </a:lvl4pPr>
-            <a:lvl5pPr marL="1828800" indent="0">
-              <a:buNone/>
-              <a:defRPr sz="1600">
+            <a:lvl5pPr marL="1371600" indent="0">
+              <a:buNone/>
+              <a:defRPr sz="1200">
                 <a:solidFill>
                   <a:schemeClr val="tx1">
                     <a:tint val="75000"/>
@@ -935,9 +946,9 @@
                 </a:solidFill>
               </a:defRPr>
             </a:lvl5pPr>
-            <a:lvl6pPr marL="2286000" indent="0">
-              <a:buNone/>
-              <a:defRPr sz="1600">
+            <a:lvl6pPr marL="1714500" indent="0">
+              <a:buNone/>
+              <a:defRPr sz="1200">
                 <a:solidFill>
                   <a:schemeClr val="tx1">
                     <a:tint val="75000"/>
@@ -945,9 +956,9 @@
                 </a:solidFill>
               </a:defRPr>
             </a:lvl6pPr>
-            <a:lvl7pPr marL="2743200" indent="0">
-              <a:buNone/>
-              <a:defRPr sz="1600">
+            <a:lvl7pPr marL="2057400" indent="0">
+              <a:buNone/>
+              <a:defRPr sz="1200">
                 <a:solidFill>
                   <a:schemeClr val="tx1">
                     <a:tint val="75000"/>
@@ -955,9 +966,9 @@
                 </a:solidFill>
               </a:defRPr>
             </a:lvl7pPr>
-            <a:lvl8pPr marL="3200400" indent="0">
-              <a:buNone/>
-              <a:defRPr sz="1600">
+            <a:lvl8pPr marL="2400300" indent="0">
+              <a:buNone/>
+              <a:defRPr sz="1200">
                 <a:solidFill>
                   <a:schemeClr val="tx1">
                     <a:tint val="75000"/>
@@ -965,9 +976,9 @@
                 </a:solidFill>
               </a:defRPr>
             </a:lvl8pPr>
-            <a:lvl9pPr marL="3657600" indent="0">
-              <a:buNone/>
-              <a:defRPr sz="1600">
+            <a:lvl9pPr marL="2743200" indent="0">
+              <a:buNone/>
+              <a:defRPr sz="1200">
                 <a:solidFill>
                   <a:schemeClr val="tx1">
                     <a:tint val="75000"/>
@@ -1002,7 +1013,7 @@
           <a:p>
             <a:fld id="{32F7251A-AE54-443C-B8FE-5F636E835EBF}" type="datetimeFigureOut">
               <a:rPr lang="en-US" smtClean="0"/>
-              <a:t>8/12/2018</a:t>
+              <a:t>9/16/18</a:t>
             </a:fld>
             <a:endParaRPr lang="en-US"/>
           </a:p>
@@ -1053,7 +1064,7 @@
     </p:spTree>
     <p:extLst>
       <p:ext uri="{BB962C8B-B14F-4D97-AF65-F5344CB8AC3E}">
-        <p14:creationId xmlns:p14="http://schemas.microsoft.com/office/powerpoint/2010/main" val="255526898"/>
+        <p14:creationId xmlns:p14="http://schemas.microsoft.com/office/powerpoint/2010/main" val="347380832"/>
       </p:ext>
     </p:extLst>
   </p:cSld>
@@ -1099,6 +1110,7 @@
               <a:rPr lang="en-US"/>
               <a:t>Click to edit Master title style</a:t>
             </a:r>
+            <a:endParaRPr lang="en-US" dirty="0"/>
           </a:p>
         </p:txBody>
       </p:sp>
@@ -1114,8 +1126,8 @@
         </p:nvSpPr>
         <p:spPr>
           <a:xfrm>
-            <a:off x="838200" y="1825625"/>
-            <a:ext cx="5181600" cy="4351338"/>
+            <a:off x="628650" y="1521354"/>
+            <a:ext cx="3886200" cy="3626115"/>
           </a:xfrm>
         </p:spPr>
         <p:txBody>
@@ -1155,6 +1167,7 @@
               <a:rPr lang="en-US"/>
               <a:t>Fifth level</a:t>
             </a:r>
+            <a:endParaRPr lang="en-US" dirty="0"/>
           </a:p>
         </p:txBody>
       </p:sp>
@@ -1170,8 +1183,8 @@
         </p:nvSpPr>
         <p:spPr>
           <a:xfrm>
-            <a:off x="6172200" y="1825625"/>
-            <a:ext cx="5181600" cy="4351338"/>
+            <a:off x="4629150" y="1521354"/>
+            <a:ext cx="3886200" cy="3626115"/>
           </a:xfrm>
         </p:spPr>
         <p:txBody>
@@ -1211,6 +1224,7 @@
               <a:rPr lang="en-US"/>
               <a:t>Fifth level</a:t>
             </a:r>
+            <a:endParaRPr lang="en-US" dirty="0"/>
           </a:p>
         </p:txBody>
       </p:sp>
@@ -1231,7 +1245,7 @@
           <a:p>
             <a:fld id="{32F7251A-AE54-443C-B8FE-5F636E835EBF}" type="datetimeFigureOut">
               <a:rPr lang="en-US" smtClean="0"/>
-              <a:t>8/12/2018</a:t>
+              <a:t>9/16/18</a:t>
             </a:fld>
             <a:endParaRPr lang="en-US"/>
           </a:p>
@@ -1282,7 +1296,7 @@
     </p:spTree>
     <p:extLst>
       <p:ext uri="{BB962C8B-B14F-4D97-AF65-F5344CB8AC3E}">
-        <p14:creationId xmlns:p14="http://schemas.microsoft.com/office/powerpoint/2010/main" val="1159900131"/>
+        <p14:creationId xmlns:p14="http://schemas.microsoft.com/office/powerpoint/2010/main" val="2874819713"/>
       </p:ext>
     </p:extLst>
   </p:cSld>
@@ -1321,8 +1335,8 @@
         </p:nvSpPr>
         <p:spPr>
           <a:xfrm>
-            <a:off x="839788" y="365125"/>
-            <a:ext cx="10515600" cy="1325563"/>
+            <a:off x="629841" y="304271"/>
+            <a:ext cx="7886700" cy="1104636"/>
           </a:xfrm>
         </p:spPr>
         <p:txBody>
@@ -1333,6 +1347,7 @@
               <a:rPr lang="en-US"/>
               <a:t>Click to edit Master title style</a:t>
             </a:r>
+            <a:endParaRPr lang="en-US" dirty="0"/>
           </a:p>
         </p:txBody>
       </p:sp>
@@ -1348,8 +1363,8 @@
         </p:nvSpPr>
         <p:spPr>
           <a:xfrm>
-            <a:off x="839788" y="1681163"/>
-            <a:ext cx="5157787" cy="823912"/>
+            <a:off x="629842" y="1400969"/>
+            <a:ext cx="3868340" cy="686593"/>
           </a:xfrm>
         </p:spPr>
         <p:txBody>
@@ -1357,39 +1372,39 @@
           <a:lstStyle>
             <a:lvl1pPr marL="0" indent="0">
               <a:buNone/>
-              <a:defRPr sz="2400" b="1"/>
+              <a:defRPr sz="1800" b="1"/>
             </a:lvl1pPr>
-            <a:lvl2pPr marL="457200" indent="0">
-              <a:buNone/>
-              <a:defRPr sz="2000" b="1"/>
+            <a:lvl2pPr marL="342900" indent="0">
+              <a:buNone/>
+              <a:defRPr sz="1500" b="1"/>
             </a:lvl2pPr>
-            <a:lvl3pPr marL="914400" indent="0">
-              <a:buNone/>
-              <a:defRPr sz="1800" b="1"/>
+            <a:lvl3pPr marL="685800" indent="0">
+              <a:buNone/>
+              <a:defRPr sz="1350" b="1"/>
             </a:lvl3pPr>
-            <a:lvl4pPr marL="1371600" indent="0">
-              <a:buNone/>
-              <a:defRPr sz="1600" b="1"/>
+            <a:lvl4pPr marL="1028700" indent="0">
+              <a:buNone/>
+              <a:defRPr sz="1200" b="1"/>
             </a:lvl4pPr>
-            <a:lvl5pPr marL="1828800" indent="0">
-              <a:buNone/>
-              <a:defRPr sz="1600" b="1"/>
+            <a:lvl5pPr marL="1371600" indent="0">
+              <a:buNone/>
+              <a:defRPr sz="1200" b="1"/>
             </a:lvl5pPr>
-            <a:lvl6pPr marL="2286000" indent="0">
-              <a:buNone/>
-              <a:defRPr sz="1600" b="1"/>
+            <a:lvl6pPr marL="1714500" indent="0">
+              <a:buNone/>
+              <a:defRPr sz="1200" b="1"/>
             </a:lvl6pPr>
-            <a:lvl7pPr marL="2743200" indent="0">
-              <a:buNone/>
-              <a:defRPr sz="1600" b="1"/>
+            <a:lvl7pPr marL="2057400" indent="0">
+              <a:buNone/>
+              <a:defRPr sz="1200" b="1"/>
             </a:lvl7pPr>
-            <a:lvl8pPr marL="3200400" indent="0">
-              <a:buNone/>
-              <a:defRPr sz="1600" b="1"/>
+            <a:lvl8pPr marL="2400300" indent="0">
+              <a:buNone/>
+              <a:defRPr sz="1200" b="1"/>
             </a:lvl8pPr>
-            <a:lvl9pPr marL="3657600" indent="0">
-              <a:buNone/>
-              <a:defRPr sz="1600" b="1"/>
+            <a:lvl9pPr marL="2743200" indent="0">
+              <a:buNone/>
+              <a:defRPr sz="1200" b="1"/>
             </a:lvl9pPr>
           </a:lstStyle>
           <a:p>
@@ -1413,8 +1428,8 @@
         </p:nvSpPr>
         <p:spPr>
           <a:xfrm>
-            <a:off x="839788" y="2505075"/>
-            <a:ext cx="5157787" cy="3684588"/>
+            <a:off x="629842" y="2087563"/>
+            <a:ext cx="3868340" cy="3070490"/>
           </a:xfrm>
         </p:spPr>
         <p:txBody>
@@ -1454,6 +1469,7 @@
               <a:rPr lang="en-US"/>
               <a:t>Fifth level</a:t>
             </a:r>
+            <a:endParaRPr lang="en-US" dirty="0"/>
           </a:p>
         </p:txBody>
       </p:sp>
@@ -1469,8 +1485,8 @@
         </p:nvSpPr>
         <p:spPr>
           <a:xfrm>
-            <a:off x="6172200" y="1681163"/>
-            <a:ext cx="5183188" cy="823912"/>
+            <a:off x="4629150" y="1400969"/>
+            <a:ext cx="3887391" cy="686593"/>
           </a:xfrm>
         </p:spPr>
         <p:txBody>
@@ -1478,39 +1494,39 @@
           <a:lstStyle>
             <a:lvl1pPr marL="0" indent="0">
               <a:buNone/>
-              <a:defRPr sz="2400" b="1"/>
+              <a:defRPr sz="1800" b="1"/>
             </a:lvl1pPr>
-            <a:lvl2pPr marL="457200" indent="0">
-              <a:buNone/>
-              <a:defRPr sz="2000" b="1"/>
+            <a:lvl2pPr marL="342900" indent="0">
+              <a:buNone/>
+              <a:defRPr sz="1500" b="1"/>
             </a:lvl2pPr>
-            <a:lvl3pPr marL="914400" indent="0">
-              <a:buNone/>
-              <a:defRPr sz="1800" b="1"/>
+            <a:lvl3pPr marL="685800" indent="0">
+              <a:buNone/>
+              <a:defRPr sz="1350" b="1"/>
             </a:lvl3pPr>
-            <a:lvl4pPr marL="1371600" indent="0">
-              <a:buNone/>
-              <a:defRPr sz="1600" b="1"/>
+            <a:lvl4pPr marL="1028700" indent="0">
+              <a:buNone/>
+              <a:defRPr sz="1200" b="1"/>
             </a:lvl4pPr>
-            <a:lvl5pPr marL="1828800" indent="0">
-              <a:buNone/>
-              <a:defRPr sz="1600" b="1"/>
+            <a:lvl5pPr marL="1371600" indent="0">
+              <a:buNone/>
+              <a:defRPr sz="1200" b="1"/>
             </a:lvl5pPr>
-            <a:lvl6pPr marL="2286000" indent="0">
-              <a:buNone/>
-              <a:defRPr sz="1600" b="1"/>
+            <a:lvl6pPr marL="1714500" indent="0">
+              <a:buNone/>
+              <a:defRPr sz="1200" b="1"/>
             </a:lvl6pPr>
-            <a:lvl7pPr marL="2743200" indent="0">
-              <a:buNone/>
-              <a:defRPr sz="1600" b="1"/>
+            <a:lvl7pPr marL="2057400" indent="0">
+              <a:buNone/>
+              <a:defRPr sz="1200" b="1"/>
             </a:lvl7pPr>
-            <a:lvl8pPr marL="3200400" indent="0">
-              <a:buNone/>
-              <a:defRPr sz="1600" b="1"/>
+            <a:lvl8pPr marL="2400300" indent="0">
+              <a:buNone/>
+              <a:defRPr sz="1200" b="1"/>
             </a:lvl8pPr>
-            <a:lvl9pPr marL="3657600" indent="0">
-              <a:buNone/>
-              <a:defRPr sz="1600" b="1"/>
+            <a:lvl9pPr marL="2743200" indent="0">
+              <a:buNone/>
+              <a:defRPr sz="1200" b="1"/>
             </a:lvl9pPr>
           </a:lstStyle>
           <a:p>
@@ -1534,8 +1550,8 @@
         </p:nvSpPr>
         <p:spPr>
           <a:xfrm>
-            <a:off x="6172200" y="2505075"/>
-            <a:ext cx="5183188" cy="3684588"/>
+            <a:off x="4629150" y="2087563"/>
+            <a:ext cx="3887391" cy="3070490"/>
           </a:xfrm>
         </p:spPr>
         <p:txBody>
@@ -1575,6 +1591,7 @@
               <a:rPr lang="en-US"/>
               <a:t>Fifth level</a:t>
             </a:r>
+            <a:endParaRPr lang="en-US" dirty="0"/>
           </a:p>
         </p:txBody>
       </p:sp>
@@ -1595,7 +1612,7 @@
           <a:p>
             <a:fld id="{32F7251A-AE54-443C-B8FE-5F636E835EBF}" type="datetimeFigureOut">
               <a:rPr lang="en-US" smtClean="0"/>
-              <a:t>8/12/2018</a:t>
+              <a:t>9/16/18</a:t>
             </a:fld>
             <a:endParaRPr lang="en-US"/>
           </a:p>
@@ -1646,7 +1663,7 @@
     </p:spTree>
     <p:extLst>
       <p:ext uri="{BB962C8B-B14F-4D97-AF65-F5344CB8AC3E}">
-        <p14:creationId xmlns:p14="http://schemas.microsoft.com/office/powerpoint/2010/main" val="4053388297"/>
+        <p14:creationId xmlns:p14="http://schemas.microsoft.com/office/powerpoint/2010/main" val="2157291401"/>
       </p:ext>
     </p:extLst>
   </p:cSld>
@@ -1692,6 +1709,7 @@
               <a:rPr lang="en-US"/>
               <a:t>Click to edit Master title style</a:t>
             </a:r>
+            <a:endParaRPr lang="en-US" dirty="0"/>
           </a:p>
         </p:txBody>
       </p:sp>
@@ -1712,7 +1730,7 @@
           <a:p>
             <a:fld id="{32F7251A-AE54-443C-B8FE-5F636E835EBF}" type="datetimeFigureOut">
               <a:rPr lang="en-US" smtClean="0"/>
-              <a:t>8/12/2018</a:t>
+              <a:t>9/16/18</a:t>
             </a:fld>
             <a:endParaRPr lang="en-US"/>
           </a:p>
@@ -1763,7 +1781,7 @@
     </p:spTree>
     <p:extLst>
       <p:ext uri="{BB962C8B-B14F-4D97-AF65-F5344CB8AC3E}">
-        <p14:creationId xmlns:p14="http://schemas.microsoft.com/office/powerpoint/2010/main" val="2670057550"/>
+        <p14:creationId xmlns:p14="http://schemas.microsoft.com/office/powerpoint/2010/main" val="3948412144"/>
       </p:ext>
     </p:extLst>
   </p:cSld>
@@ -1807,7 +1825,7 @@
           <a:p>
             <a:fld id="{32F7251A-AE54-443C-B8FE-5F636E835EBF}" type="datetimeFigureOut">
               <a:rPr lang="en-US" smtClean="0"/>
-              <a:t>8/12/2018</a:t>
+              <a:t>9/16/18</a:t>
             </a:fld>
             <a:endParaRPr lang="en-US"/>
           </a:p>
@@ -1858,7 +1876,7 @@
     </p:spTree>
     <p:extLst>
       <p:ext uri="{BB962C8B-B14F-4D97-AF65-F5344CB8AC3E}">
-        <p14:creationId xmlns:p14="http://schemas.microsoft.com/office/powerpoint/2010/main" val="4108139144"/>
+        <p14:creationId xmlns:p14="http://schemas.microsoft.com/office/powerpoint/2010/main" val="3971018773"/>
       </p:ext>
     </p:extLst>
   </p:cSld>
@@ -1897,15 +1915,15 @@
         </p:nvSpPr>
         <p:spPr>
           <a:xfrm>
-            <a:off x="839788" y="457200"/>
-            <a:ext cx="3932237" cy="1600200"/>
+            <a:off x="629841" y="381000"/>
+            <a:ext cx="2949178" cy="1333500"/>
           </a:xfrm>
         </p:spPr>
         <p:txBody>
           <a:bodyPr anchor="b"/>
           <a:lstStyle>
             <a:lvl1pPr>
-              <a:defRPr sz="3200"/>
+              <a:defRPr sz="2400"/>
             </a:lvl1pPr>
           </a:lstStyle>
           <a:p>
@@ -1913,6 +1931,7 @@
               <a:rPr lang="en-US"/>
               <a:t>Click to edit Master title style</a:t>
             </a:r>
+            <a:endParaRPr lang="en-US" dirty="0"/>
           </a:p>
         </p:txBody>
       </p:sp>
@@ -1928,39 +1947,39 @@
         </p:nvSpPr>
         <p:spPr>
           <a:xfrm>
-            <a:off x="5183188" y="987425"/>
-            <a:ext cx="6172200" cy="4873625"/>
+            <a:off x="3887391" y="822855"/>
+            <a:ext cx="4629150" cy="4061354"/>
           </a:xfrm>
         </p:spPr>
         <p:txBody>
           <a:bodyPr/>
           <a:lstStyle>
             <a:lvl1pPr>
-              <a:defRPr sz="3200"/>
+              <a:defRPr sz="2400"/>
             </a:lvl1pPr>
             <a:lvl2pPr>
-              <a:defRPr sz="2800"/>
+              <a:defRPr sz="2100"/>
             </a:lvl2pPr>
             <a:lvl3pPr>
-              <a:defRPr sz="2400"/>
+              <a:defRPr sz="1800"/>
             </a:lvl3pPr>
             <a:lvl4pPr>
-              <a:defRPr sz="2000"/>
+              <a:defRPr sz="1500"/>
             </a:lvl4pPr>
             <a:lvl5pPr>
-              <a:defRPr sz="2000"/>
+              <a:defRPr sz="1500"/>
             </a:lvl5pPr>
             <a:lvl6pPr>
-              <a:defRPr sz="2000"/>
+              <a:defRPr sz="1500"/>
             </a:lvl6pPr>
             <a:lvl7pPr>
-              <a:defRPr sz="2000"/>
+              <a:defRPr sz="1500"/>
             </a:lvl7pPr>
             <a:lvl8pPr>
-              <a:defRPr sz="2000"/>
+              <a:defRPr sz="1500"/>
             </a:lvl8pPr>
             <a:lvl9pPr>
-              <a:defRPr sz="2000"/>
+              <a:defRPr sz="1500"/>
             </a:lvl9pPr>
           </a:lstStyle>
           <a:p>
@@ -1997,6 +2016,7 @@
               <a:rPr lang="en-US"/>
               <a:t>Fifth level</a:t>
             </a:r>
+            <a:endParaRPr lang="en-US" dirty="0"/>
           </a:p>
         </p:txBody>
       </p:sp>
@@ -2012,8 +2032,8 @@
         </p:nvSpPr>
         <p:spPr>
           <a:xfrm>
-            <a:off x="839788" y="2057400"/>
-            <a:ext cx="3932237" cy="3811588"/>
+            <a:off x="629841" y="1714500"/>
+            <a:ext cx="2949178" cy="3176323"/>
           </a:xfrm>
         </p:spPr>
         <p:txBody>
@@ -2021,39 +2041,39 @@
           <a:lstStyle>
             <a:lvl1pPr marL="0" indent="0">
               <a:buNone/>
-              <a:defRPr sz="1600"/>
+              <a:defRPr sz="1200"/>
             </a:lvl1pPr>
-            <a:lvl2pPr marL="457200" indent="0">
-              <a:buNone/>
-              <a:defRPr sz="1400"/>
+            <a:lvl2pPr marL="342900" indent="0">
+              <a:buNone/>
+              <a:defRPr sz="1050"/>
             </a:lvl2pPr>
-            <a:lvl3pPr marL="914400" indent="0">
-              <a:buNone/>
-              <a:defRPr sz="1200"/>
+            <a:lvl3pPr marL="685800" indent="0">
+              <a:buNone/>
+              <a:defRPr sz="900"/>
             </a:lvl3pPr>
-            <a:lvl4pPr marL="1371600" indent="0">
-              <a:buNone/>
-              <a:defRPr sz="1000"/>
+            <a:lvl4pPr marL="1028700" indent="0">
+              <a:buNone/>
+              <a:defRPr sz="750"/>
             </a:lvl4pPr>
-            <a:lvl5pPr marL="1828800" indent="0">
-              <a:buNone/>
-              <a:defRPr sz="1000"/>
+            <a:lvl5pPr marL="1371600" indent="0">
+              <a:buNone/>
+              <a:defRPr sz="750"/>
             </a:lvl5pPr>
-            <a:lvl6pPr marL="2286000" indent="0">
-              <a:buNone/>
-              <a:defRPr sz="1000"/>
+            <a:lvl6pPr marL="1714500" indent="0">
+              <a:buNone/>
+              <a:defRPr sz="750"/>
             </a:lvl6pPr>
-            <a:lvl7pPr marL="2743200" indent="0">
-              <a:buNone/>
-              <a:defRPr sz="1000"/>
+            <a:lvl7pPr marL="2057400" indent="0">
+              <a:buNone/>
+              <a:defRPr sz="750"/>
             </a:lvl7pPr>
-            <a:lvl8pPr marL="3200400" indent="0">
-              <a:buNone/>
-              <a:defRPr sz="1000"/>
+            <a:lvl8pPr marL="2400300" indent="0">
+              <a:buNone/>
+              <a:defRPr sz="750"/>
             </a:lvl8pPr>
-            <a:lvl9pPr marL="3657600" indent="0">
-              <a:buNone/>
-              <a:defRPr sz="1000"/>
+            <a:lvl9pPr marL="2743200" indent="0">
+              <a:buNone/>
+              <a:defRPr sz="750"/>
             </a:lvl9pPr>
           </a:lstStyle>
           <a:p>
@@ -2082,7 +2102,7 @@
           <a:p>
             <a:fld id="{32F7251A-AE54-443C-B8FE-5F636E835EBF}" type="datetimeFigureOut">
               <a:rPr lang="en-US" smtClean="0"/>
-              <a:t>8/12/2018</a:t>
+              <a:t>9/16/18</a:t>
             </a:fld>
             <a:endParaRPr lang="en-US"/>
           </a:p>
@@ -2133,7 +2153,7 @@
     </p:spTree>
     <p:extLst>
       <p:ext uri="{BB962C8B-B14F-4D97-AF65-F5344CB8AC3E}">
-        <p14:creationId xmlns:p14="http://schemas.microsoft.com/office/powerpoint/2010/main" val="105869644"/>
+        <p14:creationId xmlns:p14="http://schemas.microsoft.com/office/powerpoint/2010/main" val="2036415341"/>
       </p:ext>
     </p:extLst>
   </p:cSld>
@@ -2172,15 +2192,15 @@
         </p:nvSpPr>
         <p:spPr>
           <a:xfrm>
-            <a:off x="839788" y="457200"/>
-            <a:ext cx="3932237" cy="1600200"/>
+            <a:off x="629841" y="381000"/>
+            <a:ext cx="2949178" cy="1333500"/>
           </a:xfrm>
         </p:spPr>
         <p:txBody>
           <a:bodyPr anchor="b"/>
           <a:lstStyle>
             <a:lvl1pPr>
-              <a:defRPr sz="3200"/>
+              <a:defRPr sz="2400"/>
             </a:lvl1pPr>
           </a:lstStyle>
           <a:p>
@@ -2188,6 +2208,7 @@
               <a:rPr lang="en-US"/>
               <a:t>Click to edit Master title style</a:t>
             </a:r>
+            <a:endParaRPr lang="en-US" dirty="0"/>
           </a:p>
         </p:txBody>
       </p:sp>
@@ -2195,7 +2216,7 @@
         <p:nvSpPr>
           <p:cNvPr id="3" name="Picture Placeholder 2"/>
           <p:cNvSpPr>
-            <a:spLocks noGrp="1"/>
+            <a:spLocks noGrp="1" noChangeAspect="1"/>
           </p:cNvSpPr>
           <p:nvPr>
             <p:ph type="pic" idx="1"/>
@@ -2203,52 +2224,56 @@
         </p:nvSpPr>
         <p:spPr>
           <a:xfrm>
-            <a:off x="5183188" y="987425"/>
-            <a:ext cx="6172200" cy="4873625"/>
+            <a:off x="3887391" y="822855"/>
+            <a:ext cx="4629150" cy="4061354"/>
           </a:xfrm>
         </p:spPr>
         <p:txBody>
-          <a:bodyPr/>
+          <a:bodyPr anchor="t"/>
           <a:lstStyle>
             <a:lvl1pPr marL="0" indent="0">
               <a:buNone/>
-              <a:defRPr sz="3200"/>
+              <a:defRPr sz="2400"/>
             </a:lvl1pPr>
-            <a:lvl2pPr marL="457200" indent="0">
-              <a:buNone/>
-              <a:defRPr sz="2800"/>
+            <a:lvl2pPr marL="342900" indent="0">
+              <a:buNone/>
+              <a:defRPr sz="2100"/>
             </a:lvl2pPr>
-            <a:lvl3pPr marL="914400" indent="0">
-              <a:buNone/>
-              <a:defRPr sz="2400"/>
+            <a:lvl3pPr marL="685800" indent="0">
+              <a:buNone/>
+              <a:defRPr sz="1800"/>
             </a:lvl3pPr>
-            <a:lvl4pPr marL="1371600" indent="0">
-              <a:buNone/>
-              <a:defRPr sz="2000"/>
+            <a:lvl4pPr marL="1028700" indent="0">
+              <a:buNone/>
+              <a:defRPr sz="1500"/>
             </a:lvl4pPr>
-            <a:lvl5pPr marL="1828800" indent="0">
-              <a:buNone/>
-              <a:defRPr sz="2000"/>
+            <a:lvl5pPr marL="1371600" indent="0">
+              <a:buNone/>
+              <a:defRPr sz="1500"/>
             </a:lvl5pPr>
-            <a:lvl6pPr marL="2286000" indent="0">
-              <a:buNone/>
-              <a:defRPr sz="2000"/>
+            <a:lvl6pPr marL="1714500" indent="0">
+              <a:buNone/>
+              <a:defRPr sz="1500"/>
             </a:lvl6pPr>
-            <a:lvl7pPr marL="2743200" indent="0">
-              <a:buNone/>
-              <a:defRPr sz="2000"/>
+            <a:lvl7pPr marL="2057400" indent="0">
+              <a:buNone/>
+              <a:defRPr sz="1500"/>
             </a:lvl7pPr>
-            <a:lvl8pPr marL="3200400" indent="0">
-              <a:buNone/>
-              <a:defRPr sz="2000"/>
+            <a:lvl8pPr marL="2400300" indent="0">
+              <a:buNone/>
+              <a:defRPr sz="1500"/>
             </a:lvl8pPr>
-            <a:lvl9pPr marL="3657600" indent="0">
-              <a:buNone/>
-              <a:defRPr sz="2000"/>
+            <a:lvl9pPr marL="2743200" indent="0">
+              <a:buNone/>
+              <a:defRPr sz="1500"/>
             </a:lvl9pPr>
           </a:lstStyle>
           <a:p>
-            <a:endParaRPr lang="en-US"/>
+            <a:r>
+              <a:rPr lang="en-US"/>
+              <a:t>Click icon to add picture</a:t>
+            </a:r>
+            <a:endParaRPr lang="en-US" dirty="0"/>
           </a:p>
         </p:txBody>
       </p:sp>
@@ -2264,8 +2289,8 @@
         </p:nvSpPr>
         <p:spPr>
           <a:xfrm>
-            <a:off x="839788" y="2057400"/>
-            <a:ext cx="3932237" cy="3811588"/>
+            <a:off x="629841" y="1714500"/>
+            <a:ext cx="2949178" cy="3176323"/>
           </a:xfrm>
         </p:spPr>
         <p:txBody>
@@ -2273,39 +2298,39 @@
           <a:lstStyle>
             <a:lvl1pPr marL="0" indent="0">
               <a:buNone/>
-              <a:defRPr sz="1600"/>
+              <a:defRPr sz="1200"/>
             </a:lvl1pPr>
-            <a:lvl2pPr marL="457200" indent="0">
-              <a:buNone/>
-              <a:defRPr sz="1400"/>
+            <a:lvl2pPr marL="342900" indent="0">
+              <a:buNone/>
+              <a:defRPr sz="1050"/>
             </a:lvl2pPr>
-            <a:lvl3pPr marL="914400" indent="0">
-              <a:buNone/>
-              <a:defRPr sz="1200"/>
+            <a:lvl3pPr marL="685800" indent="0">
+              <a:buNone/>
+              <a:defRPr sz="900"/>
             </a:lvl3pPr>
-            <a:lvl4pPr marL="1371600" indent="0">
-              <a:buNone/>
-              <a:defRPr sz="1000"/>
+            <a:lvl4pPr marL="1028700" indent="0">
+              <a:buNone/>
+              <a:defRPr sz="750"/>
             </a:lvl4pPr>
-            <a:lvl5pPr marL="1828800" indent="0">
-              <a:buNone/>
-              <a:defRPr sz="1000"/>
+            <a:lvl5pPr marL="1371600" indent="0">
+              <a:buNone/>
+              <a:defRPr sz="750"/>
             </a:lvl5pPr>
-            <a:lvl6pPr marL="2286000" indent="0">
-              <a:buNone/>
-              <a:defRPr sz="1000"/>
+            <a:lvl6pPr marL="1714500" indent="0">
+              <a:buNone/>
+              <a:defRPr sz="750"/>
             </a:lvl6pPr>
-            <a:lvl7pPr marL="2743200" indent="0">
-              <a:buNone/>
-              <a:defRPr sz="1000"/>
+            <a:lvl7pPr marL="2057400" indent="0">
+              <a:buNone/>
+              <a:defRPr sz="750"/>
             </a:lvl7pPr>
-            <a:lvl8pPr marL="3200400" indent="0">
-              <a:buNone/>
-              <a:defRPr sz="1000"/>
+            <a:lvl8pPr marL="2400300" indent="0">
+              <a:buNone/>
+              <a:defRPr sz="750"/>
             </a:lvl8pPr>
-            <a:lvl9pPr marL="3657600" indent="0">
-              <a:buNone/>
-              <a:defRPr sz="1000"/>
+            <a:lvl9pPr marL="2743200" indent="0">
+              <a:buNone/>
+              <a:defRPr sz="750"/>
             </a:lvl9pPr>
           </a:lstStyle>
           <a:p>
@@ -2334,7 +2359,7 @@
           <a:p>
             <a:fld id="{32F7251A-AE54-443C-B8FE-5F636E835EBF}" type="datetimeFigureOut">
               <a:rPr lang="en-US" smtClean="0"/>
-              <a:t>8/12/2018</a:t>
+              <a:t>9/16/18</a:t>
             </a:fld>
             <a:endParaRPr lang="en-US"/>
           </a:p>
@@ -2385,7 +2410,7 @@
     </p:spTree>
     <p:extLst>
       <p:ext uri="{BB962C8B-B14F-4D97-AF65-F5344CB8AC3E}">
-        <p14:creationId xmlns:p14="http://schemas.microsoft.com/office/powerpoint/2010/main" val="1112752756"/>
+        <p14:creationId xmlns:p14="http://schemas.microsoft.com/office/powerpoint/2010/main" val="1524621459"/>
       </p:ext>
     </p:extLst>
   </p:cSld>
@@ -2399,12 +2424,9 @@
 <p:sldMaster xmlns:a="http://schemas.openxmlformats.org/drawingml/2006/main" xmlns:r="http://schemas.openxmlformats.org/officeDocument/2006/relationships" xmlns:p="http://schemas.openxmlformats.org/presentationml/2006/main">
   <p:cSld>
     <p:bg>
-      <p:bgPr>
-        <a:solidFill>
-          <a:srgbClr val="333333"/>
-        </a:solidFill>
-        <a:effectLst/>
-      </p:bgPr>
+      <p:bgRef idx="1001">
+        <a:schemeClr val="bg1"/>
+      </p:bgRef>
     </p:bg>
     <p:spTree>
       <p:nvGrpSpPr>
@@ -2432,8 +2454,8 @@
         </p:nvSpPr>
         <p:spPr>
           <a:xfrm>
-            <a:off x="838200" y="365125"/>
-            <a:ext cx="10515600" cy="1325563"/>
+            <a:off x="628650" y="304271"/>
+            <a:ext cx="7886700" cy="1104636"/>
           </a:xfrm>
           <a:prstGeom prst="rect">
             <a:avLst/>
@@ -2449,6 +2471,7 @@
               <a:rPr lang="en-US"/>
               <a:t>Click to edit Master title style</a:t>
             </a:r>
+            <a:endParaRPr lang="en-US" dirty="0"/>
           </a:p>
         </p:txBody>
       </p:sp>
@@ -2464,8 +2487,8 @@
         </p:nvSpPr>
         <p:spPr>
           <a:xfrm>
-            <a:off x="838200" y="1825625"/>
-            <a:ext cx="10515600" cy="4351338"/>
+            <a:off x="628650" y="1521354"/>
+            <a:ext cx="7886700" cy="3626115"/>
           </a:xfrm>
           <a:prstGeom prst="rect">
             <a:avLst/>
@@ -2510,6 +2533,7 @@
               <a:rPr lang="en-US"/>
               <a:t>Fifth level</a:t>
             </a:r>
+            <a:endParaRPr lang="en-US" dirty="0"/>
           </a:p>
         </p:txBody>
       </p:sp>
@@ -2525,8 +2549,8 @@
         </p:nvSpPr>
         <p:spPr>
           <a:xfrm>
-            <a:off x="838200" y="6356350"/>
-            <a:ext cx="2743200" cy="365125"/>
+            <a:off x="628650" y="5296959"/>
+            <a:ext cx="2057400" cy="304271"/>
           </a:xfrm>
           <a:prstGeom prst="rect">
             <a:avLst/>
@@ -2536,7 +2560,7 @@
           <a:bodyPr vert="horz" lIns="91440" tIns="45720" rIns="91440" bIns="45720" rtlCol="0" anchor="ctr"/>
           <a:lstStyle>
             <a:lvl1pPr algn="l">
-              <a:defRPr sz="1200">
+              <a:defRPr sz="900">
                 <a:solidFill>
                   <a:schemeClr val="tx1">
                     <a:tint val="75000"/>
@@ -2548,7 +2572,7 @@
           <a:p>
             <a:fld id="{32F7251A-AE54-443C-B8FE-5F636E835EBF}" type="datetimeFigureOut">
               <a:rPr lang="en-US" smtClean="0"/>
-              <a:t>8/12/2018</a:t>
+              <a:t>9/16/18</a:t>
             </a:fld>
             <a:endParaRPr lang="en-US"/>
           </a:p>
@@ -2566,8 +2590,8 @@
         </p:nvSpPr>
         <p:spPr>
           <a:xfrm>
-            <a:off x="4038600" y="6356350"/>
-            <a:ext cx="4114800" cy="365125"/>
+            <a:off x="3028950" y="5296959"/>
+            <a:ext cx="3086100" cy="304271"/>
           </a:xfrm>
           <a:prstGeom prst="rect">
             <a:avLst/>
@@ -2577,7 +2601,7 @@
           <a:bodyPr vert="horz" lIns="91440" tIns="45720" rIns="91440" bIns="45720" rtlCol="0" anchor="ctr"/>
           <a:lstStyle>
             <a:lvl1pPr algn="ctr">
-              <a:defRPr sz="1200">
+              <a:defRPr sz="900">
                 <a:solidFill>
                   <a:schemeClr val="tx1">
                     <a:tint val="75000"/>
@@ -2603,8 +2627,8 @@
         </p:nvSpPr>
         <p:spPr>
           <a:xfrm>
-            <a:off x="8610600" y="6356350"/>
-            <a:ext cx="2743200" cy="365125"/>
+            <a:off x="6457950" y="5296959"/>
+            <a:ext cx="2057400" cy="304271"/>
           </a:xfrm>
           <a:prstGeom prst="rect">
             <a:avLst/>
@@ -2614,7 +2638,7 @@
           <a:bodyPr vert="horz" lIns="91440" tIns="45720" rIns="91440" bIns="45720" rtlCol="0" anchor="ctr"/>
           <a:lstStyle>
             <a:lvl1pPr algn="r">
-              <a:defRPr sz="1200">
+              <a:defRPr sz="900">
                 <a:solidFill>
                   <a:schemeClr val="tx1">
                     <a:tint val="75000"/>
@@ -2635,27 +2659,27 @@
     </p:spTree>
     <p:extLst>
       <p:ext uri="{BB962C8B-B14F-4D97-AF65-F5344CB8AC3E}">
-        <p14:creationId xmlns:p14="http://schemas.microsoft.com/office/powerpoint/2010/main" val="136151934"/>
+        <p14:creationId xmlns:p14="http://schemas.microsoft.com/office/powerpoint/2010/main" val="3193488506"/>
       </p:ext>
     </p:extLst>
   </p:cSld>
   <p:clrMap bg1="lt1" tx1="dk1" bg2="lt2" tx2="dk2" accent1="accent1" accent2="accent2" accent3="accent3" accent4="accent4" accent5="accent5" accent6="accent6" hlink="hlink" folHlink="folHlink"/>
   <p:sldLayoutIdLst>
-    <p:sldLayoutId id="2147483649" r:id="rId1"/>
-    <p:sldLayoutId id="2147483650" r:id="rId2"/>
-    <p:sldLayoutId id="2147483651" r:id="rId3"/>
-    <p:sldLayoutId id="2147483652" r:id="rId4"/>
-    <p:sldLayoutId id="2147483653" r:id="rId5"/>
-    <p:sldLayoutId id="2147483654" r:id="rId6"/>
-    <p:sldLayoutId id="2147483655" r:id="rId7"/>
-    <p:sldLayoutId id="2147483656" r:id="rId8"/>
-    <p:sldLayoutId id="2147483657" r:id="rId9"/>
-    <p:sldLayoutId id="2147483658" r:id="rId10"/>
-    <p:sldLayoutId id="2147483659" r:id="rId11"/>
+    <p:sldLayoutId id="2147483661" r:id="rId1"/>
+    <p:sldLayoutId id="2147483662" r:id="rId2"/>
+    <p:sldLayoutId id="2147483663" r:id="rId3"/>
+    <p:sldLayoutId id="2147483664" r:id="rId4"/>
+    <p:sldLayoutId id="2147483665" r:id="rId5"/>
+    <p:sldLayoutId id="2147483666" r:id="rId6"/>
+    <p:sldLayoutId id="2147483667" r:id="rId7"/>
+    <p:sldLayoutId id="2147483668" r:id="rId8"/>
+    <p:sldLayoutId id="2147483669" r:id="rId9"/>
+    <p:sldLayoutId id="2147483670" r:id="rId10"/>
+    <p:sldLayoutId id="2147483671" r:id="rId11"/>
   </p:sldLayoutIdLst>
   <p:txStyles>
     <p:titleStyle>
-      <a:lvl1pPr algn="l" defTabSz="914400" rtl="0" eaLnBrk="1" latinLnBrk="0" hangingPunct="1">
+      <a:lvl1pPr algn="l" defTabSz="685800" rtl="0" eaLnBrk="1" latinLnBrk="0" hangingPunct="1">
         <a:lnSpc>
           <a:spcPct val="90000"/>
         </a:lnSpc>
@@ -2663,7 +2687,7 @@
           <a:spcPct val="0"/>
         </a:spcBef>
         <a:buNone/>
-        <a:defRPr sz="4400" kern="1200">
+        <a:defRPr sz="3300" kern="1200">
           <a:solidFill>
             <a:schemeClr val="tx1"/>
           </a:solidFill>
@@ -2674,16 +2698,16 @@
       </a:lvl1pPr>
     </p:titleStyle>
     <p:bodyStyle>
-      <a:lvl1pPr marL="228600" indent="-228600" algn="l" defTabSz="914400" rtl="0" eaLnBrk="1" latinLnBrk="0" hangingPunct="1">
+      <a:lvl1pPr marL="171450" indent="-171450" algn="l" defTabSz="685800" rtl="0" eaLnBrk="1" latinLnBrk="0" hangingPunct="1">
         <a:lnSpc>
           <a:spcPct val="90000"/>
         </a:lnSpc>
         <a:spcBef>
-          <a:spcPts val="1000"/>
+          <a:spcPts val="750"/>
         </a:spcBef>
         <a:buFont typeface="Arial" panose="020B0604020202020204" pitchFamily="34" charset="0"/>
         <a:buChar char="•"/>
-        <a:defRPr sz="2800" kern="1200">
+        <a:defRPr sz="2100" kern="1200">
           <a:solidFill>
             <a:schemeClr val="tx1"/>
           </a:solidFill>
@@ -2692,48 +2716,12 @@
           <a:cs typeface="+mn-cs"/>
         </a:defRPr>
       </a:lvl1pPr>
-      <a:lvl2pPr marL="685800" indent="-228600" algn="l" defTabSz="914400" rtl="0" eaLnBrk="1" latinLnBrk="0" hangingPunct="1">
+      <a:lvl2pPr marL="514350" indent="-171450" algn="l" defTabSz="685800" rtl="0" eaLnBrk="1" latinLnBrk="0" hangingPunct="1">
         <a:lnSpc>
           <a:spcPct val="90000"/>
         </a:lnSpc>
         <a:spcBef>
-          <a:spcPts val="500"/>
-        </a:spcBef>
-        <a:buFont typeface="Arial" panose="020B0604020202020204" pitchFamily="34" charset="0"/>
-        <a:buChar char="•"/>
-        <a:defRPr sz="2400" kern="1200">
-          <a:solidFill>
-            <a:schemeClr val="tx1"/>
-          </a:solidFill>
-          <a:latin typeface="+mn-lt"/>
-          <a:ea typeface="+mn-ea"/>
-          <a:cs typeface="+mn-cs"/>
-        </a:defRPr>
-      </a:lvl2pPr>
-      <a:lvl3pPr marL="1143000" indent="-228600" algn="l" defTabSz="914400" rtl="0" eaLnBrk="1" latinLnBrk="0" hangingPunct="1">
-        <a:lnSpc>
-          <a:spcPct val="90000"/>
-        </a:lnSpc>
-        <a:spcBef>
-          <a:spcPts val="500"/>
-        </a:spcBef>
-        <a:buFont typeface="Arial" panose="020B0604020202020204" pitchFamily="34" charset="0"/>
-        <a:buChar char="•"/>
-        <a:defRPr sz="2000" kern="1200">
-          <a:solidFill>
-            <a:schemeClr val="tx1"/>
-          </a:solidFill>
-          <a:latin typeface="+mn-lt"/>
-          <a:ea typeface="+mn-ea"/>
-          <a:cs typeface="+mn-cs"/>
-        </a:defRPr>
-      </a:lvl3pPr>
-      <a:lvl4pPr marL="1600200" indent="-228600" algn="l" defTabSz="914400" rtl="0" eaLnBrk="1" latinLnBrk="0" hangingPunct="1">
-        <a:lnSpc>
-          <a:spcPct val="90000"/>
-        </a:lnSpc>
-        <a:spcBef>
-          <a:spcPts val="500"/>
+          <a:spcPts val="375"/>
         </a:spcBef>
         <a:buFont typeface="Arial" panose="020B0604020202020204" pitchFamily="34" charset="0"/>
         <a:buChar char="•"/>
@@ -2745,17 +2733,53 @@
           <a:ea typeface="+mn-ea"/>
           <a:cs typeface="+mn-cs"/>
         </a:defRPr>
-      </a:lvl4pPr>
-      <a:lvl5pPr marL="2057400" indent="-228600" algn="l" defTabSz="914400" rtl="0" eaLnBrk="1" latinLnBrk="0" hangingPunct="1">
+      </a:lvl2pPr>
+      <a:lvl3pPr marL="857250" indent="-171450" algn="l" defTabSz="685800" rtl="0" eaLnBrk="1" latinLnBrk="0" hangingPunct="1">
         <a:lnSpc>
           <a:spcPct val="90000"/>
         </a:lnSpc>
         <a:spcBef>
-          <a:spcPts val="500"/>
+          <a:spcPts val="375"/>
         </a:spcBef>
         <a:buFont typeface="Arial" panose="020B0604020202020204" pitchFamily="34" charset="0"/>
         <a:buChar char="•"/>
-        <a:defRPr sz="1800" kern="1200">
+        <a:defRPr sz="1500" kern="1200">
+          <a:solidFill>
+            <a:schemeClr val="tx1"/>
+          </a:solidFill>
+          <a:latin typeface="+mn-lt"/>
+          <a:ea typeface="+mn-ea"/>
+          <a:cs typeface="+mn-cs"/>
+        </a:defRPr>
+      </a:lvl3pPr>
+      <a:lvl4pPr marL="1200150" indent="-171450" algn="l" defTabSz="685800" rtl="0" eaLnBrk="1" latinLnBrk="0" hangingPunct="1">
+        <a:lnSpc>
+          <a:spcPct val="90000"/>
+        </a:lnSpc>
+        <a:spcBef>
+          <a:spcPts val="375"/>
+        </a:spcBef>
+        <a:buFont typeface="Arial" panose="020B0604020202020204" pitchFamily="34" charset="0"/>
+        <a:buChar char="•"/>
+        <a:defRPr sz="1350" kern="1200">
+          <a:solidFill>
+            <a:schemeClr val="tx1"/>
+          </a:solidFill>
+          <a:latin typeface="+mn-lt"/>
+          <a:ea typeface="+mn-ea"/>
+          <a:cs typeface="+mn-cs"/>
+        </a:defRPr>
+      </a:lvl4pPr>
+      <a:lvl5pPr marL="1543050" indent="-171450" algn="l" defTabSz="685800" rtl="0" eaLnBrk="1" latinLnBrk="0" hangingPunct="1">
+        <a:lnSpc>
+          <a:spcPct val="90000"/>
+        </a:lnSpc>
+        <a:spcBef>
+          <a:spcPts val="375"/>
+        </a:spcBef>
+        <a:buFont typeface="Arial" panose="020B0604020202020204" pitchFamily="34" charset="0"/>
+        <a:buChar char="•"/>
+        <a:defRPr sz="1350" kern="1200">
           <a:solidFill>
             <a:schemeClr val="tx1"/>
           </a:solidFill>
@@ -2764,16 +2788,16 @@
           <a:cs typeface="+mn-cs"/>
         </a:defRPr>
       </a:lvl5pPr>
-      <a:lvl6pPr marL="2514600" indent="-228600" algn="l" defTabSz="914400" rtl="0" eaLnBrk="1" latinLnBrk="0" hangingPunct="1">
+      <a:lvl6pPr marL="1885950" indent="-171450" algn="l" defTabSz="685800" rtl="0" eaLnBrk="1" latinLnBrk="0" hangingPunct="1">
         <a:lnSpc>
           <a:spcPct val="90000"/>
         </a:lnSpc>
         <a:spcBef>
-          <a:spcPts val="500"/>
+          <a:spcPts val="375"/>
         </a:spcBef>
         <a:buFont typeface="Arial" panose="020B0604020202020204" pitchFamily="34" charset="0"/>
         <a:buChar char="•"/>
-        <a:defRPr sz="1800" kern="1200">
+        <a:defRPr sz="1350" kern="1200">
           <a:solidFill>
             <a:schemeClr val="tx1"/>
           </a:solidFill>
@@ -2782,16 +2806,16 @@
           <a:cs typeface="+mn-cs"/>
         </a:defRPr>
       </a:lvl6pPr>
-      <a:lvl7pPr marL="2971800" indent="-228600" algn="l" defTabSz="914400" rtl="0" eaLnBrk="1" latinLnBrk="0" hangingPunct="1">
+      <a:lvl7pPr marL="2228850" indent="-171450" algn="l" defTabSz="685800" rtl="0" eaLnBrk="1" latinLnBrk="0" hangingPunct="1">
         <a:lnSpc>
           <a:spcPct val="90000"/>
         </a:lnSpc>
         <a:spcBef>
-          <a:spcPts val="500"/>
+          <a:spcPts val="375"/>
         </a:spcBef>
         <a:buFont typeface="Arial" panose="020B0604020202020204" pitchFamily="34" charset="0"/>
         <a:buChar char="•"/>
-        <a:defRPr sz="1800" kern="1200">
+        <a:defRPr sz="1350" kern="1200">
           <a:solidFill>
             <a:schemeClr val="tx1"/>
           </a:solidFill>
@@ -2800,16 +2824,16 @@
           <a:cs typeface="+mn-cs"/>
         </a:defRPr>
       </a:lvl7pPr>
-      <a:lvl8pPr marL="3429000" indent="-228600" algn="l" defTabSz="914400" rtl="0" eaLnBrk="1" latinLnBrk="0" hangingPunct="1">
+      <a:lvl8pPr marL="2571750" indent="-171450" algn="l" defTabSz="685800" rtl="0" eaLnBrk="1" latinLnBrk="0" hangingPunct="1">
         <a:lnSpc>
           <a:spcPct val="90000"/>
         </a:lnSpc>
         <a:spcBef>
-          <a:spcPts val="500"/>
+          <a:spcPts val="375"/>
         </a:spcBef>
         <a:buFont typeface="Arial" panose="020B0604020202020204" pitchFamily="34" charset="0"/>
         <a:buChar char="•"/>
-        <a:defRPr sz="1800" kern="1200">
+        <a:defRPr sz="1350" kern="1200">
           <a:solidFill>
             <a:schemeClr val="tx1"/>
           </a:solidFill>
@@ -2818,16 +2842,16 @@
           <a:cs typeface="+mn-cs"/>
         </a:defRPr>
       </a:lvl8pPr>
-      <a:lvl9pPr marL="3886200" indent="-228600" algn="l" defTabSz="914400" rtl="0" eaLnBrk="1" latinLnBrk="0" hangingPunct="1">
+      <a:lvl9pPr marL="2914650" indent="-171450" algn="l" defTabSz="685800" rtl="0" eaLnBrk="1" latinLnBrk="0" hangingPunct="1">
         <a:lnSpc>
           <a:spcPct val="90000"/>
         </a:lnSpc>
         <a:spcBef>
-          <a:spcPts val="500"/>
+          <a:spcPts val="375"/>
         </a:spcBef>
         <a:buFont typeface="Arial" panose="020B0604020202020204" pitchFamily="34" charset="0"/>
         <a:buChar char="•"/>
-        <a:defRPr sz="1800" kern="1200">
+        <a:defRPr sz="1350" kern="1200">
           <a:solidFill>
             <a:schemeClr val="tx1"/>
           </a:solidFill>
@@ -2841,8 +2865,8 @@
       <a:defPPr>
         <a:defRPr lang="en-US"/>
       </a:defPPr>
-      <a:lvl1pPr marL="0" algn="l" defTabSz="914400" rtl="0" eaLnBrk="1" latinLnBrk="0" hangingPunct="1">
-        <a:defRPr sz="1800" kern="1200">
+      <a:lvl1pPr marL="0" algn="l" defTabSz="685800" rtl="0" eaLnBrk="1" latinLnBrk="0" hangingPunct="1">
+        <a:defRPr sz="1350" kern="1200">
           <a:solidFill>
             <a:schemeClr val="tx1"/>
           </a:solidFill>
@@ -2851,8 +2875,8 @@
           <a:cs typeface="+mn-cs"/>
         </a:defRPr>
       </a:lvl1pPr>
-      <a:lvl2pPr marL="457200" algn="l" defTabSz="914400" rtl="0" eaLnBrk="1" latinLnBrk="0" hangingPunct="1">
-        <a:defRPr sz="1800" kern="1200">
+      <a:lvl2pPr marL="342900" algn="l" defTabSz="685800" rtl="0" eaLnBrk="1" latinLnBrk="0" hangingPunct="1">
+        <a:defRPr sz="1350" kern="1200">
           <a:solidFill>
             <a:schemeClr val="tx1"/>
           </a:solidFill>
@@ -2861,8 +2885,8 @@
           <a:cs typeface="+mn-cs"/>
         </a:defRPr>
       </a:lvl2pPr>
-      <a:lvl3pPr marL="914400" algn="l" defTabSz="914400" rtl="0" eaLnBrk="1" latinLnBrk="0" hangingPunct="1">
-        <a:defRPr sz="1800" kern="1200">
+      <a:lvl3pPr marL="685800" algn="l" defTabSz="685800" rtl="0" eaLnBrk="1" latinLnBrk="0" hangingPunct="1">
+        <a:defRPr sz="1350" kern="1200">
           <a:solidFill>
             <a:schemeClr val="tx1"/>
           </a:solidFill>
@@ -2871,8 +2895,8 @@
           <a:cs typeface="+mn-cs"/>
         </a:defRPr>
       </a:lvl3pPr>
-      <a:lvl4pPr marL="1371600" algn="l" defTabSz="914400" rtl="0" eaLnBrk="1" latinLnBrk="0" hangingPunct="1">
-        <a:defRPr sz="1800" kern="1200">
+      <a:lvl4pPr marL="1028700" algn="l" defTabSz="685800" rtl="0" eaLnBrk="1" latinLnBrk="0" hangingPunct="1">
+        <a:defRPr sz="1350" kern="1200">
           <a:solidFill>
             <a:schemeClr val="tx1"/>
           </a:solidFill>
@@ -2881,8 +2905,8 @@
           <a:cs typeface="+mn-cs"/>
         </a:defRPr>
       </a:lvl4pPr>
-      <a:lvl5pPr marL="1828800" algn="l" defTabSz="914400" rtl="0" eaLnBrk="1" latinLnBrk="0" hangingPunct="1">
-        <a:defRPr sz="1800" kern="1200">
+      <a:lvl5pPr marL="1371600" algn="l" defTabSz="685800" rtl="0" eaLnBrk="1" latinLnBrk="0" hangingPunct="1">
+        <a:defRPr sz="1350" kern="1200">
           <a:solidFill>
             <a:schemeClr val="tx1"/>
           </a:solidFill>
@@ -2891,8 +2915,8 @@
           <a:cs typeface="+mn-cs"/>
         </a:defRPr>
       </a:lvl5pPr>
-      <a:lvl6pPr marL="2286000" algn="l" defTabSz="914400" rtl="0" eaLnBrk="1" latinLnBrk="0" hangingPunct="1">
-        <a:defRPr sz="1800" kern="1200">
+      <a:lvl6pPr marL="1714500" algn="l" defTabSz="685800" rtl="0" eaLnBrk="1" latinLnBrk="0" hangingPunct="1">
+        <a:defRPr sz="1350" kern="1200">
           <a:solidFill>
             <a:schemeClr val="tx1"/>
           </a:solidFill>
@@ -2901,8 +2925,8 @@
           <a:cs typeface="+mn-cs"/>
         </a:defRPr>
       </a:lvl6pPr>
-      <a:lvl7pPr marL="2743200" algn="l" defTabSz="914400" rtl="0" eaLnBrk="1" latinLnBrk="0" hangingPunct="1">
-        <a:defRPr sz="1800" kern="1200">
+      <a:lvl7pPr marL="2057400" algn="l" defTabSz="685800" rtl="0" eaLnBrk="1" latinLnBrk="0" hangingPunct="1">
+        <a:defRPr sz="1350" kern="1200">
           <a:solidFill>
             <a:schemeClr val="tx1"/>
           </a:solidFill>
@@ -2911,8 +2935,8 @@
           <a:cs typeface="+mn-cs"/>
         </a:defRPr>
       </a:lvl7pPr>
-      <a:lvl8pPr marL="3200400" algn="l" defTabSz="914400" rtl="0" eaLnBrk="1" latinLnBrk="0" hangingPunct="1">
-        <a:defRPr sz="1800" kern="1200">
+      <a:lvl8pPr marL="2400300" algn="l" defTabSz="685800" rtl="0" eaLnBrk="1" latinLnBrk="0" hangingPunct="1">
+        <a:defRPr sz="1350" kern="1200">
           <a:solidFill>
             <a:schemeClr val="tx1"/>
           </a:solidFill>
@@ -2921,8 +2945,8 @@
           <a:cs typeface="+mn-cs"/>
         </a:defRPr>
       </a:lvl8pPr>
-      <a:lvl9pPr marL="3657600" algn="l" defTabSz="914400" rtl="0" eaLnBrk="1" latinLnBrk="0" hangingPunct="1">
-        <a:defRPr sz="1800" kern="1200">
+      <a:lvl9pPr marL="2743200" algn="l" defTabSz="685800" rtl="0" eaLnBrk="1" latinLnBrk="0" hangingPunct="1">
+        <a:defRPr sz="1350" kern="1200">
           <a:solidFill>
             <a:schemeClr val="tx1"/>
           </a:solidFill>
@@ -2961,8 +2985,8 @@
         </p:nvSpPr>
         <p:spPr>
           <a:xfrm>
-            <a:off x="0" y="5444197"/>
-            <a:ext cx="12192000" cy="1413803"/>
+            <a:off x="0" y="4368898"/>
+            <a:ext cx="9144000" cy="1060352"/>
           </a:xfrm>
           <a:prstGeom prst="rect">
             <a:avLst/>
@@ -3006,7 +3030,7 @@
           <a:lstStyle/>
           <a:p>
             <a:pPr algn="ctr"/>
-            <a:endParaRPr lang="en-US"/>
+            <a:endParaRPr lang="en-US" sz="1053"/>
           </a:p>
         </p:txBody>
       </p:sp>
@@ -3018,8 +3042,8 @@
         </p:nvSpPr>
         <p:spPr>
           <a:xfrm>
-            <a:off x="0" y="1182811"/>
-            <a:ext cx="12192000" cy="769441"/>
+            <a:off x="0" y="1172858"/>
+            <a:ext cx="9144000" cy="600164"/>
           </a:xfrm>
           <a:prstGeom prst="rect">
             <a:avLst/>
@@ -3034,7 +3058,7 @@
           <a:p>
             <a:pPr algn="ctr"/>
             <a:r>
-              <a:rPr lang="en-US" sz="4400" b="1" u="sng" dirty="0">
+              <a:rPr lang="en-US" sz="3300" b="1" u="sng" dirty="0">
                 <a:solidFill>
                   <a:schemeClr val="bg1"/>
                 </a:solidFill>
@@ -3058,8 +3082,8 @@
         </p:nvSpPr>
         <p:spPr>
           <a:xfrm flipV="1">
-            <a:off x="0" y="0"/>
-            <a:ext cx="12192000" cy="601697"/>
+            <a:off x="0" y="285750"/>
+            <a:ext cx="9144000" cy="451273"/>
           </a:xfrm>
           <a:prstGeom prst="rect">
             <a:avLst/>
@@ -3103,7 +3127,7 @@
           <a:lstStyle/>
           <a:p>
             <a:pPr algn="ctr"/>
-            <a:endParaRPr lang="en-US"/>
+            <a:endParaRPr lang="en-US" sz="1053"/>
           </a:p>
         </p:txBody>
       </p:sp>
@@ -3121,8 +3145,8 @@
         </p:nvSpPr>
         <p:spPr>
           <a:xfrm>
-            <a:off x="-6624" y="2799575"/>
-            <a:ext cx="12192000" cy="1754326"/>
+            <a:off x="-4968" y="2385431"/>
+            <a:ext cx="9144000" cy="1338828"/>
           </a:xfrm>
           <a:prstGeom prst="rect">
             <a:avLst/>
@@ -3137,7 +3161,7 @@
           <a:p>
             <a:pPr algn="ctr"/>
             <a:r>
-              <a:rPr lang="en-US" sz="3600" dirty="0">
+              <a:rPr lang="en-US" sz="2700" dirty="0">
                 <a:solidFill>
                   <a:schemeClr val="bg1"/>
                 </a:solidFill>
@@ -3147,7 +3171,7 @@
           </a:p>
           <a:p>
             <a:pPr algn="ctr"/>
-            <a:endParaRPr lang="en-US" sz="3600" dirty="0">
+            <a:endParaRPr lang="en-US" sz="2700" dirty="0">
               <a:solidFill>
                 <a:schemeClr val="bg1"/>
               </a:solidFill>
@@ -3156,7 +3180,7 @@
           <a:p>
             <a:pPr algn="ctr"/>
             <a:r>
-              <a:rPr lang="en-US" sz="3600" dirty="0">
+              <a:rPr lang="en-US" sz="2700" dirty="0">
                 <a:solidFill>
                   <a:schemeClr val="bg1"/>
                 </a:solidFill>
@@ -3224,8 +3248,8 @@
         </p:blipFill>
         <p:spPr>
           <a:xfrm>
-            <a:off x="0" y="0"/>
-            <a:ext cx="12192000" cy="6858000"/>
+            <a:off x="0" y="285750"/>
+            <a:ext cx="9144000" cy="5143500"/>
           </a:xfrm>
           <a:prstGeom prst="rect">
             <a:avLst/>
@@ -3290,8 +3314,8 @@
         </p:nvSpPr>
         <p:spPr>
           <a:xfrm>
-            <a:off x="3760764" y="829993"/>
-            <a:ext cx="4670473" cy="646331"/>
+            <a:off x="2820573" y="908245"/>
+            <a:ext cx="3502855" cy="507831"/>
           </a:xfrm>
           <a:prstGeom prst="rect">
             <a:avLst/>
@@ -3306,7 +3330,7 @@
           <a:p>
             <a:pPr algn="ctr"/>
             <a:r>
-              <a:rPr lang="en-US" sz="3600" b="1" dirty="0">
+              <a:rPr lang="en-US" sz="2700" b="1" dirty="0">
                 <a:solidFill>
                   <a:schemeClr val="bg1"/>
                 </a:solidFill>
@@ -3333,8 +3357,8 @@
         </p:nvSpPr>
         <p:spPr>
           <a:xfrm>
-            <a:off x="2511084" y="2065608"/>
-            <a:ext cx="7169833" cy="1384995"/>
+            <a:off x="1883313" y="2136038"/>
+            <a:ext cx="5377375" cy="511166"/>
           </a:xfrm>
           <a:prstGeom prst="rect">
             <a:avLst/>
@@ -3353,7 +3377,7 @@
               </a:lnSpc>
             </a:pPr>
             <a:r>
-              <a:rPr lang="en-US" sz="2800" b="1" dirty="0">
+              <a:rPr lang="en-US" sz="2100" b="1" dirty="0">
                 <a:solidFill>
                   <a:schemeClr val="bg1"/>
                 </a:solidFill>
@@ -3361,25 +3385,7 @@
                 <a:ea typeface="Tahoma" panose="020B0604030504040204" pitchFamily="34" charset="0"/>
                 <a:cs typeface="Tahoma" panose="020B0604030504040204" pitchFamily="34" charset="0"/>
               </a:rPr>
-              <a:t>We’ll be back at 9:00 AM CDT</a:t>
-            </a:r>
-          </a:p>
-          <a:p>
-            <a:pPr algn="ctr">
-              <a:lnSpc>
-                <a:spcPct val="150000"/>
-              </a:lnSpc>
-            </a:pPr>
-            <a:r>
-              <a:rPr lang="en-US" sz="2800" b="1" dirty="0">
-                <a:solidFill>
-                  <a:schemeClr val="bg1"/>
-                </a:solidFill>
-                <a:latin typeface="Tahoma" panose="020B0604030504040204" pitchFamily="34" charset="0"/>
-                <a:ea typeface="Tahoma" panose="020B0604030504040204" pitchFamily="34" charset="0"/>
-                <a:cs typeface="Tahoma" panose="020B0604030504040204" pitchFamily="34" charset="0"/>
-              </a:rPr>
-              <a:t>for Sunday School.</a:t>
+              <a:t>Deacon Andrew Canfield, Preaching</a:t>
             </a:r>
           </a:p>
         </p:txBody>
@@ -3398,8 +3404,8 @@
         </p:nvSpPr>
         <p:spPr>
           <a:xfrm>
-            <a:off x="2511084" y="4004606"/>
-            <a:ext cx="7169833" cy="650819"/>
+            <a:off x="1883313" y="2996486"/>
+            <a:ext cx="5377375" cy="511166"/>
           </a:xfrm>
           <a:prstGeom prst="rect">
             <a:avLst/>
@@ -3418,7 +3424,7 @@
               </a:lnSpc>
             </a:pPr>
             <a:r>
-              <a:rPr lang="en-US" sz="2800" b="1" dirty="0">
+              <a:rPr lang="en-US" sz="2100" b="1" dirty="0">
                 <a:solidFill>
                   <a:schemeClr val="bg1"/>
                 </a:solidFill>
@@ -3426,7 +3432,7 @@
                 <a:ea typeface="Tahoma" panose="020B0604030504040204" pitchFamily="34" charset="0"/>
                 <a:cs typeface="Tahoma" panose="020B0604030504040204" pitchFamily="34" charset="0"/>
               </a:rPr>
-              <a:t>Thank you for joining us!</a:t>
+              <a:t>Elder David Bronson, Presiding</a:t>
             </a:r>
           </a:p>
         </p:txBody>
@@ -3445,8 +3451,8 @@
         </p:nvSpPr>
         <p:spPr>
           <a:xfrm>
-            <a:off x="0" y="6028007"/>
-            <a:ext cx="12192000" cy="829993"/>
+            <a:off x="0" y="4806756"/>
+            <a:ext cx="9144000" cy="622495"/>
           </a:xfrm>
           <a:prstGeom prst="rect">
             <a:avLst/>
@@ -3469,6 +3475,9 @@
             </a:gsLst>
             <a:lin ang="0" scaled="0"/>
           </a:gradFill>
+          <a:ln>
+            <a:noFill/>
+          </a:ln>
         </p:spPr>
         <p:style>
           <a:lnRef idx="2">
@@ -3491,7 +3500,7 @@
           <a:lstStyle/>
           <a:p>
             <a:pPr algn="ctr"/>
-            <a:endParaRPr lang="en-US"/>
+            <a:endParaRPr lang="en-US" sz="1053"/>
           </a:p>
         </p:txBody>
       </p:sp>
@@ -3509,8 +3518,8 @@
         </p:nvSpPr>
         <p:spPr>
           <a:xfrm>
-            <a:off x="2511084" y="6028007"/>
-            <a:ext cx="7169833" cy="650819"/>
+            <a:off x="1883313" y="4806755"/>
+            <a:ext cx="5377375" cy="511166"/>
           </a:xfrm>
           <a:prstGeom prst="rect">
             <a:avLst/>
@@ -3529,7 +3538,7 @@
               </a:lnSpc>
             </a:pPr>
             <a:r>
-              <a:rPr lang="en-US" sz="2800" b="1" dirty="0">
+              <a:rPr lang="en-US" sz="2100" b="1" dirty="0">
                 <a:solidFill>
                   <a:schemeClr val="bg1">
                     <a:lumMod val="10000"/>
@@ -3539,7 +3548,7 @@
                 <a:ea typeface="Tahoma" panose="020B0604030504040204" pitchFamily="34" charset="0"/>
                 <a:cs typeface="Tahoma" panose="020B0604030504040204" pitchFamily="34" charset="0"/>
               </a:rPr>
-              <a:t>April 1, 2018</a:t>
+              <a:t>August 26, 2018</a:t>
             </a:r>
           </a:p>
         </p:txBody>
@@ -3557,15 +3566,471 @@
 </p:sld>
 </file>
 
+<file path=ppt/slides/slide4.xml><?xml version="1.0" encoding="utf-8"?>
+<p:sld xmlns:a="http://schemas.openxmlformats.org/drawingml/2006/main" xmlns:r="http://schemas.openxmlformats.org/officeDocument/2006/relationships" xmlns:p="http://schemas.openxmlformats.org/presentationml/2006/main">
+  <p:cSld>
+    <p:spTree>
+      <p:nvGrpSpPr>
+        <p:cNvPr id="1" name=""/>
+        <p:cNvGrpSpPr/>
+        <p:nvPr/>
+      </p:nvGrpSpPr>
+      <p:grpSpPr>
+        <a:xfrm>
+          <a:off x="0" y="0"/>
+          <a:ext cx="0" cy="0"/>
+          <a:chOff x="0" y="0"/>
+          <a:chExt cx="0" cy="0"/>
+        </a:xfrm>
+      </p:grpSpPr>
+      <p:pic>
+        <p:nvPicPr>
+          <p:cNvPr id="3" name="Picture 2">
+            <a:extLst>
+              <a:ext uri="{FF2B5EF4-FFF2-40B4-BE49-F238E27FC236}">
+                <a16:creationId xmlns:a16="http://schemas.microsoft.com/office/drawing/2014/main" id="{FE7BDFDB-D1AD-FD48-8006-0FD339A2E97E}"/>
+              </a:ext>
+            </a:extLst>
+          </p:cNvPr>
+          <p:cNvPicPr>
+            <a:picLocks noChangeAspect="1"/>
+          </p:cNvPicPr>
+          <p:nvPr/>
+        </p:nvPicPr>
+        <p:blipFill rotWithShape="1">
+          <a:blip r:embed="rId2">
+            <a:extLst>
+              <a:ext uri="{BEBA8EAE-BF5A-486C-A8C5-ECC9F3942E4B}">
+                <a14:imgProps xmlns:a14="http://schemas.microsoft.com/office/drawing/2010/main">
+                  <a14:imgLayer>
+                    <a14:imgEffect>
+                      <a14:sharpenSoften amount="-50000"/>
+                    </a14:imgEffect>
+                  </a14:imgLayer>
+                </a14:imgProps>
+              </a:ext>
+              <a:ext uri="{28A0092B-C50C-407E-A947-70E740481C1C}">
+                <a14:useLocalDpi xmlns:a14="http://schemas.microsoft.com/office/drawing/2010/main" val="0"/>
+              </a:ext>
+            </a:extLst>
+          </a:blip>
+          <a:srcRect l="1059" t="5836" b="10602"/>
+          <a:stretch/>
+        </p:blipFill>
+        <p:spPr>
+          <a:xfrm>
+            <a:off x="0" y="285751"/>
+            <a:ext cx="9144000" cy="5143500"/>
+          </a:xfrm>
+          <a:prstGeom prst="rect">
+            <a:avLst/>
+          </a:prstGeom>
+        </p:spPr>
+      </p:pic>
+      <p:sp>
+        <p:nvSpPr>
+          <p:cNvPr id="4" name="Rectangle 3">
+            <a:extLst>
+              <a:ext uri="{FF2B5EF4-FFF2-40B4-BE49-F238E27FC236}">
+                <a16:creationId xmlns:a16="http://schemas.microsoft.com/office/drawing/2014/main" id="{8E62E8E8-EA0A-4243-8622-F8976E437EBF}"/>
+              </a:ext>
+            </a:extLst>
+          </p:cNvPr>
+          <p:cNvSpPr/>
+          <p:nvPr/>
+        </p:nvSpPr>
+        <p:spPr>
+          <a:xfrm>
+            <a:off x="0" y="285750"/>
+            <a:ext cx="9144000" cy="5143501"/>
+          </a:xfrm>
+          <a:prstGeom prst="rect">
+            <a:avLst/>
+          </a:prstGeom>
+          <a:solidFill>
+            <a:srgbClr val="212121">
+              <a:alpha val="54118"/>
+            </a:srgbClr>
+          </a:solidFill>
+          <a:ln>
+            <a:noFill/>
+          </a:ln>
+        </p:spPr>
+        <p:style>
+          <a:lnRef idx="2">
+            <a:schemeClr val="accent1">
+              <a:shade val="50000"/>
+            </a:schemeClr>
+          </a:lnRef>
+          <a:fillRef idx="1">
+            <a:schemeClr val="accent1"/>
+          </a:fillRef>
+          <a:effectRef idx="0">
+            <a:schemeClr val="accent1"/>
+          </a:effectRef>
+          <a:fontRef idx="minor">
+            <a:schemeClr val="lt1"/>
+          </a:fontRef>
+        </p:style>
+        <p:txBody>
+          <a:bodyPr rtlCol="0" anchor="ctr"/>
+          <a:lstStyle/>
+          <a:p>
+            <a:pPr algn="ctr"/>
+            <a:endParaRPr lang="en-US" sz="1053"/>
+          </a:p>
+        </p:txBody>
+      </p:sp>
+      <p:sp>
+        <p:nvSpPr>
+          <p:cNvPr id="5" name="TextBox 4">
+            <a:extLst>
+              <a:ext uri="{FF2B5EF4-FFF2-40B4-BE49-F238E27FC236}">
+                <a16:creationId xmlns:a16="http://schemas.microsoft.com/office/drawing/2014/main" id="{5B7E8F53-B8FF-9C44-B323-2A86F0B36AC5}"/>
+              </a:ext>
+            </a:extLst>
+          </p:cNvPr>
+          <p:cNvSpPr txBox="1"/>
+          <p:nvPr/>
+        </p:nvSpPr>
+        <p:spPr>
+          <a:xfrm>
+            <a:off x="3016406" y="2545877"/>
+            <a:ext cx="3111190" cy="646331"/>
+          </a:xfrm>
+          <a:prstGeom prst="rect">
+            <a:avLst/>
+          </a:prstGeom>
+          <a:noFill/>
+        </p:spPr>
+        <p:txBody>
+          <a:bodyPr wrap="square" rtlCol="0">
+            <a:spAutoFit/>
+          </a:bodyPr>
+          <a:lstStyle/>
+          <a:p>
+            <a:pPr algn="ctr"/>
+            <a:r>
+              <a:rPr lang="en-US" sz="3600" dirty="0">
+                <a:solidFill>
+                  <a:srgbClr val="FFFFFF"/>
+                </a:solidFill>
+                <a:effectLst>
+                  <a:outerShdw blurRad="50800" dist="38100" dir="2700000" algn="tl" rotWithShape="0">
+                    <a:prstClr val="black">
+                      <a:alpha val="40000"/>
+                    </a:prstClr>
+                  </a:outerShdw>
+                </a:effectLst>
+                <a:latin typeface="Pristina" panose="03060402040406080204" pitchFamily="66" charset="77"/>
+              </a:rPr>
+              <a:t>Zarahemla Branch</a:t>
+            </a:r>
+          </a:p>
+        </p:txBody>
+      </p:sp>
+    </p:spTree>
+    <p:extLst>
+      <p:ext uri="{BB962C8B-B14F-4D97-AF65-F5344CB8AC3E}">
+        <p14:creationId xmlns:p14="http://schemas.microsoft.com/office/powerpoint/2010/main" val="1815676645"/>
+      </p:ext>
+    </p:extLst>
+  </p:cSld>
+  <p:clrMapOvr>
+    <a:masterClrMapping/>
+  </p:clrMapOvr>
+</p:sld>
+</file>
+
+<file path=ppt/slides/slide5.xml><?xml version="1.0" encoding="utf-8"?>
+<p:sld xmlns:a="http://schemas.openxmlformats.org/drawingml/2006/main" xmlns:r="http://schemas.openxmlformats.org/officeDocument/2006/relationships" xmlns:p="http://schemas.openxmlformats.org/presentationml/2006/main">
+  <p:cSld>
+    <p:spTree>
+      <p:nvGrpSpPr>
+        <p:cNvPr id="1" name=""/>
+        <p:cNvGrpSpPr/>
+        <p:nvPr/>
+      </p:nvGrpSpPr>
+      <p:grpSpPr>
+        <a:xfrm>
+          <a:off x="0" y="0"/>
+          <a:ext cx="0" cy="0"/>
+          <a:chOff x="0" y="0"/>
+          <a:chExt cx="0" cy="0"/>
+        </a:xfrm>
+      </p:grpSpPr>
+      <p:pic>
+        <p:nvPicPr>
+          <p:cNvPr id="3" name="Picture 2">
+            <a:extLst>
+              <a:ext uri="{FF2B5EF4-FFF2-40B4-BE49-F238E27FC236}">
+                <a16:creationId xmlns:a16="http://schemas.microsoft.com/office/drawing/2014/main" id="{FE7BDFDB-D1AD-FD48-8006-0FD339A2E97E}"/>
+              </a:ext>
+            </a:extLst>
+          </p:cNvPr>
+          <p:cNvPicPr>
+            <a:picLocks noChangeAspect="1"/>
+          </p:cNvPicPr>
+          <p:nvPr/>
+        </p:nvPicPr>
+        <p:blipFill rotWithShape="1">
+          <a:blip r:embed="rId2">
+            <a:extLst>
+              <a:ext uri="{BEBA8EAE-BF5A-486C-A8C5-ECC9F3942E4B}">
+                <a14:imgProps xmlns:a14="http://schemas.microsoft.com/office/drawing/2010/main">
+                  <a14:imgLayer>
+                    <a14:imgEffect>
+                      <a14:sharpenSoften amount="-50000"/>
+                    </a14:imgEffect>
+                  </a14:imgLayer>
+                </a14:imgProps>
+              </a:ext>
+              <a:ext uri="{28A0092B-C50C-407E-A947-70E740481C1C}">
+                <a14:useLocalDpi xmlns:a14="http://schemas.microsoft.com/office/drawing/2010/main" val="0"/>
+              </a:ext>
+            </a:extLst>
+          </a:blip>
+          <a:srcRect l="1059" t="5836" b="10602"/>
+          <a:stretch/>
+        </p:blipFill>
+        <p:spPr>
+          <a:xfrm>
+            <a:off x="-508003" y="0"/>
+            <a:ext cx="10178475" cy="5725392"/>
+          </a:xfrm>
+          <a:prstGeom prst="rect">
+            <a:avLst/>
+          </a:prstGeom>
+        </p:spPr>
+      </p:pic>
+      <p:grpSp>
+        <p:nvGrpSpPr>
+          <p:cNvPr id="2" name="Group 1">
+            <a:extLst>
+              <a:ext uri="{FF2B5EF4-FFF2-40B4-BE49-F238E27FC236}">
+                <a16:creationId xmlns:a16="http://schemas.microsoft.com/office/drawing/2014/main" id="{BDE37B12-54D6-7241-B11B-8DFA71180D4F}"/>
+              </a:ext>
+            </a:extLst>
+          </p:cNvPr>
+          <p:cNvGrpSpPr/>
+          <p:nvPr/>
+        </p:nvGrpSpPr>
+        <p:grpSpPr>
+          <a:xfrm>
+            <a:off x="-517237" y="-5196"/>
+            <a:ext cx="10178475" cy="5725392"/>
+            <a:chOff x="-508004" y="0"/>
+            <a:chExt cx="10178475" cy="5725392"/>
+          </a:xfrm>
+        </p:grpSpPr>
+        <p:sp>
+          <p:nvSpPr>
+            <p:cNvPr id="4" name="Rectangle 3">
+              <a:extLst>
+                <a:ext uri="{FF2B5EF4-FFF2-40B4-BE49-F238E27FC236}">
+                  <a16:creationId xmlns:a16="http://schemas.microsoft.com/office/drawing/2014/main" id="{8E62E8E8-EA0A-4243-8622-F8976E437EBF}"/>
+                </a:ext>
+              </a:extLst>
+            </p:cNvPr>
+            <p:cNvSpPr/>
+            <p:nvPr/>
+          </p:nvSpPr>
+          <p:spPr>
+            <a:xfrm>
+              <a:off x="-508004" y="0"/>
+              <a:ext cx="10178475" cy="5725392"/>
+            </a:xfrm>
+            <a:prstGeom prst="rect">
+              <a:avLst/>
+            </a:prstGeom>
+            <a:solidFill>
+              <a:srgbClr val="212121">
+                <a:alpha val="54118"/>
+              </a:srgbClr>
+            </a:solidFill>
+            <a:ln>
+              <a:noFill/>
+            </a:ln>
+          </p:spPr>
+          <p:style>
+            <a:lnRef idx="2">
+              <a:schemeClr val="accent1">
+                <a:shade val="50000"/>
+              </a:schemeClr>
+            </a:lnRef>
+            <a:fillRef idx="1">
+              <a:schemeClr val="accent1"/>
+            </a:fillRef>
+            <a:effectRef idx="0">
+              <a:schemeClr val="accent1"/>
+            </a:effectRef>
+            <a:fontRef idx="minor">
+              <a:schemeClr val="lt1"/>
+            </a:fontRef>
+          </p:style>
+          <p:txBody>
+            <a:bodyPr rtlCol="0" anchor="ctr"/>
+            <a:lstStyle/>
+            <a:p>
+              <a:pPr algn="ctr"/>
+              <a:endParaRPr lang="en-US" sz="1053"/>
+            </a:p>
+          </p:txBody>
+        </p:sp>
+        <p:sp>
+          <p:nvSpPr>
+            <p:cNvPr id="5" name="TextBox 4">
+              <a:extLst>
+                <a:ext uri="{FF2B5EF4-FFF2-40B4-BE49-F238E27FC236}">
+                  <a16:creationId xmlns:a16="http://schemas.microsoft.com/office/drawing/2014/main" id="{5B7E8F53-B8FF-9C44-B323-2A86F0B36AC5}"/>
+                </a:ext>
+              </a:extLst>
+            </p:cNvPr>
+            <p:cNvSpPr txBox="1"/>
+            <p:nvPr/>
+          </p:nvSpPr>
+          <p:spPr>
+            <a:xfrm>
+              <a:off x="2616355" y="1778668"/>
+              <a:ext cx="3911291" cy="715581"/>
+            </a:xfrm>
+            <a:prstGeom prst="rect">
+              <a:avLst/>
+            </a:prstGeom>
+            <a:noFill/>
+          </p:spPr>
+          <p:txBody>
+            <a:bodyPr wrap="square" rtlCol="0">
+              <a:spAutoFit/>
+            </a:bodyPr>
+            <a:lstStyle/>
+            <a:p>
+              <a:pPr algn="ctr"/>
+              <a:r>
+                <a:rPr lang="en-US" sz="4050" dirty="0">
+                  <a:solidFill>
+                    <a:srgbClr val="FFFFFF"/>
+                  </a:solidFill>
+                  <a:effectLst>
+                    <a:outerShdw blurRad="50800" dist="38100" dir="2700000" algn="tl" rotWithShape="0">
+                      <a:prstClr val="black">
+                        <a:alpha val="40000"/>
+                      </a:prstClr>
+                    </a:outerShdw>
+                  </a:effectLst>
+                  <a:latin typeface="Pristina" panose="03060402040406080204" pitchFamily="66" charset="77"/>
+                </a:rPr>
+                <a:t>Zarahemla Branch</a:t>
+              </a:r>
+            </a:p>
+          </p:txBody>
+        </p:sp>
+        <p:sp>
+          <p:nvSpPr>
+            <p:cNvPr id="6" name="TextBox 5">
+              <a:extLst>
+                <a:ext uri="{FF2B5EF4-FFF2-40B4-BE49-F238E27FC236}">
+                  <a16:creationId xmlns:a16="http://schemas.microsoft.com/office/drawing/2014/main" id="{7A1794B7-EE3A-4B46-A1D2-5B3EF40ACAA1}"/>
+                </a:ext>
+              </a:extLst>
+            </p:cNvPr>
+            <p:cNvSpPr txBox="1"/>
+            <p:nvPr/>
+          </p:nvSpPr>
+          <p:spPr>
+            <a:xfrm>
+              <a:off x="390293" y="2654039"/>
+              <a:ext cx="8363414" cy="1061829"/>
+            </a:xfrm>
+            <a:prstGeom prst="rect">
+              <a:avLst/>
+            </a:prstGeom>
+            <a:noFill/>
+          </p:spPr>
+          <p:txBody>
+            <a:bodyPr wrap="square" rtlCol="0">
+              <a:spAutoFit/>
+            </a:bodyPr>
+            <a:lstStyle/>
+            <a:p>
+              <a:pPr algn="ctr"/>
+              <a:r>
+                <a:rPr lang="en-US" sz="2100" b="1" dirty="0">
+                  <a:solidFill>
+                    <a:srgbClr val="FFFFFF"/>
+                  </a:solidFill>
+                  <a:effectLst>
+                    <a:outerShdw blurRad="50800" dist="38100" dir="2700000" algn="tl" rotWithShape="0">
+                      <a:prstClr val="black">
+                        <a:alpha val="40000"/>
+                      </a:prstClr>
+                    </a:outerShdw>
+                  </a:effectLst>
+                  <a:latin typeface="+mj-lt"/>
+                </a:rPr>
+                <a:t>Please join us tonight at 6:00 PM CDT for an ordination service.</a:t>
+              </a:r>
+            </a:p>
+            <a:p>
+              <a:pPr algn="ctr"/>
+              <a:endParaRPr lang="en-US" sz="2100" b="1" dirty="0">
+                <a:solidFill>
+                  <a:srgbClr val="FFFFFF"/>
+                </a:solidFill>
+                <a:effectLst>
+                  <a:outerShdw blurRad="50800" dist="38100" dir="2700000" algn="tl" rotWithShape="0">
+                    <a:prstClr val="black">
+                      <a:alpha val="40000"/>
+                    </a:prstClr>
+                  </a:outerShdw>
+                </a:effectLst>
+                <a:latin typeface="+mj-lt"/>
+              </a:endParaRPr>
+            </a:p>
+            <a:p>
+              <a:pPr algn="ctr"/>
+              <a:r>
+                <a:rPr lang="en-US" sz="2100" b="1" dirty="0">
+                  <a:solidFill>
+                    <a:srgbClr val="FFFFFF"/>
+                  </a:solidFill>
+                  <a:effectLst>
+                    <a:outerShdw blurRad="50800" dist="38100" dir="2700000" algn="tl" rotWithShape="0">
+                      <a:prstClr val="black">
+                        <a:alpha val="40000"/>
+                      </a:prstClr>
+                    </a:outerShdw>
+                  </a:effectLst>
+                  <a:latin typeface="+mj-lt"/>
+                </a:rPr>
+                <a:t>Kelvin Henson will be ordained to the office of Elder.</a:t>
+              </a:r>
+            </a:p>
+          </p:txBody>
+        </p:sp>
+      </p:grpSp>
+    </p:spTree>
+    <p:extLst>
+      <p:ext uri="{BB962C8B-B14F-4D97-AF65-F5344CB8AC3E}">
+        <p14:creationId xmlns:p14="http://schemas.microsoft.com/office/powerpoint/2010/main" val="336121439"/>
+      </p:ext>
+    </p:extLst>
+  </p:cSld>
+  <p:clrMapOvr>
+    <a:masterClrMapping/>
+  </p:clrMapOvr>
+</p:sld>
+</file>
+
 <file path=ppt/theme/theme1.xml><?xml version="1.0" encoding="utf-8"?>
 <a:theme xmlns:a="http://schemas.openxmlformats.org/drawingml/2006/main" name="Office Theme">
   <a:themeElements>
-    <a:clrScheme name="Custom 1">
+    <a:clrScheme name="Office Theme">
       <a:dk1>
-        <a:srgbClr val="212121"/>
+        <a:sysClr val="windowText" lastClr="000000"/>
       </a:dk1>
       <a:lt1>
-        <a:srgbClr val="E1E2E1"/>
+        <a:sysClr val="window" lastClr="FFFFFF"/>
       </a:lt1>
       <a:dk2>
         <a:srgbClr val="44546A"/>
@@ -3598,7 +4063,7 @@
         <a:srgbClr val="954F72"/>
       </a:folHlink>
     </a:clrScheme>
-    <a:fontScheme name="Office">
+    <a:fontScheme name="Office Theme">
       <a:majorFont>
         <a:latin typeface="Calibri Light" panose="020F0302020204030204"/>
         <a:ea typeface=""/>
@@ -3633,23 +4098,6 @@
         <a:font script="Viet" typeface="Times New Roman"/>
         <a:font script="Uigh" typeface="Microsoft Uighur"/>
         <a:font script="Geor" typeface="Sylfaen"/>
-        <a:font script="Armn" typeface="Arial"/>
-        <a:font script="Bugi" typeface="Leelawadee UI"/>
-        <a:font script="Bopo" typeface="Microsoft JhengHei"/>
-        <a:font script="Java" typeface="Javanese Text"/>
-        <a:font script="Lisu" typeface="Segoe UI"/>
-        <a:font script="Mymr" typeface="Myanmar Text"/>
-        <a:font script="Nkoo" typeface="Ebrima"/>
-        <a:font script="Olck" typeface="Nirmala UI"/>
-        <a:font script="Osma" typeface="Ebrima"/>
-        <a:font script="Phag" typeface="Phagspa"/>
-        <a:font script="Syrn" typeface="Estrangelo Edessa"/>
-        <a:font script="Syrj" typeface="Estrangelo Edessa"/>
-        <a:font script="Syre" typeface="Estrangelo Edessa"/>
-        <a:font script="Sora" typeface="Nirmala UI"/>
-        <a:font script="Tale" typeface="Microsoft Tai Le"/>
-        <a:font script="Talu" typeface="Microsoft New Tai Lue"/>
-        <a:font script="Tfng" typeface="Ebrima"/>
       </a:majorFont>
       <a:minorFont>
         <a:latin typeface="Calibri" panose="020F0502020204030204"/>
@@ -3685,26 +4133,9 @@
         <a:font script="Viet" typeface="Arial"/>
         <a:font script="Uigh" typeface="Microsoft Uighur"/>
         <a:font script="Geor" typeface="Sylfaen"/>
-        <a:font script="Armn" typeface="Arial"/>
-        <a:font script="Bugi" typeface="Leelawadee UI"/>
-        <a:font script="Bopo" typeface="Microsoft JhengHei"/>
-        <a:font script="Java" typeface="Javanese Text"/>
-        <a:font script="Lisu" typeface="Segoe UI"/>
-        <a:font script="Mymr" typeface="Myanmar Text"/>
-        <a:font script="Nkoo" typeface="Ebrima"/>
-        <a:font script="Olck" typeface="Nirmala UI"/>
-        <a:font script="Osma" typeface="Ebrima"/>
-        <a:font script="Phag" typeface="Phagspa"/>
-        <a:font script="Syrn" typeface="Estrangelo Edessa"/>
-        <a:font script="Syrj" typeface="Estrangelo Edessa"/>
-        <a:font script="Syre" typeface="Estrangelo Edessa"/>
-        <a:font script="Sora" typeface="Nirmala UI"/>
-        <a:font script="Tale" typeface="Microsoft Tai Le"/>
-        <a:font script="Talu" typeface="Microsoft New Tai Lue"/>
-        <a:font script="Tfng" typeface="Ebrima"/>
       </a:minorFont>
     </a:fontScheme>
-    <a:fmtScheme name="Office">
+    <a:fmtScheme name="Office Theme">
       <a:fillStyleLst>
         <a:solidFill>
           <a:schemeClr val="phClr"/>

--- a/Template.pptx
+++ b/Template.pptx
@@ -2,7 +2,7 @@
 <file path=ppt/presentation.xml><?xml version="1.0" encoding="utf-8"?>
 <p:presentation xmlns:a="http://schemas.openxmlformats.org/drawingml/2006/main" xmlns:r="http://schemas.openxmlformats.org/officeDocument/2006/relationships" xmlns:p="http://schemas.openxmlformats.org/presentationml/2006/main" saveSubsetFonts="1">
   <p:sldMasterIdLst>
-    <p:sldMasterId id="2147483660" r:id="rId1"/>
+    <p:sldMasterId id="2147483672" r:id="rId1"/>
   </p:sldMasterIdLst>
   <p:sldIdLst>
     <p:sldId id="256" r:id="rId2"/>
@@ -11,7 +11,7 @@
     <p:sldId id="259" r:id="rId5"/>
     <p:sldId id="260" r:id="rId6"/>
   </p:sldIdLst>
-  <p:sldSz cx="9144000" cy="5715000" type="screen16x10"/>
+  <p:sldSz cx="10160000" cy="5715000"/>
   <p:notesSz cx="6858000" cy="9144000"/>
   <p:defaultTextStyle>
     <a:defPPr>
@@ -145,15 +145,15 @@
         </p:nvSpPr>
         <p:spPr>
           <a:xfrm>
-            <a:off x="1143000" y="935302"/>
-            <a:ext cx="6858000" cy="1989667"/>
+            <a:off x="1270000" y="935302"/>
+            <a:ext cx="7620000" cy="1989667"/>
           </a:xfrm>
         </p:spPr>
         <p:txBody>
           <a:bodyPr anchor="b"/>
           <a:lstStyle>
             <a:lvl1pPr algn="ctr">
-              <a:defRPr sz="4500"/>
+              <a:defRPr sz="5000"/>
             </a:lvl1pPr>
           </a:lstStyle>
           <a:p>
@@ -177,8 +177,8 @@
         </p:nvSpPr>
         <p:spPr>
           <a:xfrm>
-            <a:off x="1143000" y="3001698"/>
-            <a:ext cx="6858000" cy="1379802"/>
+            <a:off x="1270000" y="3001698"/>
+            <a:ext cx="7620000" cy="1379802"/>
           </a:xfrm>
         </p:spPr>
         <p:txBody>
@@ -186,39 +186,39 @@
           <a:lstStyle>
             <a:lvl1pPr marL="0" indent="0" algn="ctr">
               <a:buNone/>
-              <a:defRPr sz="1800"/>
+              <a:defRPr sz="2000"/>
             </a:lvl1pPr>
-            <a:lvl2pPr marL="342900" indent="0" algn="ctr">
+            <a:lvl2pPr marL="380985" indent="0" algn="ctr">
+              <a:buNone/>
+              <a:defRPr sz="1667"/>
+            </a:lvl2pPr>
+            <a:lvl3pPr marL="761970" indent="0" algn="ctr">
               <a:buNone/>
               <a:defRPr sz="1500"/>
-            </a:lvl2pPr>
-            <a:lvl3pPr marL="685800" indent="0" algn="ctr">
-              <a:buNone/>
-              <a:defRPr sz="1350"/>
             </a:lvl3pPr>
-            <a:lvl4pPr marL="1028700" indent="0" algn="ctr">
-              <a:buNone/>
-              <a:defRPr sz="1200"/>
+            <a:lvl4pPr marL="1142954" indent="0" algn="ctr">
+              <a:buNone/>
+              <a:defRPr sz="1333"/>
             </a:lvl4pPr>
-            <a:lvl5pPr marL="1371600" indent="0" algn="ctr">
-              <a:buNone/>
-              <a:defRPr sz="1200"/>
+            <a:lvl5pPr marL="1523939" indent="0" algn="ctr">
+              <a:buNone/>
+              <a:defRPr sz="1333"/>
             </a:lvl5pPr>
-            <a:lvl6pPr marL="1714500" indent="0" algn="ctr">
-              <a:buNone/>
-              <a:defRPr sz="1200"/>
+            <a:lvl6pPr marL="1904924" indent="0" algn="ctr">
+              <a:buNone/>
+              <a:defRPr sz="1333"/>
             </a:lvl6pPr>
-            <a:lvl7pPr marL="2057400" indent="0" algn="ctr">
-              <a:buNone/>
-              <a:defRPr sz="1200"/>
+            <a:lvl7pPr marL="2285909" indent="0" algn="ctr">
+              <a:buNone/>
+              <a:defRPr sz="1333"/>
             </a:lvl7pPr>
-            <a:lvl8pPr marL="2400300" indent="0" algn="ctr">
-              <a:buNone/>
-              <a:defRPr sz="1200"/>
+            <a:lvl8pPr marL="2666893" indent="0" algn="ctr">
+              <a:buNone/>
+              <a:defRPr sz="1333"/>
             </a:lvl8pPr>
-            <a:lvl9pPr marL="2743200" indent="0" algn="ctr">
-              <a:buNone/>
-              <a:defRPr sz="1200"/>
+            <a:lvl9pPr marL="3047878" indent="0" algn="ctr">
+              <a:buNone/>
+              <a:defRPr sz="1333"/>
             </a:lvl9pPr>
           </a:lstStyle>
           <a:p>
@@ -247,7 +247,7 @@
           <a:p>
             <a:fld id="{32F7251A-AE54-443C-B8FE-5F636E835EBF}" type="datetimeFigureOut">
               <a:rPr lang="en-US" smtClean="0"/>
-              <a:t>9/16/18</a:t>
+              <a:t>11/4/18</a:t>
             </a:fld>
             <a:endParaRPr lang="en-US"/>
           </a:p>
@@ -298,7 +298,7 @@
     </p:spTree>
     <p:extLst>
       <p:ext uri="{BB962C8B-B14F-4D97-AF65-F5344CB8AC3E}">
-        <p14:creationId xmlns:p14="http://schemas.microsoft.com/office/powerpoint/2010/main" val="2431825086"/>
+        <p14:creationId xmlns:p14="http://schemas.microsoft.com/office/powerpoint/2010/main" val="2050030463"/>
       </p:ext>
     </p:extLst>
   </p:cSld>
@@ -417,7 +417,7 @@
           <a:p>
             <a:fld id="{32F7251A-AE54-443C-B8FE-5F636E835EBF}" type="datetimeFigureOut">
               <a:rPr lang="en-US" smtClean="0"/>
-              <a:t>9/16/18</a:t>
+              <a:t>11/4/18</a:t>
             </a:fld>
             <a:endParaRPr lang="en-US"/>
           </a:p>
@@ -468,7 +468,7 @@
     </p:spTree>
     <p:extLst>
       <p:ext uri="{BB962C8B-B14F-4D97-AF65-F5344CB8AC3E}">
-        <p14:creationId xmlns:p14="http://schemas.microsoft.com/office/powerpoint/2010/main" val="859123167"/>
+        <p14:creationId xmlns:p14="http://schemas.microsoft.com/office/powerpoint/2010/main" val="1518542839"/>
       </p:ext>
     </p:extLst>
   </p:cSld>
@@ -507,8 +507,8 @@
         </p:nvSpPr>
         <p:spPr>
           <a:xfrm>
-            <a:off x="6543675" y="304271"/>
-            <a:ext cx="1971675" cy="4843198"/>
+            <a:off x="7270750" y="304271"/>
+            <a:ext cx="2190750" cy="4843198"/>
           </a:xfrm>
         </p:spPr>
         <p:txBody>
@@ -535,8 +535,8 @@
         </p:nvSpPr>
         <p:spPr>
           <a:xfrm>
-            <a:off x="628650" y="304271"/>
-            <a:ext cx="5800725" cy="4843198"/>
+            <a:off x="698500" y="304271"/>
+            <a:ext cx="6445250" cy="4843198"/>
           </a:xfrm>
         </p:spPr>
         <p:txBody>
@@ -597,7 +597,7 @@
           <a:p>
             <a:fld id="{32F7251A-AE54-443C-B8FE-5F636E835EBF}" type="datetimeFigureOut">
               <a:rPr lang="en-US" smtClean="0"/>
-              <a:t>9/16/18</a:t>
+              <a:t>11/4/18</a:t>
             </a:fld>
             <a:endParaRPr lang="en-US"/>
           </a:p>
@@ -648,7 +648,7 @@
     </p:spTree>
     <p:extLst>
       <p:ext uri="{BB962C8B-B14F-4D97-AF65-F5344CB8AC3E}">
-        <p14:creationId xmlns:p14="http://schemas.microsoft.com/office/powerpoint/2010/main" val="3432490108"/>
+        <p14:creationId xmlns:p14="http://schemas.microsoft.com/office/powerpoint/2010/main" val="3490986843"/>
       </p:ext>
     </p:extLst>
   </p:cSld>
@@ -767,7 +767,7 @@
           <a:p>
             <a:fld id="{32F7251A-AE54-443C-B8FE-5F636E835EBF}" type="datetimeFigureOut">
               <a:rPr lang="en-US" smtClean="0"/>
-              <a:t>9/16/18</a:t>
+              <a:t>11/4/18</a:t>
             </a:fld>
             <a:endParaRPr lang="en-US"/>
           </a:p>
@@ -818,7 +818,7 @@
     </p:spTree>
     <p:extLst>
       <p:ext uri="{BB962C8B-B14F-4D97-AF65-F5344CB8AC3E}">
-        <p14:creationId xmlns:p14="http://schemas.microsoft.com/office/powerpoint/2010/main" val="82051123"/>
+        <p14:creationId xmlns:p14="http://schemas.microsoft.com/office/powerpoint/2010/main" val="1710009443"/>
       </p:ext>
     </p:extLst>
   </p:cSld>
@@ -857,15 +857,15 @@
         </p:nvSpPr>
         <p:spPr>
           <a:xfrm>
-            <a:off x="623888" y="1424782"/>
-            <a:ext cx="7886700" cy="2377281"/>
+            <a:off x="693208" y="1424782"/>
+            <a:ext cx="8763000" cy="2377281"/>
           </a:xfrm>
         </p:spPr>
         <p:txBody>
           <a:bodyPr anchor="b"/>
           <a:lstStyle>
             <a:lvl1pPr>
-              <a:defRPr sz="4500"/>
+              <a:defRPr sz="5000"/>
             </a:lvl1pPr>
           </a:lstStyle>
           <a:p>
@@ -889,8 +889,8 @@
         </p:nvSpPr>
         <p:spPr>
           <a:xfrm>
-            <a:off x="623888" y="3824553"/>
-            <a:ext cx="7886700" cy="1250156"/>
+            <a:off x="693208" y="3824553"/>
+            <a:ext cx="8763000" cy="1250156"/>
           </a:xfrm>
         </p:spPr>
         <p:txBody>
@@ -898,7 +898,7 @@
           <a:lstStyle>
             <a:lvl1pPr marL="0" indent="0">
               <a:buNone/>
-              <a:defRPr sz="1800">
+              <a:defRPr sz="2000">
                 <a:solidFill>
                   <a:schemeClr val="tx1">
                     <a:tint val="75000"/>
@@ -906,7 +906,17 @@
                 </a:solidFill>
               </a:defRPr>
             </a:lvl1pPr>
-            <a:lvl2pPr marL="342900" indent="0">
+            <a:lvl2pPr marL="380985" indent="0">
+              <a:buNone/>
+              <a:defRPr sz="1667">
+                <a:solidFill>
+                  <a:schemeClr val="tx1">
+                    <a:tint val="75000"/>
+                  </a:schemeClr>
+                </a:solidFill>
+              </a:defRPr>
+            </a:lvl2pPr>
+            <a:lvl3pPr marL="761970" indent="0">
               <a:buNone/>
               <a:defRPr sz="1500">
                 <a:solidFill>
@@ -915,20 +925,10 @@
                   </a:schemeClr>
                 </a:solidFill>
               </a:defRPr>
-            </a:lvl2pPr>
-            <a:lvl3pPr marL="685800" indent="0">
-              <a:buNone/>
-              <a:defRPr sz="1350">
-                <a:solidFill>
-                  <a:schemeClr val="tx1">
-                    <a:tint val="75000"/>
-                  </a:schemeClr>
-                </a:solidFill>
-              </a:defRPr>
             </a:lvl3pPr>
-            <a:lvl4pPr marL="1028700" indent="0">
-              <a:buNone/>
-              <a:defRPr sz="1200">
+            <a:lvl4pPr marL="1142954" indent="0">
+              <a:buNone/>
+              <a:defRPr sz="1333">
                 <a:solidFill>
                   <a:schemeClr val="tx1">
                     <a:tint val="75000"/>
@@ -936,9 +936,9 @@
                 </a:solidFill>
               </a:defRPr>
             </a:lvl4pPr>
-            <a:lvl5pPr marL="1371600" indent="0">
-              <a:buNone/>
-              <a:defRPr sz="1200">
+            <a:lvl5pPr marL="1523939" indent="0">
+              <a:buNone/>
+              <a:defRPr sz="1333">
                 <a:solidFill>
                   <a:schemeClr val="tx1">
                     <a:tint val="75000"/>
@@ -946,9 +946,9 @@
                 </a:solidFill>
               </a:defRPr>
             </a:lvl5pPr>
-            <a:lvl6pPr marL="1714500" indent="0">
-              <a:buNone/>
-              <a:defRPr sz="1200">
+            <a:lvl6pPr marL="1904924" indent="0">
+              <a:buNone/>
+              <a:defRPr sz="1333">
                 <a:solidFill>
                   <a:schemeClr val="tx1">
                     <a:tint val="75000"/>
@@ -956,9 +956,9 @@
                 </a:solidFill>
               </a:defRPr>
             </a:lvl6pPr>
-            <a:lvl7pPr marL="2057400" indent="0">
-              <a:buNone/>
-              <a:defRPr sz="1200">
+            <a:lvl7pPr marL="2285909" indent="0">
+              <a:buNone/>
+              <a:defRPr sz="1333">
                 <a:solidFill>
                   <a:schemeClr val="tx1">
                     <a:tint val="75000"/>
@@ -966,9 +966,9 @@
                 </a:solidFill>
               </a:defRPr>
             </a:lvl7pPr>
-            <a:lvl8pPr marL="2400300" indent="0">
-              <a:buNone/>
-              <a:defRPr sz="1200">
+            <a:lvl8pPr marL="2666893" indent="0">
+              <a:buNone/>
+              <a:defRPr sz="1333">
                 <a:solidFill>
                   <a:schemeClr val="tx1">
                     <a:tint val="75000"/>
@@ -976,9 +976,9 @@
                 </a:solidFill>
               </a:defRPr>
             </a:lvl8pPr>
-            <a:lvl9pPr marL="2743200" indent="0">
-              <a:buNone/>
-              <a:defRPr sz="1200">
+            <a:lvl9pPr marL="3047878" indent="0">
+              <a:buNone/>
+              <a:defRPr sz="1333">
                 <a:solidFill>
                   <a:schemeClr val="tx1">
                     <a:tint val="75000"/>
@@ -1013,7 +1013,7 @@
           <a:p>
             <a:fld id="{32F7251A-AE54-443C-B8FE-5F636E835EBF}" type="datetimeFigureOut">
               <a:rPr lang="en-US" smtClean="0"/>
-              <a:t>9/16/18</a:t>
+              <a:t>11/4/18</a:t>
             </a:fld>
             <a:endParaRPr lang="en-US"/>
           </a:p>
@@ -1064,7 +1064,7 @@
     </p:spTree>
     <p:extLst>
       <p:ext uri="{BB962C8B-B14F-4D97-AF65-F5344CB8AC3E}">
-        <p14:creationId xmlns:p14="http://schemas.microsoft.com/office/powerpoint/2010/main" val="347380832"/>
+        <p14:creationId xmlns:p14="http://schemas.microsoft.com/office/powerpoint/2010/main" val="3536237920"/>
       </p:ext>
     </p:extLst>
   </p:cSld>
@@ -1126,8 +1126,8 @@
         </p:nvSpPr>
         <p:spPr>
           <a:xfrm>
-            <a:off x="628650" y="1521354"/>
-            <a:ext cx="3886200" cy="3626115"/>
+            <a:off x="698500" y="1521354"/>
+            <a:ext cx="4318000" cy="3626115"/>
           </a:xfrm>
         </p:spPr>
         <p:txBody>
@@ -1183,8 +1183,8 @@
         </p:nvSpPr>
         <p:spPr>
           <a:xfrm>
-            <a:off x="4629150" y="1521354"/>
-            <a:ext cx="3886200" cy="3626115"/>
+            <a:off x="5143500" y="1521354"/>
+            <a:ext cx="4318000" cy="3626115"/>
           </a:xfrm>
         </p:spPr>
         <p:txBody>
@@ -1245,7 +1245,7 @@
           <a:p>
             <a:fld id="{32F7251A-AE54-443C-B8FE-5F636E835EBF}" type="datetimeFigureOut">
               <a:rPr lang="en-US" smtClean="0"/>
-              <a:t>9/16/18</a:t>
+              <a:t>11/4/18</a:t>
             </a:fld>
             <a:endParaRPr lang="en-US"/>
           </a:p>
@@ -1296,7 +1296,7 @@
     </p:spTree>
     <p:extLst>
       <p:ext uri="{BB962C8B-B14F-4D97-AF65-F5344CB8AC3E}">
-        <p14:creationId xmlns:p14="http://schemas.microsoft.com/office/powerpoint/2010/main" val="2874819713"/>
+        <p14:creationId xmlns:p14="http://schemas.microsoft.com/office/powerpoint/2010/main" val="3416659308"/>
       </p:ext>
     </p:extLst>
   </p:cSld>
@@ -1335,8 +1335,8 @@
         </p:nvSpPr>
         <p:spPr>
           <a:xfrm>
-            <a:off x="629841" y="304271"/>
-            <a:ext cx="7886700" cy="1104636"/>
+            <a:off x="699823" y="304271"/>
+            <a:ext cx="8763000" cy="1104636"/>
           </a:xfrm>
         </p:spPr>
         <p:txBody>
@@ -1363,8 +1363,8 @@
         </p:nvSpPr>
         <p:spPr>
           <a:xfrm>
-            <a:off x="629842" y="1400969"/>
-            <a:ext cx="3868340" cy="686593"/>
+            <a:off x="699824" y="1400969"/>
+            <a:ext cx="4298156" cy="686593"/>
           </a:xfrm>
         </p:spPr>
         <p:txBody>
@@ -1372,39 +1372,39 @@
           <a:lstStyle>
             <a:lvl1pPr marL="0" indent="0">
               <a:buNone/>
-              <a:defRPr sz="1800" b="1"/>
+              <a:defRPr sz="2000" b="1"/>
             </a:lvl1pPr>
-            <a:lvl2pPr marL="342900" indent="0">
+            <a:lvl2pPr marL="380985" indent="0">
+              <a:buNone/>
+              <a:defRPr sz="1667" b="1"/>
+            </a:lvl2pPr>
+            <a:lvl3pPr marL="761970" indent="0">
               <a:buNone/>
               <a:defRPr sz="1500" b="1"/>
-            </a:lvl2pPr>
-            <a:lvl3pPr marL="685800" indent="0">
-              <a:buNone/>
-              <a:defRPr sz="1350" b="1"/>
             </a:lvl3pPr>
-            <a:lvl4pPr marL="1028700" indent="0">
-              <a:buNone/>
-              <a:defRPr sz="1200" b="1"/>
+            <a:lvl4pPr marL="1142954" indent="0">
+              <a:buNone/>
+              <a:defRPr sz="1333" b="1"/>
             </a:lvl4pPr>
-            <a:lvl5pPr marL="1371600" indent="0">
-              <a:buNone/>
-              <a:defRPr sz="1200" b="1"/>
+            <a:lvl5pPr marL="1523939" indent="0">
+              <a:buNone/>
+              <a:defRPr sz="1333" b="1"/>
             </a:lvl5pPr>
-            <a:lvl6pPr marL="1714500" indent="0">
-              <a:buNone/>
-              <a:defRPr sz="1200" b="1"/>
+            <a:lvl6pPr marL="1904924" indent="0">
+              <a:buNone/>
+              <a:defRPr sz="1333" b="1"/>
             </a:lvl6pPr>
-            <a:lvl7pPr marL="2057400" indent="0">
-              <a:buNone/>
-              <a:defRPr sz="1200" b="1"/>
+            <a:lvl7pPr marL="2285909" indent="0">
+              <a:buNone/>
+              <a:defRPr sz="1333" b="1"/>
             </a:lvl7pPr>
-            <a:lvl8pPr marL="2400300" indent="0">
-              <a:buNone/>
-              <a:defRPr sz="1200" b="1"/>
+            <a:lvl8pPr marL="2666893" indent="0">
+              <a:buNone/>
+              <a:defRPr sz="1333" b="1"/>
             </a:lvl8pPr>
-            <a:lvl9pPr marL="2743200" indent="0">
-              <a:buNone/>
-              <a:defRPr sz="1200" b="1"/>
+            <a:lvl9pPr marL="3047878" indent="0">
+              <a:buNone/>
+              <a:defRPr sz="1333" b="1"/>
             </a:lvl9pPr>
           </a:lstStyle>
           <a:p>
@@ -1428,8 +1428,8 @@
         </p:nvSpPr>
         <p:spPr>
           <a:xfrm>
-            <a:off x="629842" y="2087563"/>
-            <a:ext cx="3868340" cy="3070490"/>
+            <a:off x="699824" y="2087563"/>
+            <a:ext cx="4298156" cy="3070490"/>
           </a:xfrm>
         </p:spPr>
         <p:txBody>
@@ -1485,8 +1485,8 @@
         </p:nvSpPr>
         <p:spPr>
           <a:xfrm>
-            <a:off x="4629150" y="1400969"/>
-            <a:ext cx="3887391" cy="686593"/>
+            <a:off x="5143500" y="1400969"/>
+            <a:ext cx="4319323" cy="686593"/>
           </a:xfrm>
         </p:spPr>
         <p:txBody>
@@ -1494,39 +1494,39 @@
           <a:lstStyle>
             <a:lvl1pPr marL="0" indent="0">
               <a:buNone/>
-              <a:defRPr sz="1800" b="1"/>
+              <a:defRPr sz="2000" b="1"/>
             </a:lvl1pPr>
-            <a:lvl2pPr marL="342900" indent="0">
+            <a:lvl2pPr marL="380985" indent="0">
+              <a:buNone/>
+              <a:defRPr sz="1667" b="1"/>
+            </a:lvl2pPr>
+            <a:lvl3pPr marL="761970" indent="0">
               <a:buNone/>
               <a:defRPr sz="1500" b="1"/>
-            </a:lvl2pPr>
-            <a:lvl3pPr marL="685800" indent="0">
-              <a:buNone/>
-              <a:defRPr sz="1350" b="1"/>
             </a:lvl3pPr>
-            <a:lvl4pPr marL="1028700" indent="0">
-              <a:buNone/>
-              <a:defRPr sz="1200" b="1"/>
+            <a:lvl4pPr marL="1142954" indent="0">
+              <a:buNone/>
+              <a:defRPr sz="1333" b="1"/>
             </a:lvl4pPr>
-            <a:lvl5pPr marL="1371600" indent="0">
-              <a:buNone/>
-              <a:defRPr sz="1200" b="1"/>
+            <a:lvl5pPr marL="1523939" indent="0">
+              <a:buNone/>
+              <a:defRPr sz="1333" b="1"/>
             </a:lvl5pPr>
-            <a:lvl6pPr marL="1714500" indent="0">
-              <a:buNone/>
-              <a:defRPr sz="1200" b="1"/>
+            <a:lvl6pPr marL="1904924" indent="0">
+              <a:buNone/>
+              <a:defRPr sz="1333" b="1"/>
             </a:lvl6pPr>
-            <a:lvl7pPr marL="2057400" indent="0">
-              <a:buNone/>
-              <a:defRPr sz="1200" b="1"/>
+            <a:lvl7pPr marL="2285909" indent="0">
+              <a:buNone/>
+              <a:defRPr sz="1333" b="1"/>
             </a:lvl7pPr>
-            <a:lvl8pPr marL="2400300" indent="0">
-              <a:buNone/>
-              <a:defRPr sz="1200" b="1"/>
+            <a:lvl8pPr marL="2666893" indent="0">
+              <a:buNone/>
+              <a:defRPr sz="1333" b="1"/>
             </a:lvl8pPr>
-            <a:lvl9pPr marL="2743200" indent="0">
-              <a:buNone/>
-              <a:defRPr sz="1200" b="1"/>
+            <a:lvl9pPr marL="3047878" indent="0">
+              <a:buNone/>
+              <a:defRPr sz="1333" b="1"/>
             </a:lvl9pPr>
           </a:lstStyle>
           <a:p>
@@ -1550,8 +1550,8 @@
         </p:nvSpPr>
         <p:spPr>
           <a:xfrm>
-            <a:off x="4629150" y="2087563"/>
-            <a:ext cx="3887391" cy="3070490"/>
+            <a:off x="5143500" y="2087563"/>
+            <a:ext cx="4319323" cy="3070490"/>
           </a:xfrm>
         </p:spPr>
         <p:txBody>
@@ -1612,7 +1612,7 @@
           <a:p>
             <a:fld id="{32F7251A-AE54-443C-B8FE-5F636E835EBF}" type="datetimeFigureOut">
               <a:rPr lang="en-US" smtClean="0"/>
-              <a:t>9/16/18</a:t>
+              <a:t>11/4/18</a:t>
             </a:fld>
             <a:endParaRPr lang="en-US"/>
           </a:p>
@@ -1663,7 +1663,7 @@
     </p:spTree>
     <p:extLst>
       <p:ext uri="{BB962C8B-B14F-4D97-AF65-F5344CB8AC3E}">
-        <p14:creationId xmlns:p14="http://schemas.microsoft.com/office/powerpoint/2010/main" val="2157291401"/>
+        <p14:creationId xmlns:p14="http://schemas.microsoft.com/office/powerpoint/2010/main" val="176465634"/>
       </p:ext>
     </p:extLst>
   </p:cSld>
@@ -1730,7 +1730,7 @@
           <a:p>
             <a:fld id="{32F7251A-AE54-443C-B8FE-5F636E835EBF}" type="datetimeFigureOut">
               <a:rPr lang="en-US" smtClean="0"/>
-              <a:t>9/16/18</a:t>
+              <a:t>11/4/18</a:t>
             </a:fld>
             <a:endParaRPr lang="en-US"/>
           </a:p>
@@ -1781,7 +1781,7 @@
     </p:spTree>
     <p:extLst>
       <p:ext uri="{BB962C8B-B14F-4D97-AF65-F5344CB8AC3E}">
-        <p14:creationId xmlns:p14="http://schemas.microsoft.com/office/powerpoint/2010/main" val="3948412144"/>
+        <p14:creationId xmlns:p14="http://schemas.microsoft.com/office/powerpoint/2010/main" val="2985137299"/>
       </p:ext>
     </p:extLst>
   </p:cSld>
@@ -1825,7 +1825,7 @@
           <a:p>
             <a:fld id="{32F7251A-AE54-443C-B8FE-5F636E835EBF}" type="datetimeFigureOut">
               <a:rPr lang="en-US" smtClean="0"/>
-              <a:t>9/16/18</a:t>
+              <a:t>11/4/18</a:t>
             </a:fld>
             <a:endParaRPr lang="en-US"/>
           </a:p>
@@ -1876,7 +1876,7 @@
     </p:spTree>
     <p:extLst>
       <p:ext uri="{BB962C8B-B14F-4D97-AF65-F5344CB8AC3E}">
-        <p14:creationId xmlns:p14="http://schemas.microsoft.com/office/powerpoint/2010/main" val="3971018773"/>
+        <p14:creationId xmlns:p14="http://schemas.microsoft.com/office/powerpoint/2010/main" val="4261154120"/>
       </p:ext>
     </p:extLst>
   </p:cSld>
@@ -1915,15 +1915,15 @@
         </p:nvSpPr>
         <p:spPr>
           <a:xfrm>
-            <a:off x="629841" y="381000"/>
-            <a:ext cx="2949178" cy="1333500"/>
+            <a:off x="699824" y="381000"/>
+            <a:ext cx="3276864" cy="1333500"/>
           </a:xfrm>
         </p:spPr>
         <p:txBody>
           <a:bodyPr anchor="b"/>
           <a:lstStyle>
             <a:lvl1pPr>
-              <a:defRPr sz="2400"/>
+              <a:defRPr sz="2667"/>
             </a:lvl1pPr>
           </a:lstStyle>
           <a:p>
@@ -1947,39 +1947,39 @@
         </p:nvSpPr>
         <p:spPr>
           <a:xfrm>
-            <a:off x="3887391" y="822855"/>
-            <a:ext cx="4629150" cy="4061354"/>
+            <a:off x="4319323" y="822855"/>
+            <a:ext cx="5143500" cy="4061354"/>
           </a:xfrm>
         </p:spPr>
         <p:txBody>
           <a:bodyPr/>
           <a:lstStyle>
             <a:lvl1pPr>
-              <a:defRPr sz="2400"/>
+              <a:defRPr sz="2667"/>
             </a:lvl1pPr>
             <a:lvl2pPr>
-              <a:defRPr sz="2100"/>
+              <a:defRPr sz="2333"/>
             </a:lvl2pPr>
             <a:lvl3pPr>
-              <a:defRPr sz="1800"/>
+              <a:defRPr sz="2000"/>
             </a:lvl3pPr>
             <a:lvl4pPr>
-              <a:defRPr sz="1500"/>
+              <a:defRPr sz="1667"/>
             </a:lvl4pPr>
             <a:lvl5pPr>
-              <a:defRPr sz="1500"/>
+              <a:defRPr sz="1667"/>
             </a:lvl5pPr>
             <a:lvl6pPr>
-              <a:defRPr sz="1500"/>
+              <a:defRPr sz="1667"/>
             </a:lvl6pPr>
             <a:lvl7pPr>
-              <a:defRPr sz="1500"/>
+              <a:defRPr sz="1667"/>
             </a:lvl7pPr>
             <a:lvl8pPr>
-              <a:defRPr sz="1500"/>
+              <a:defRPr sz="1667"/>
             </a:lvl8pPr>
             <a:lvl9pPr>
-              <a:defRPr sz="1500"/>
+              <a:defRPr sz="1667"/>
             </a:lvl9pPr>
           </a:lstStyle>
           <a:p>
@@ -2032,8 +2032,8 @@
         </p:nvSpPr>
         <p:spPr>
           <a:xfrm>
-            <a:off x="629841" y="1714500"/>
-            <a:ext cx="2949178" cy="3176323"/>
+            <a:off x="699824" y="1714500"/>
+            <a:ext cx="3276864" cy="3176323"/>
           </a:xfrm>
         </p:spPr>
         <p:txBody>
@@ -2041,39 +2041,39 @@
           <a:lstStyle>
             <a:lvl1pPr marL="0" indent="0">
               <a:buNone/>
-              <a:defRPr sz="1200"/>
+              <a:defRPr sz="1333"/>
             </a:lvl1pPr>
-            <a:lvl2pPr marL="342900" indent="0">
-              <a:buNone/>
-              <a:defRPr sz="1050"/>
+            <a:lvl2pPr marL="380985" indent="0">
+              <a:buNone/>
+              <a:defRPr sz="1167"/>
             </a:lvl2pPr>
-            <a:lvl3pPr marL="685800" indent="0">
-              <a:buNone/>
-              <a:defRPr sz="900"/>
+            <a:lvl3pPr marL="761970" indent="0">
+              <a:buNone/>
+              <a:defRPr sz="1000"/>
             </a:lvl3pPr>
-            <a:lvl4pPr marL="1028700" indent="0">
-              <a:buNone/>
-              <a:defRPr sz="750"/>
+            <a:lvl4pPr marL="1142954" indent="0">
+              <a:buNone/>
+              <a:defRPr sz="833"/>
             </a:lvl4pPr>
-            <a:lvl5pPr marL="1371600" indent="0">
-              <a:buNone/>
-              <a:defRPr sz="750"/>
+            <a:lvl5pPr marL="1523939" indent="0">
+              <a:buNone/>
+              <a:defRPr sz="833"/>
             </a:lvl5pPr>
-            <a:lvl6pPr marL="1714500" indent="0">
-              <a:buNone/>
-              <a:defRPr sz="750"/>
+            <a:lvl6pPr marL="1904924" indent="0">
+              <a:buNone/>
+              <a:defRPr sz="833"/>
             </a:lvl6pPr>
-            <a:lvl7pPr marL="2057400" indent="0">
-              <a:buNone/>
-              <a:defRPr sz="750"/>
+            <a:lvl7pPr marL="2285909" indent="0">
+              <a:buNone/>
+              <a:defRPr sz="833"/>
             </a:lvl7pPr>
-            <a:lvl8pPr marL="2400300" indent="0">
-              <a:buNone/>
-              <a:defRPr sz="750"/>
+            <a:lvl8pPr marL="2666893" indent="0">
+              <a:buNone/>
+              <a:defRPr sz="833"/>
             </a:lvl8pPr>
-            <a:lvl9pPr marL="2743200" indent="0">
-              <a:buNone/>
-              <a:defRPr sz="750"/>
+            <a:lvl9pPr marL="3047878" indent="0">
+              <a:buNone/>
+              <a:defRPr sz="833"/>
             </a:lvl9pPr>
           </a:lstStyle>
           <a:p>
@@ -2102,7 +2102,7 @@
           <a:p>
             <a:fld id="{32F7251A-AE54-443C-B8FE-5F636E835EBF}" type="datetimeFigureOut">
               <a:rPr lang="en-US" smtClean="0"/>
-              <a:t>9/16/18</a:t>
+              <a:t>11/4/18</a:t>
             </a:fld>
             <a:endParaRPr lang="en-US"/>
           </a:p>
@@ -2153,7 +2153,7 @@
     </p:spTree>
     <p:extLst>
       <p:ext uri="{BB962C8B-B14F-4D97-AF65-F5344CB8AC3E}">
-        <p14:creationId xmlns:p14="http://schemas.microsoft.com/office/powerpoint/2010/main" val="2036415341"/>
+        <p14:creationId xmlns:p14="http://schemas.microsoft.com/office/powerpoint/2010/main" val="3810903195"/>
       </p:ext>
     </p:extLst>
   </p:cSld>
@@ -2192,15 +2192,15 @@
         </p:nvSpPr>
         <p:spPr>
           <a:xfrm>
-            <a:off x="629841" y="381000"/>
-            <a:ext cx="2949178" cy="1333500"/>
+            <a:off x="699824" y="381000"/>
+            <a:ext cx="3276864" cy="1333500"/>
           </a:xfrm>
         </p:spPr>
         <p:txBody>
           <a:bodyPr anchor="b"/>
           <a:lstStyle>
             <a:lvl1pPr>
-              <a:defRPr sz="2400"/>
+              <a:defRPr sz="2667"/>
             </a:lvl1pPr>
           </a:lstStyle>
           <a:p>
@@ -2224,8 +2224,8 @@
         </p:nvSpPr>
         <p:spPr>
           <a:xfrm>
-            <a:off x="3887391" y="822855"/>
-            <a:ext cx="4629150" cy="4061354"/>
+            <a:off x="4319323" y="822855"/>
+            <a:ext cx="5143500" cy="4061354"/>
           </a:xfrm>
         </p:spPr>
         <p:txBody>
@@ -2233,39 +2233,39 @@
           <a:lstStyle>
             <a:lvl1pPr marL="0" indent="0">
               <a:buNone/>
-              <a:defRPr sz="2400"/>
+              <a:defRPr sz="2667"/>
             </a:lvl1pPr>
-            <a:lvl2pPr marL="342900" indent="0">
-              <a:buNone/>
-              <a:defRPr sz="2100"/>
+            <a:lvl2pPr marL="380985" indent="0">
+              <a:buNone/>
+              <a:defRPr sz="2333"/>
             </a:lvl2pPr>
-            <a:lvl3pPr marL="685800" indent="0">
-              <a:buNone/>
-              <a:defRPr sz="1800"/>
+            <a:lvl3pPr marL="761970" indent="0">
+              <a:buNone/>
+              <a:defRPr sz="2000"/>
             </a:lvl3pPr>
-            <a:lvl4pPr marL="1028700" indent="0">
-              <a:buNone/>
-              <a:defRPr sz="1500"/>
+            <a:lvl4pPr marL="1142954" indent="0">
+              <a:buNone/>
+              <a:defRPr sz="1667"/>
             </a:lvl4pPr>
-            <a:lvl5pPr marL="1371600" indent="0">
-              <a:buNone/>
-              <a:defRPr sz="1500"/>
+            <a:lvl5pPr marL="1523939" indent="0">
+              <a:buNone/>
+              <a:defRPr sz="1667"/>
             </a:lvl5pPr>
-            <a:lvl6pPr marL="1714500" indent="0">
-              <a:buNone/>
-              <a:defRPr sz="1500"/>
+            <a:lvl6pPr marL="1904924" indent="0">
+              <a:buNone/>
+              <a:defRPr sz="1667"/>
             </a:lvl6pPr>
-            <a:lvl7pPr marL="2057400" indent="0">
-              <a:buNone/>
-              <a:defRPr sz="1500"/>
+            <a:lvl7pPr marL="2285909" indent="0">
+              <a:buNone/>
+              <a:defRPr sz="1667"/>
             </a:lvl7pPr>
-            <a:lvl8pPr marL="2400300" indent="0">
-              <a:buNone/>
-              <a:defRPr sz="1500"/>
+            <a:lvl8pPr marL="2666893" indent="0">
+              <a:buNone/>
+              <a:defRPr sz="1667"/>
             </a:lvl8pPr>
-            <a:lvl9pPr marL="2743200" indent="0">
-              <a:buNone/>
-              <a:defRPr sz="1500"/>
+            <a:lvl9pPr marL="3047878" indent="0">
+              <a:buNone/>
+              <a:defRPr sz="1667"/>
             </a:lvl9pPr>
           </a:lstStyle>
           <a:p>
@@ -2289,8 +2289,8 @@
         </p:nvSpPr>
         <p:spPr>
           <a:xfrm>
-            <a:off x="629841" y="1714500"/>
-            <a:ext cx="2949178" cy="3176323"/>
+            <a:off x="699824" y="1714500"/>
+            <a:ext cx="3276864" cy="3176323"/>
           </a:xfrm>
         </p:spPr>
         <p:txBody>
@@ -2298,39 +2298,39 @@
           <a:lstStyle>
             <a:lvl1pPr marL="0" indent="0">
               <a:buNone/>
-              <a:defRPr sz="1200"/>
+              <a:defRPr sz="1333"/>
             </a:lvl1pPr>
-            <a:lvl2pPr marL="342900" indent="0">
-              <a:buNone/>
-              <a:defRPr sz="1050"/>
+            <a:lvl2pPr marL="380985" indent="0">
+              <a:buNone/>
+              <a:defRPr sz="1167"/>
             </a:lvl2pPr>
-            <a:lvl3pPr marL="685800" indent="0">
-              <a:buNone/>
-              <a:defRPr sz="900"/>
+            <a:lvl3pPr marL="761970" indent="0">
+              <a:buNone/>
+              <a:defRPr sz="1000"/>
             </a:lvl3pPr>
-            <a:lvl4pPr marL="1028700" indent="0">
-              <a:buNone/>
-              <a:defRPr sz="750"/>
+            <a:lvl4pPr marL="1142954" indent="0">
+              <a:buNone/>
+              <a:defRPr sz="833"/>
             </a:lvl4pPr>
-            <a:lvl5pPr marL="1371600" indent="0">
-              <a:buNone/>
-              <a:defRPr sz="750"/>
+            <a:lvl5pPr marL="1523939" indent="0">
+              <a:buNone/>
+              <a:defRPr sz="833"/>
             </a:lvl5pPr>
-            <a:lvl6pPr marL="1714500" indent="0">
-              <a:buNone/>
-              <a:defRPr sz="750"/>
+            <a:lvl6pPr marL="1904924" indent="0">
+              <a:buNone/>
+              <a:defRPr sz="833"/>
             </a:lvl6pPr>
-            <a:lvl7pPr marL="2057400" indent="0">
-              <a:buNone/>
-              <a:defRPr sz="750"/>
+            <a:lvl7pPr marL="2285909" indent="0">
+              <a:buNone/>
+              <a:defRPr sz="833"/>
             </a:lvl7pPr>
-            <a:lvl8pPr marL="2400300" indent="0">
-              <a:buNone/>
-              <a:defRPr sz="750"/>
+            <a:lvl8pPr marL="2666893" indent="0">
+              <a:buNone/>
+              <a:defRPr sz="833"/>
             </a:lvl8pPr>
-            <a:lvl9pPr marL="2743200" indent="0">
-              <a:buNone/>
-              <a:defRPr sz="750"/>
+            <a:lvl9pPr marL="3047878" indent="0">
+              <a:buNone/>
+              <a:defRPr sz="833"/>
             </a:lvl9pPr>
           </a:lstStyle>
           <a:p>
@@ -2359,7 +2359,7 @@
           <a:p>
             <a:fld id="{32F7251A-AE54-443C-B8FE-5F636E835EBF}" type="datetimeFigureOut">
               <a:rPr lang="en-US" smtClean="0"/>
-              <a:t>9/16/18</a:t>
+              <a:t>11/4/18</a:t>
             </a:fld>
             <a:endParaRPr lang="en-US"/>
           </a:p>
@@ -2410,7 +2410,7 @@
     </p:spTree>
     <p:extLst>
       <p:ext uri="{BB962C8B-B14F-4D97-AF65-F5344CB8AC3E}">
-        <p14:creationId xmlns:p14="http://schemas.microsoft.com/office/powerpoint/2010/main" val="1524621459"/>
+        <p14:creationId xmlns:p14="http://schemas.microsoft.com/office/powerpoint/2010/main" val="232671484"/>
       </p:ext>
     </p:extLst>
   </p:cSld>
@@ -2454,8 +2454,8 @@
         </p:nvSpPr>
         <p:spPr>
           <a:xfrm>
-            <a:off x="628650" y="304271"/>
-            <a:ext cx="7886700" cy="1104636"/>
+            <a:off x="698500" y="304271"/>
+            <a:ext cx="8763000" cy="1104636"/>
           </a:xfrm>
           <a:prstGeom prst="rect">
             <a:avLst/>
@@ -2487,8 +2487,8 @@
         </p:nvSpPr>
         <p:spPr>
           <a:xfrm>
-            <a:off x="628650" y="1521354"/>
-            <a:ext cx="7886700" cy="3626115"/>
+            <a:off x="698500" y="1521354"/>
+            <a:ext cx="8763000" cy="3626115"/>
           </a:xfrm>
           <a:prstGeom prst="rect">
             <a:avLst/>
@@ -2549,8 +2549,8 @@
         </p:nvSpPr>
         <p:spPr>
           <a:xfrm>
-            <a:off x="628650" y="5296959"/>
-            <a:ext cx="2057400" cy="304271"/>
+            <a:off x="698500" y="5296959"/>
+            <a:ext cx="2286000" cy="304271"/>
           </a:xfrm>
           <a:prstGeom prst="rect">
             <a:avLst/>
@@ -2560,7 +2560,7 @@
           <a:bodyPr vert="horz" lIns="91440" tIns="45720" rIns="91440" bIns="45720" rtlCol="0" anchor="ctr"/>
           <a:lstStyle>
             <a:lvl1pPr algn="l">
-              <a:defRPr sz="900">
+              <a:defRPr sz="1000">
                 <a:solidFill>
                   <a:schemeClr val="tx1">
                     <a:tint val="75000"/>
@@ -2572,7 +2572,7 @@
           <a:p>
             <a:fld id="{32F7251A-AE54-443C-B8FE-5F636E835EBF}" type="datetimeFigureOut">
               <a:rPr lang="en-US" smtClean="0"/>
-              <a:t>9/16/18</a:t>
+              <a:t>11/4/18</a:t>
             </a:fld>
             <a:endParaRPr lang="en-US"/>
           </a:p>
@@ -2590,8 +2590,8 @@
         </p:nvSpPr>
         <p:spPr>
           <a:xfrm>
-            <a:off x="3028950" y="5296959"/>
-            <a:ext cx="3086100" cy="304271"/>
+            <a:off x="3365500" y="5296959"/>
+            <a:ext cx="3429000" cy="304271"/>
           </a:xfrm>
           <a:prstGeom prst="rect">
             <a:avLst/>
@@ -2601,7 +2601,7 @@
           <a:bodyPr vert="horz" lIns="91440" tIns="45720" rIns="91440" bIns="45720" rtlCol="0" anchor="ctr"/>
           <a:lstStyle>
             <a:lvl1pPr algn="ctr">
-              <a:defRPr sz="900">
+              <a:defRPr sz="1000">
                 <a:solidFill>
                   <a:schemeClr val="tx1">
                     <a:tint val="75000"/>
@@ -2627,8 +2627,8 @@
         </p:nvSpPr>
         <p:spPr>
           <a:xfrm>
-            <a:off x="6457950" y="5296959"/>
-            <a:ext cx="2057400" cy="304271"/>
+            <a:off x="7175500" y="5296959"/>
+            <a:ext cx="2286000" cy="304271"/>
           </a:xfrm>
           <a:prstGeom prst="rect">
             <a:avLst/>
@@ -2638,7 +2638,7 @@
           <a:bodyPr vert="horz" lIns="91440" tIns="45720" rIns="91440" bIns="45720" rtlCol="0" anchor="ctr"/>
           <a:lstStyle>
             <a:lvl1pPr algn="r">
-              <a:defRPr sz="900">
+              <a:defRPr sz="1000">
                 <a:solidFill>
                   <a:schemeClr val="tx1">
                     <a:tint val="75000"/>
@@ -2659,27 +2659,27 @@
     </p:spTree>
     <p:extLst>
       <p:ext uri="{BB962C8B-B14F-4D97-AF65-F5344CB8AC3E}">
-        <p14:creationId xmlns:p14="http://schemas.microsoft.com/office/powerpoint/2010/main" val="3193488506"/>
+        <p14:creationId xmlns:p14="http://schemas.microsoft.com/office/powerpoint/2010/main" val="3957535750"/>
       </p:ext>
     </p:extLst>
   </p:cSld>
   <p:clrMap bg1="lt1" tx1="dk1" bg2="lt2" tx2="dk2" accent1="accent1" accent2="accent2" accent3="accent3" accent4="accent4" accent5="accent5" accent6="accent6" hlink="hlink" folHlink="folHlink"/>
   <p:sldLayoutIdLst>
-    <p:sldLayoutId id="2147483661" r:id="rId1"/>
-    <p:sldLayoutId id="2147483662" r:id="rId2"/>
-    <p:sldLayoutId id="2147483663" r:id="rId3"/>
-    <p:sldLayoutId id="2147483664" r:id="rId4"/>
-    <p:sldLayoutId id="2147483665" r:id="rId5"/>
-    <p:sldLayoutId id="2147483666" r:id="rId6"/>
-    <p:sldLayoutId id="2147483667" r:id="rId7"/>
-    <p:sldLayoutId id="2147483668" r:id="rId8"/>
-    <p:sldLayoutId id="2147483669" r:id="rId9"/>
-    <p:sldLayoutId id="2147483670" r:id="rId10"/>
-    <p:sldLayoutId id="2147483671" r:id="rId11"/>
+    <p:sldLayoutId id="2147483673" r:id="rId1"/>
+    <p:sldLayoutId id="2147483674" r:id="rId2"/>
+    <p:sldLayoutId id="2147483675" r:id="rId3"/>
+    <p:sldLayoutId id="2147483676" r:id="rId4"/>
+    <p:sldLayoutId id="2147483677" r:id="rId5"/>
+    <p:sldLayoutId id="2147483678" r:id="rId6"/>
+    <p:sldLayoutId id="2147483679" r:id="rId7"/>
+    <p:sldLayoutId id="2147483680" r:id="rId8"/>
+    <p:sldLayoutId id="2147483681" r:id="rId9"/>
+    <p:sldLayoutId id="2147483682" r:id="rId10"/>
+    <p:sldLayoutId id="2147483683" r:id="rId11"/>
   </p:sldLayoutIdLst>
   <p:txStyles>
     <p:titleStyle>
-      <a:lvl1pPr algn="l" defTabSz="685800" rtl="0" eaLnBrk="1" latinLnBrk="0" hangingPunct="1">
+      <a:lvl1pPr algn="l" defTabSz="761970" rtl="0" eaLnBrk="1" latinLnBrk="0" hangingPunct="1">
         <a:lnSpc>
           <a:spcPct val="90000"/>
         </a:lnSpc>
@@ -2687,7 +2687,7 @@
           <a:spcPct val="0"/>
         </a:spcBef>
         <a:buNone/>
-        <a:defRPr sz="3300" kern="1200">
+        <a:defRPr sz="3667" kern="1200">
           <a:solidFill>
             <a:schemeClr val="tx1"/>
           </a:solidFill>
@@ -2698,16 +2698,16 @@
       </a:lvl1pPr>
     </p:titleStyle>
     <p:bodyStyle>
-      <a:lvl1pPr marL="171450" indent="-171450" algn="l" defTabSz="685800" rtl="0" eaLnBrk="1" latinLnBrk="0" hangingPunct="1">
+      <a:lvl1pPr marL="190492" indent="-190492" algn="l" defTabSz="761970" rtl="0" eaLnBrk="1" latinLnBrk="0" hangingPunct="1">
         <a:lnSpc>
           <a:spcPct val="90000"/>
         </a:lnSpc>
         <a:spcBef>
-          <a:spcPts val="750"/>
+          <a:spcPts val="833"/>
         </a:spcBef>
         <a:buFont typeface="Arial" panose="020B0604020202020204" pitchFamily="34" charset="0"/>
         <a:buChar char="•"/>
-        <a:defRPr sz="2100" kern="1200">
+        <a:defRPr sz="2333" kern="1200">
           <a:solidFill>
             <a:schemeClr val="tx1"/>
           </a:solidFill>
@@ -2716,16 +2716,16 @@
           <a:cs typeface="+mn-cs"/>
         </a:defRPr>
       </a:lvl1pPr>
-      <a:lvl2pPr marL="514350" indent="-171450" algn="l" defTabSz="685800" rtl="0" eaLnBrk="1" latinLnBrk="0" hangingPunct="1">
+      <a:lvl2pPr marL="571477" indent="-190492" algn="l" defTabSz="761970" rtl="0" eaLnBrk="1" latinLnBrk="0" hangingPunct="1">
         <a:lnSpc>
           <a:spcPct val="90000"/>
         </a:lnSpc>
         <a:spcBef>
-          <a:spcPts val="375"/>
+          <a:spcPts val="417"/>
         </a:spcBef>
         <a:buFont typeface="Arial" panose="020B0604020202020204" pitchFamily="34" charset="0"/>
         <a:buChar char="•"/>
-        <a:defRPr sz="1800" kern="1200">
+        <a:defRPr sz="2000" kern="1200">
           <a:solidFill>
             <a:schemeClr val="tx1"/>
           </a:solidFill>
@@ -2734,12 +2734,30 @@
           <a:cs typeface="+mn-cs"/>
         </a:defRPr>
       </a:lvl2pPr>
-      <a:lvl3pPr marL="857250" indent="-171450" algn="l" defTabSz="685800" rtl="0" eaLnBrk="1" latinLnBrk="0" hangingPunct="1">
+      <a:lvl3pPr marL="952462" indent="-190492" algn="l" defTabSz="761970" rtl="0" eaLnBrk="1" latinLnBrk="0" hangingPunct="1">
         <a:lnSpc>
           <a:spcPct val="90000"/>
         </a:lnSpc>
         <a:spcBef>
-          <a:spcPts val="375"/>
+          <a:spcPts val="417"/>
+        </a:spcBef>
+        <a:buFont typeface="Arial" panose="020B0604020202020204" pitchFamily="34" charset="0"/>
+        <a:buChar char="•"/>
+        <a:defRPr sz="1667" kern="1200">
+          <a:solidFill>
+            <a:schemeClr val="tx1"/>
+          </a:solidFill>
+          <a:latin typeface="+mn-lt"/>
+          <a:ea typeface="+mn-ea"/>
+          <a:cs typeface="+mn-cs"/>
+        </a:defRPr>
+      </a:lvl3pPr>
+      <a:lvl4pPr marL="1333447" indent="-190492" algn="l" defTabSz="761970" rtl="0" eaLnBrk="1" latinLnBrk="0" hangingPunct="1">
+        <a:lnSpc>
+          <a:spcPct val="90000"/>
+        </a:lnSpc>
+        <a:spcBef>
+          <a:spcPts val="417"/>
         </a:spcBef>
         <a:buFont typeface="Arial" panose="020B0604020202020204" pitchFamily="34" charset="0"/>
         <a:buChar char="•"/>
@@ -2751,35 +2769,17 @@
           <a:ea typeface="+mn-ea"/>
           <a:cs typeface="+mn-cs"/>
         </a:defRPr>
-      </a:lvl3pPr>
-      <a:lvl4pPr marL="1200150" indent="-171450" algn="l" defTabSz="685800" rtl="0" eaLnBrk="1" latinLnBrk="0" hangingPunct="1">
+      </a:lvl4pPr>
+      <a:lvl5pPr marL="1714431" indent="-190492" algn="l" defTabSz="761970" rtl="0" eaLnBrk="1" latinLnBrk="0" hangingPunct="1">
         <a:lnSpc>
           <a:spcPct val="90000"/>
         </a:lnSpc>
         <a:spcBef>
-          <a:spcPts val="375"/>
+          <a:spcPts val="417"/>
         </a:spcBef>
         <a:buFont typeface="Arial" panose="020B0604020202020204" pitchFamily="34" charset="0"/>
         <a:buChar char="•"/>
-        <a:defRPr sz="1350" kern="1200">
-          <a:solidFill>
-            <a:schemeClr val="tx1"/>
-          </a:solidFill>
-          <a:latin typeface="+mn-lt"/>
-          <a:ea typeface="+mn-ea"/>
-          <a:cs typeface="+mn-cs"/>
-        </a:defRPr>
-      </a:lvl4pPr>
-      <a:lvl5pPr marL="1543050" indent="-171450" algn="l" defTabSz="685800" rtl="0" eaLnBrk="1" latinLnBrk="0" hangingPunct="1">
-        <a:lnSpc>
-          <a:spcPct val="90000"/>
-        </a:lnSpc>
-        <a:spcBef>
-          <a:spcPts val="375"/>
-        </a:spcBef>
-        <a:buFont typeface="Arial" panose="020B0604020202020204" pitchFamily="34" charset="0"/>
-        <a:buChar char="•"/>
-        <a:defRPr sz="1350" kern="1200">
+        <a:defRPr sz="1500" kern="1200">
           <a:solidFill>
             <a:schemeClr val="tx1"/>
           </a:solidFill>
@@ -2788,16 +2788,16 @@
           <a:cs typeface="+mn-cs"/>
         </a:defRPr>
       </a:lvl5pPr>
-      <a:lvl6pPr marL="1885950" indent="-171450" algn="l" defTabSz="685800" rtl="0" eaLnBrk="1" latinLnBrk="0" hangingPunct="1">
+      <a:lvl6pPr marL="2095416" indent="-190492" algn="l" defTabSz="761970" rtl="0" eaLnBrk="1" latinLnBrk="0" hangingPunct="1">
         <a:lnSpc>
           <a:spcPct val="90000"/>
         </a:lnSpc>
         <a:spcBef>
-          <a:spcPts val="375"/>
+          <a:spcPts val="417"/>
         </a:spcBef>
         <a:buFont typeface="Arial" panose="020B0604020202020204" pitchFamily="34" charset="0"/>
         <a:buChar char="•"/>
-        <a:defRPr sz="1350" kern="1200">
+        <a:defRPr sz="1500" kern="1200">
           <a:solidFill>
             <a:schemeClr val="tx1"/>
           </a:solidFill>
@@ -2806,16 +2806,16 @@
           <a:cs typeface="+mn-cs"/>
         </a:defRPr>
       </a:lvl6pPr>
-      <a:lvl7pPr marL="2228850" indent="-171450" algn="l" defTabSz="685800" rtl="0" eaLnBrk="1" latinLnBrk="0" hangingPunct="1">
+      <a:lvl7pPr marL="2476401" indent="-190492" algn="l" defTabSz="761970" rtl="0" eaLnBrk="1" latinLnBrk="0" hangingPunct="1">
         <a:lnSpc>
           <a:spcPct val="90000"/>
         </a:lnSpc>
         <a:spcBef>
-          <a:spcPts val="375"/>
+          <a:spcPts val="417"/>
         </a:spcBef>
         <a:buFont typeface="Arial" panose="020B0604020202020204" pitchFamily="34" charset="0"/>
         <a:buChar char="•"/>
-        <a:defRPr sz="1350" kern="1200">
+        <a:defRPr sz="1500" kern="1200">
           <a:solidFill>
             <a:schemeClr val="tx1"/>
           </a:solidFill>
@@ -2824,16 +2824,16 @@
           <a:cs typeface="+mn-cs"/>
         </a:defRPr>
       </a:lvl7pPr>
-      <a:lvl8pPr marL="2571750" indent="-171450" algn="l" defTabSz="685800" rtl="0" eaLnBrk="1" latinLnBrk="0" hangingPunct="1">
+      <a:lvl8pPr marL="2857386" indent="-190492" algn="l" defTabSz="761970" rtl="0" eaLnBrk="1" latinLnBrk="0" hangingPunct="1">
         <a:lnSpc>
           <a:spcPct val="90000"/>
         </a:lnSpc>
         <a:spcBef>
-          <a:spcPts val="375"/>
+          <a:spcPts val="417"/>
         </a:spcBef>
         <a:buFont typeface="Arial" panose="020B0604020202020204" pitchFamily="34" charset="0"/>
         <a:buChar char="•"/>
-        <a:defRPr sz="1350" kern="1200">
+        <a:defRPr sz="1500" kern="1200">
           <a:solidFill>
             <a:schemeClr val="tx1"/>
           </a:solidFill>
@@ -2842,16 +2842,16 @@
           <a:cs typeface="+mn-cs"/>
         </a:defRPr>
       </a:lvl8pPr>
-      <a:lvl9pPr marL="2914650" indent="-171450" algn="l" defTabSz="685800" rtl="0" eaLnBrk="1" latinLnBrk="0" hangingPunct="1">
+      <a:lvl9pPr marL="3238370" indent="-190492" algn="l" defTabSz="761970" rtl="0" eaLnBrk="1" latinLnBrk="0" hangingPunct="1">
         <a:lnSpc>
           <a:spcPct val="90000"/>
         </a:lnSpc>
         <a:spcBef>
-          <a:spcPts val="375"/>
+          <a:spcPts val="417"/>
         </a:spcBef>
         <a:buFont typeface="Arial" panose="020B0604020202020204" pitchFamily="34" charset="0"/>
         <a:buChar char="•"/>
-        <a:defRPr sz="1350" kern="1200">
+        <a:defRPr sz="1500" kern="1200">
           <a:solidFill>
             <a:schemeClr val="tx1"/>
           </a:solidFill>
@@ -2865,8 +2865,8 @@
       <a:defPPr>
         <a:defRPr lang="en-US"/>
       </a:defPPr>
-      <a:lvl1pPr marL="0" algn="l" defTabSz="685800" rtl="0" eaLnBrk="1" latinLnBrk="0" hangingPunct="1">
-        <a:defRPr sz="1350" kern="1200">
+      <a:lvl1pPr marL="0" algn="l" defTabSz="761970" rtl="0" eaLnBrk="1" latinLnBrk="0" hangingPunct="1">
+        <a:defRPr sz="1500" kern="1200">
           <a:solidFill>
             <a:schemeClr val="tx1"/>
           </a:solidFill>
@@ -2875,8 +2875,8 @@
           <a:cs typeface="+mn-cs"/>
         </a:defRPr>
       </a:lvl1pPr>
-      <a:lvl2pPr marL="342900" algn="l" defTabSz="685800" rtl="0" eaLnBrk="1" latinLnBrk="0" hangingPunct="1">
-        <a:defRPr sz="1350" kern="1200">
+      <a:lvl2pPr marL="380985" algn="l" defTabSz="761970" rtl="0" eaLnBrk="1" latinLnBrk="0" hangingPunct="1">
+        <a:defRPr sz="1500" kern="1200">
           <a:solidFill>
             <a:schemeClr val="tx1"/>
           </a:solidFill>
@@ -2885,8 +2885,8 @@
           <a:cs typeface="+mn-cs"/>
         </a:defRPr>
       </a:lvl2pPr>
-      <a:lvl3pPr marL="685800" algn="l" defTabSz="685800" rtl="0" eaLnBrk="1" latinLnBrk="0" hangingPunct="1">
-        <a:defRPr sz="1350" kern="1200">
+      <a:lvl3pPr marL="761970" algn="l" defTabSz="761970" rtl="0" eaLnBrk="1" latinLnBrk="0" hangingPunct="1">
+        <a:defRPr sz="1500" kern="1200">
           <a:solidFill>
             <a:schemeClr val="tx1"/>
           </a:solidFill>
@@ -2895,8 +2895,8 @@
           <a:cs typeface="+mn-cs"/>
         </a:defRPr>
       </a:lvl3pPr>
-      <a:lvl4pPr marL="1028700" algn="l" defTabSz="685800" rtl="0" eaLnBrk="1" latinLnBrk="0" hangingPunct="1">
-        <a:defRPr sz="1350" kern="1200">
+      <a:lvl4pPr marL="1142954" algn="l" defTabSz="761970" rtl="0" eaLnBrk="1" latinLnBrk="0" hangingPunct="1">
+        <a:defRPr sz="1500" kern="1200">
           <a:solidFill>
             <a:schemeClr val="tx1"/>
           </a:solidFill>
@@ -2905,8 +2905,8 @@
           <a:cs typeface="+mn-cs"/>
         </a:defRPr>
       </a:lvl4pPr>
-      <a:lvl5pPr marL="1371600" algn="l" defTabSz="685800" rtl="0" eaLnBrk="1" latinLnBrk="0" hangingPunct="1">
-        <a:defRPr sz="1350" kern="1200">
+      <a:lvl5pPr marL="1523939" algn="l" defTabSz="761970" rtl="0" eaLnBrk="1" latinLnBrk="0" hangingPunct="1">
+        <a:defRPr sz="1500" kern="1200">
           <a:solidFill>
             <a:schemeClr val="tx1"/>
           </a:solidFill>
@@ -2915,8 +2915,8 @@
           <a:cs typeface="+mn-cs"/>
         </a:defRPr>
       </a:lvl5pPr>
-      <a:lvl6pPr marL="1714500" algn="l" defTabSz="685800" rtl="0" eaLnBrk="1" latinLnBrk="0" hangingPunct="1">
-        <a:defRPr sz="1350" kern="1200">
+      <a:lvl6pPr marL="1904924" algn="l" defTabSz="761970" rtl="0" eaLnBrk="1" latinLnBrk="0" hangingPunct="1">
+        <a:defRPr sz="1500" kern="1200">
           <a:solidFill>
             <a:schemeClr val="tx1"/>
           </a:solidFill>
@@ -2925,8 +2925,8 @@
           <a:cs typeface="+mn-cs"/>
         </a:defRPr>
       </a:lvl6pPr>
-      <a:lvl7pPr marL="2057400" algn="l" defTabSz="685800" rtl="0" eaLnBrk="1" latinLnBrk="0" hangingPunct="1">
-        <a:defRPr sz="1350" kern="1200">
+      <a:lvl7pPr marL="2285909" algn="l" defTabSz="761970" rtl="0" eaLnBrk="1" latinLnBrk="0" hangingPunct="1">
+        <a:defRPr sz="1500" kern="1200">
           <a:solidFill>
             <a:schemeClr val="tx1"/>
           </a:solidFill>
@@ -2935,8 +2935,8 @@
           <a:cs typeface="+mn-cs"/>
         </a:defRPr>
       </a:lvl7pPr>
-      <a:lvl8pPr marL="2400300" algn="l" defTabSz="685800" rtl="0" eaLnBrk="1" latinLnBrk="0" hangingPunct="1">
-        <a:defRPr sz="1350" kern="1200">
+      <a:lvl8pPr marL="2666893" algn="l" defTabSz="761970" rtl="0" eaLnBrk="1" latinLnBrk="0" hangingPunct="1">
+        <a:defRPr sz="1500" kern="1200">
           <a:solidFill>
             <a:schemeClr val="tx1"/>
           </a:solidFill>
@@ -2945,8 +2945,8 @@
           <a:cs typeface="+mn-cs"/>
         </a:defRPr>
       </a:lvl8pPr>
-      <a:lvl9pPr marL="2743200" algn="l" defTabSz="685800" rtl="0" eaLnBrk="1" latinLnBrk="0" hangingPunct="1">
-        <a:defRPr sz="1350" kern="1200">
+      <a:lvl9pPr marL="3047878" algn="l" defTabSz="761970" rtl="0" eaLnBrk="1" latinLnBrk="0" hangingPunct="1">
+        <a:defRPr sz="1500" kern="1200">
           <a:solidFill>
             <a:schemeClr val="tx1"/>
           </a:solidFill>
@@ -2985,7 +2985,7 @@
         </p:nvSpPr>
         <p:spPr>
           <a:xfrm>
-            <a:off x="0" y="4368898"/>
+            <a:off x="508000" y="4368898"/>
             <a:ext cx="9144000" cy="1060352"/>
           </a:xfrm>
           <a:prstGeom prst="rect">
@@ -3042,7 +3042,7 @@
         </p:nvSpPr>
         <p:spPr>
           <a:xfrm>
-            <a:off x="0" y="1172858"/>
+            <a:off x="508000" y="1172858"/>
             <a:ext cx="9144000" cy="600164"/>
           </a:xfrm>
           <a:prstGeom prst="rect">
@@ -3082,7 +3082,7 @@
         </p:nvSpPr>
         <p:spPr>
           <a:xfrm flipV="1">
-            <a:off x="0" y="285750"/>
+            <a:off x="508000" y="285751"/>
             <a:ext cx="9144000" cy="451273"/>
           </a:xfrm>
           <a:prstGeom prst="rect">
@@ -3145,7 +3145,7 @@
         </p:nvSpPr>
         <p:spPr>
           <a:xfrm>
-            <a:off x="-4968" y="2385431"/>
+            <a:off x="503032" y="2385431"/>
             <a:ext cx="9144000" cy="1338828"/>
           </a:xfrm>
           <a:prstGeom prst="rect">
@@ -3248,7 +3248,7 @@
         </p:blipFill>
         <p:spPr>
           <a:xfrm>
-            <a:off x="0" y="285750"/>
+            <a:off x="508000" y="285750"/>
             <a:ext cx="9144000" cy="5143500"/>
           </a:xfrm>
           <a:prstGeom prst="rect">
@@ -3314,7 +3314,7 @@
         </p:nvSpPr>
         <p:spPr>
           <a:xfrm>
-            <a:off x="2820573" y="908245"/>
+            <a:off x="3328574" y="908246"/>
             <a:ext cx="3502855" cy="507831"/>
           </a:xfrm>
           <a:prstGeom prst="rect">
@@ -3357,7 +3357,7 @@
         </p:nvSpPr>
         <p:spPr>
           <a:xfrm>
-            <a:off x="1883313" y="2136038"/>
+            <a:off x="2391314" y="2136038"/>
             <a:ext cx="5377375" cy="511166"/>
           </a:xfrm>
           <a:prstGeom prst="rect">
@@ -3404,7 +3404,7 @@
         </p:nvSpPr>
         <p:spPr>
           <a:xfrm>
-            <a:off x="1883313" y="2996486"/>
+            <a:off x="2391314" y="2996486"/>
             <a:ext cx="5377375" cy="511166"/>
           </a:xfrm>
           <a:prstGeom prst="rect">
@@ -3451,7 +3451,7 @@
         </p:nvSpPr>
         <p:spPr>
           <a:xfrm>
-            <a:off x="0" y="4806756"/>
+            <a:off x="508000" y="4806757"/>
             <a:ext cx="9144000" cy="622495"/>
           </a:xfrm>
           <a:prstGeom prst="rect">
@@ -3518,7 +3518,7 @@
         </p:nvSpPr>
         <p:spPr>
           <a:xfrm>
-            <a:off x="1883313" y="4806755"/>
+            <a:off x="2391314" y="4806755"/>
             <a:ext cx="5377375" cy="511166"/>
           </a:xfrm>
           <a:prstGeom prst="rect">
@@ -3619,7 +3619,7 @@
         </p:blipFill>
         <p:spPr>
           <a:xfrm>
-            <a:off x="0" y="285751"/>
+            <a:off x="508000" y="285751"/>
             <a:ext cx="9144000" cy="5143500"/>
           </a:xfrm>
           <a:prstGeom prst="rect">
@@ -3641,7 +3641,7 @@
         </p:nvSpPr>
         <p:spPr>
           <a:xfrm>
-            <a:off x="0" y="285750"/>
+            <a:off x="508000" y="285751"/>
             <a:ext cx="9144000" cy="5143501"/>
           </a:xfrm>
           <a:prstGeom prst="rect">
@@ -3695,7 +3695,7 @@
         </p:nvSpPr>
         <p:spPr>
           <a:xfrm>
-            <a:off x="3016406" y="2545877"/>
+            <a:off x="3524406" y="2545878"/>
             <a:ext cx="3111190" cy="646331"/>
           </a:xfrm>
           <a:prstGeom prst="rect">
@@ -3795,7 +3795,7 @@
         </p:blipFill>
         <p:spPr>
           <a:xfrm>
-            <a:off x="-508003" y="0"/>
+            <a:off x="-3" y="0"/>
             <a:ext cx="10178475" cy="5725392"/>
           </a:xfrm>
           <a:prstGeom prst="rect">
@@ -3817,7 +3817,7 @@
         </p:nvGrpSpPr>
         <p:grpSpPr>
           <a:xfrm>
-            <a:off x="-517237" y="-5196"/>
+            <a:off x="-9237" y="-5196"/>
             <a:ext cx="10178475" cy="5725392"/>
             <a:chOff x="-508004" y="0"/>
             <a:chExt cx="10178475" cy="5725392"/>
@@ -3845,7 +3845,7 @@
             </a:prstGeom>
             <a:solidFill>
               <a:srgbClr val="212121">
-                <a:alpha val="54118"/>
+                <a:alpha val="72941"/>
               </a:srgbClr>
             </a:solidFill>
             <a:ln>
@@ -3891,7 +3891,7 @@
           </p:nvSpPr>
           <p:spPr>
             <a:xfrm>
-              <a:off x="2616355" y="1778668"/>
+              <a:off x="2616355" y="1917211"/>
               <a:ext cx="3911291" cy="715581"/>
             </a:xfrm>
             <a:prstGeom prst="rect">
@@ -3939,8 +3939,8 @@
           </p:nvSpPr>
           <p:spPr>
             <a:xfrm>
-              <a:off x="390293" y="2654039"/>
-              <a:ext cx="8363414" cy="1061829"/>
+              <a:off x="390293" y="2792582"/>
+              <a:ext cx="8363414" cy="738664"/>
             </a:xfrm>
             <a:prstGeom prst="rect">
               <a:avLst/>
@@ -3968,24 +3968,8 @@
                   </a:effectLst>
                   <a:latin typeface="+mj-lt"/>
                 </a:rPr>
-                <a:t>Please join us tonight at 6:00 PM CDT for an ordination service.</a:t>
+                <a:t>Due to a congregational prayer service, this morning’s broadcast will</a:t>
               </a:r>
-            </a:p>
-            <a:p>
-              <a:pPr algn="ctr"/>
-              <a:endParaRPr lang="en-US" sz="2100" b="1" dirty="0">
-                <a:solidFill>
-                  <a:srgbClr val="FFFFFF"/>
-                </a:solidFill>
-                <a:effectLst>
-                  <a:outerShdw blurRad="50800" dist="38100" dir="2700000" algn="tl" rotWithShape="0">
-                    <a:prstClr val="black">
-                      <a:alpha val="40000"/>
-                    </a:prstClr>
-                  </a:outerShdw>
-                </a:effectLst>
-                <a:latin typeface="+mj-lt"/>
-              </a:endParaRPr>
             </a:p>
             <a:p>
               <a:pPr algn="ctr"/>
@@ -4003,7 +3987,7 @@
                   </a:effectLst>
                   <a:latin typeface="+mj-lt"/>
                 </a:rPr>
-                <a:t>Kelvin Henson will be ordained to the office of Elder.</a:t>
+                <a:t>not begin until 10:15 AM CST.</a:t>
               </a:r>
             </a:p>
           </p:txBody>
